--- a/docs/diagrams/ModelComponentClassDiagram.pptx
+++ b/docs/diagrams/ModelComponentClassDiagram.pptx
@@ -126,6 +126,907 @@
 </p:presentation>
 </file>
 
+<file path=ppt/revisionInfo.xml><?xml version="1.0" encoding="utf-8"?>
+<p1510:revInfo xmlns:a="http://schemas.openxmlformats.org/drawingml/2006/main" xmlns:r="http://schemas.openxmlformats.org/officeDocument/2006/relationships" xmlns:p1510="http://schemas.microsoft.com/office/powerpoint/2015/10/main">
+  <p1510:revLst>
+    <p1510:client id="{48AAC33B-A8BD-5942-9B91-8182C9D793D4}" v="89" dt="2018-10-17T00:53:35.596"/>
+  </p1510:revLst>
+</p1510:revInfo>
+</file>
+
+<file path=ppt/changesInfos/changesInfo1.xml><?xml version="1.0" encoding="utf-8"?>
+<pc:chgInfo xmlns:a="http://schemas.openxmlformats.org/drawingml/2006/main" xmlns:r="http://schemas.openxmlformats.org/officeDocument/2006/relationships" xmlns:ac="http://schemas.microsoft.com/office/drawing/2013/main/command" xmlns:pc="http://schemas.microsoft.com/office/powerpoint/2013/main/command">
+  <pc:docChgLst>
+    <pc:chgData name="Yew Woei" userId="69b82dcde67515b9" providerId="LiveId" clId="{48AAC33B-A8BD-5942-9B91-8182C9D793D4}"/>
+    <pc:docChg chg="undo redo custSel modSld">
+      <pc:chgData name="Yew Woei" userId="69b82dcde67515b9" providerId="LiveId" clId="{48AAC33B-A8BD-5942-9B91-8182C9D793D4}" dt="2018-10-17T00:54:08.032" v="736" actId="478"/>
+      <pc:docMkLst>
+        <pc:docMk/>
+      </pc:docMkLst>
+      <pc:sldChg chg="addSp delSp modSp">
+        <pc:chgData name="Yew Woei" userId="69b82dcde67515b9" providerId="LiveId" clId="{48AAC33B-A8BD-5942-9B91-8182C9D793D4}" dt="2018-10-17T00:54:08.032" v="736" actId="478"/>
+        <pc:sldMkLst>
+          <pc:docMk/>
+          <pc:sldMk cId="2396968029" sldId="263"/>
+        </pc:sldMkLst>
+        <pc:spChg chg="mod">
+          <ac:chgData name="Yew Woei" userId="69b82dcde67515b9" providerId="LiveId" clId="{48AAC33B-A8BD-5942-9B91-8182C9D793D4}" dt="2018-10-17T00:22:26.664" v="68" actId="1076"/>
+          <ac:spMkLst>
+            <pc:docMk/>
+            <pc:sldMk cId="2396968029" sldId="263"/>
+            <ac:spMk id="2" creationId="{00000000-0000-0000-0000-000000000000}"/>
+          </ac:spMkLst>
+        </pc:spChg>
+        <pc:spChg chg="mod">
+          <ac:chgData name="Yew Woei" userId="69b82dcde67515b9" providerId="LiveId" clId="{48AAC33B-A8BD-5942-9B91-8182C9D793D4}" dt="2018-10-17T00:22:36.561" v="71" actId="1076"/>
+          <ac:spMkLst>
+            <pc:docMk/>
+            <pc:sldMk cId="2396968029" sldId="263"/>
+            <ac:spMk id="42" creationId="{00000000-0000-0000-0000-000000000000}"/>
+          </ac:spMkLst>
+        </pc:spChg>
+        <pc:spChg chg="mod">
+          <ac:chgData name="Yew Woei" userId="69b82dcde67515b9" providerId="LiveId" clId="{48AAC33B-A8BD-5942-9B91-8182C9D793D4}" dt="2018-10-17T00:16:57.871" v="15" actId="20577"/>
+          <ac:spMkLst>
+            <pc:docMk/>
+            <pc:sldMk cId="2396968029" sldId="263"/>
+            <ac:spMk id="49" creationId="{00000000-0000-0000-0000-000000000000}"/>
+          </ac:spMkLst>
+        </pc:spChg>
+        <pc:spChg chg="del mod">
+          <ac:chgData name="Yew Woei" userId="69b82dcde67515b9" providerId="LiveId" clId="{48AAC33B-A8BD-5942-9B91-8182C9D793D4}" dt="2018-10-17T00:54:03.899" v="734" actId="478"/>
+          <ac:spMkLst>
+            <pc:docMk/>
+            <pc:sldMk cId="2396968029" sldId="263"/>
+            <ac:spMk id="61" creationId="{00000000-0000-0000-0000-000000000000}"/>
+          </ac:spMkLst>
+        </pc:spChg>
+        <pc:spChg chg="mod">
+          <ac:chgData name="Yew Woei" userId="69b82dcde67515b9" providerId="LiveId" clId="{48AAC33B-A8BD-5942-9B91-8182C9D793D4}" dt="2018-10-17T00:17:08.608" v="26" actId="14100"/>
+          <ac:spMkLst>
+            <pc:docMk/>
+            <pc:sldMk cId="2396968029" sldId="263"/>
+            <ac:spMk id="62" creationId="{00000000-0000-0000-0000-000000000000}"/>
+          </ac:spMkLst>
+        </pc:spChg>
+        <pc:spChg chg="mod">
+          <ac:chgData name="Yew Woei" userId="69b82dcde67515b9" providerId="LiveId" clId="{48AAC33B-A8BD-5942-9B91-8182C9D793D4}" dt="2018-10-17T00:37:20.178" v="396" actId="1076"/>
+          <ac:spMkLst>
+            <pc:docMk/>
+            <pc:sldMk cId="2396968029" sldId="263"/>
+            <ac:spMk id="66" creationId="{00000000-0000-0000-0000-000000000000}"/>
+          </ac:spMkLst>
+        </pc:spChg>
+        <pc:spChg chg="add mod">
+          <ac:chgData name="Yew Woei" userId="69b82dcde67515b9" providerId="LiveId" clId="{48AAC33B-A8BD-5942-9B91-8182C9D793D4}" dt="2018-10-17T00:42:03.178" v="483" actId="1076"/>
+          <ac:spMkLst>
+            <pc:docMk/>
+            <pc:sldMk cId="2396968029" sldId="263"/>
+            <ac:spMk id="67" creationId="{BB459E83-18D4-2B43-85BB-DAED96D90D39}"/>
+          </ac:spMkLst>
+        </pc:spChg>
+        <pc:spChg chg="mod">
+          <ac:chgData name="Yew Woei" userId="69b82dcde67515b9" providerId="LiveId" clId="{48AAC33B-A8BD-5942-9B91-8182C9D793D4}" dt="2018-10-17T00:17:13.426" v="28" actId="1076"/>
+          <ac:spMkLst>
+            <pc:docMk/>
+            <pc:sldMk cId="2396968029" sldId="263"/>
+            <ac:spMk id="78" creationId="{00000000-0000-0000-0000-000000000000}"/>
+          </ac:spMkLst>
+        </pc:spChg>
+        <pc:spChg chg="del">
+          <ac:chgData name="Yew Woei" userId="69b82dcde67515b9" providerId="LiveId" clId="{48AAC33B-A8BD-5942-9B91-8182C9D793D4}" dt="2018-10-17T00:27:47.058" v="172" actId="478"/>
+          <ac:spMkLst>
+            <pc:docMk/>
+            <pc:sldMk cId="2396968029" sldId="263"/>
+            <ac:spMk id="83" creationId="{00000000-0000-0000-0000-000000000000}"/>
+          </ac:spMkLst>
+        </pc:spChg>
+        <pc:spChg chg="mod">
+          <ac:chgData name="Yew Woei" userId="69b82dcde67515b9" providerId="LiveId" clId="{48AAC33B-A8BD-5942-9B91-8182C9D793D4}" dt="2018-10-17T00:27:57.403" v="176" actId="1076"/>
+          <ac:spMkLst>
+            <pc:docMk/>
+            <pc:sldMk cId="2396968029" sldId="263"/>
+            <ac:spMk id="85" creationId="{00000000-0000-0000-0000-000000000000}"/>
+          </ac:spMkLst>
+        </pc:spChg>
+        <pc:spChg chg="add mod">
+          <ac:chgData name="Yew Woei" userId="69b82dcde67515b9" providerId="LiveId" clId="{48AAC33B-A8BD-5942-9B91-8182C9D793D4}" dt="2018-10-17T00:37:10.796" v="393" actId="1076"/>
+          <ac:spMkLst>
+            <pc:docMk/>
+            <pc:sldMk cId="2396968029" sldId="263"/>
+            <ac:spMk id="87" creationId="{B5C21085-2577-CA49-94A6-9B781C59F1AD}"/>
+          </ac:spMkLst>
+        </pc:spChg>
+        <pc:spChg chg="add mod">
+          <ac:chgData name="Yew Woei" userId="69b82dcde67515b9" providerId="LiveId" clId="{48AAC33B-A8BD-5942-9B91-8182C9D793D4}" dt="2018-10-17T00:26:11.697" v="148" actId="1076"/>
+          <ac:spMkLst>
+            <pc:docMk/>
+            <pc:sldMk cId="2396968029" sldId="263"/>
+            <ac:spMk id="88" creationId="{2AF0522E-3CCA-4446-9711-A59661D66EF7}"/>
+          </ac:spMkLst>
+        </pc:spChg>
+        <pc:spChg chg="add mod">
+          <ac:chgData name="Yew Woei" userId="69b82dcde67515b9" providerId="LiveId" clId="{48AAC33B-A8BD-5942-9B91-8182C9D793D4}" dt="2018-10-17T00:46:23.043" v="552" actId="1076"/>
+          <ac:spMkLst>
+            <pc:docMk/>
+            <pc:sldMk cId="2396968029" sldId="263"/>
+            <ac:spMk id="89" creationId="{F83EB425-FC1A-DC47-82F2-406C0E48A79B}"/>
+          </ac:spMkLst>
+        </pc:spChg>
+        <pc:spChg chg="add mod">
+          <ac:chgData name="Yew Woei" userId="69b82dcde67515b9" providerId="LiveId" clId="{48AAC33B-A8BD-5942-9B91-8182C9D793D4}" dt="2018-10-17T00:26:50.221" v="158" actId="1076"/>
+          <ac:spMkLst>
+            <pc:docMk/>
+            <pc:sldMk cId="2396968029" sldId="263"/>
+            <ac:spMk id="90" creationId="{423DA341-6F1A-B244-9A6F-533199536810}"/>
+          </ac:spMkLst>
+        </pc:spChg>
+        <pc:spChg chg="add del mod">
+          <ac:chgData name="Yew Woei" userId="69b82dcde67515b9" providerId="LiveId" clId="{48AAC33B-A8BD-5942-9B91-8182C9D793D4}" dt="2018-10-17T00:46:36.751" v="554" actId="478"/>
+          <ac:spMkLst>
+            <pc:docMk/>
+            <pc:sldMk cId="2396968029" sldId="263"/>
+            <ac:spMk id="93" creationId="{8F5F3793-8021-A343-8437-250542EDD656}"/>
+          </ac:spMkLst>
+        </pc:spChg>
+        <pc:spChg chg="add mod">
+          <ac:chgData name="Yew Woei" userId="69b82dcde67515b9" providerId="LiveId" clId="{48AAC33B-A8BD-5942-9B91-8182C9D793D4}" dt="2018-10-17T00:26:54.058" v="160" actId="1076"/>
+          <ac:spMkLst>
+            <pc:docMk/>
+            <pc:sldMk cId="2396968029" sldId="263"/>
+            <ac:spMk id="95" creationId="{60FB47E9-7657-E74D-AE94-C71803825156}"/>
+          </ac:spMkLst>
+        </pc:spChg>
+        <pc:spChg chg="add mod">
+          <ac:chgData name="Yew Woei" userId="69b82dcde67515b9" providerId="LiveId" clId="{48AAC33B-A8BD-5942-9B91-8182C9D793D4}" dt="2018-10-17T00:37:45.775" v="402" actId="1076"/>
+          <ac:spMkLst>
+            <pc:docMk/>
+            <pc:sldMk cId="2396968029" sldId="263"/>
+            <ac:spMk id="98" creationId="{5087C77B-E903-5C48-AF66-AE2E6F1A155E}"/>
+          </ac:spMkLst>
+        </pc:spChg>
+        <pc:spChg chg="add mod">
+          <ac:chgData name="Yew Woei" userId="69b82dcde67515b9" providerId="LiveId" clId="{48AAC33B-A8BD-5942-9B91-8182C9D793D4}" dt="2018-10-17T00:41:52.065" v="480" actId="1076"/>
+          <ac:spMkLst>
+            <pc:docMk/>
+            <pc:sldMk cId="2396968029" sldId="263"/>
+            <ac:spMk id="101" creationId="{33B16023-BEE1-C045-84EA-A445023A9376}"/>
+          </ac:spMkLst>
+        </pc:spChg>
+        <pc:spChg chg="add mod">
+          <ac:chgData name="Yew Woei" userId="69b82dcde67515b9" providerId="LiveId" clId="{48AAC33B-A8BD-5942-9B91-8182C9D793D4}" dt="2018-10-17T00:37:45.775" v="402" actId="1076"/>
+          <ac:spMkLst>
+            <pc:docMk/>
+            <pc:sldMk cId="2396968029" sldId="263"/>
+            <ac:spMk id="103" creationId="{46160ECC-E314-1B47-9F9B-C5F45D8C92CC}"/>
+          </ac:spMkLst>
+        </pc:spChg>
+        <pc:spChg chg="add del mod">
+          <ac:chgData name="Yew Woei" userId="69b82dcde67515b9" providerId="LiveId" clId="{48AAC33B-A8BD-5942-9B91-8182C9D793D4}" dt="2018-10-17T00:37:45.775" v="402" actId="1076"/>
+          <ac:spMkLst>
+            <pc:docMk/>
+            <pc:sldMk cId="2396968029" sldId="263"/>
+            <ac:spMk id="105" creationId="{E6D38093-76DE-D745-B5FB-816FA32B640A}"/>
+          </ac:spMkLst>
+        </pc:spChg>
+        <pc:spChg chg="add mod">
+          <ac:chgData name="Yew Woei" userId="69b82dcde67515b9" providerId="LiveId" clId="{48AAC33B-A8BD-5942-9B91-8182C9D793D4}" dt="2018-10-17T00:37:45.775" v="402" actId="1076"/>
+          <ac:spMkLst>
+            <pc:docMk/>
+            <pc:sldMk cId="2396968029" sldId="263"/>
+            <ac:spMk id="108" creationId="{6FA64174-33DF-E749-8660-D20DE11A3D02}"/>
+          </ac:spMkLst>
+        </pc:spChg>
+        <pc:spChg chg="add del mod">
+          <ac:chgData name="Yew Woei" userId="69b82dcde67515b9" providerId="LiveId" clId="{48AAC33B-A8BD-5942-9B91-8182C9D793D4}" dt="2018-10-17T00:27:41.116" v="168" actId="478"/>
+          <ac:spMkLst>
+            <pc:docMk/>
+            <pc:sldMk cId="2396968029" sldId="263"/>
+            <ac:spMk id="110" creationId="{B29F1385-92B9-2740-A210-17B0F08349FC}"/>
+          </ac:spMkLst>
+        </pc:spChg>
+        <pc:spChg chg="add mod">
+          <ac:chgData name="Yew Woei" userId="69b82dcde67515b9" providerId="LiveId" clId="{48AAC33B-A8BD-5942-9B91-8182C9D793D4}" dt="2018-10-17T00:31:19.448" v="217" actId="1076"/>
+          <ac:spMkLst>
+            <pc:docMk/>
+            <pc:sldMk cId="2396968029" sldId="263"/>
+            <ac:spMk id="112" creationId="{1A767150-794E-2541-A112-31D44A660771}"/>
+          </ac:spMkLst>
+        </pc:spChg>
+        <pc:spChg chg="mod">
+          <ac:chgData name="Yew Woei" userId="69b82dcde67515b9" providerId="LiveId" clId="{48AAC33B-A8BD-5942-9B91-8182C9D793D4}" dt="2018-10-17T00:46:16.016" v="551" actId="1076"/>
+          <ac:spMkLst>
+            <pc:docMk/>
+            <pc:sldMk cId="2396968029" sldId="263"/>
+            <ac:spMk id="118" creationId="{00000000-0000-0000-0000-000000000000}"/>
+          </ac:spMkLst>
+        </pc:spChg>
+        <pc:spChg chg="mod">
+          <ac:chgData name="Yew Woei" userId="69b82dcde67515b9" providerId="LiveId" clId="{48AAC33B-A8BD-5942-9B91-8182C9D793D4}" dt="2018-10-17T00:20:36.905" v="62" actId="1076"/>
+          <ac:spMkLst>
+            <pc:docMk/>
+            <pc:sldMk cId="2396968029" sldId="263"/>
+            <ac:spMk id="119" creationId="{00000000-0000-0000-0000-000000000000}"/>
+          </ac:spMkLst>
+        </pc:spChg>
+        <pc:spChg chg="mod">
+          <ac:chgData name="Yew Woei" userId="69b82dcde67515b9" providerId="LiveId" clId="{48AAC33B-A8BD-5942-9B91-8182C9D793D4}" dt="2018-10-17T00:20:41.577" v="63" actId="1076"/>
+          <ac:spMkLst>
+            <pc:docMk/>
+            <pc:sldMk cId="2396968029" sldId="263"/>
+            <ac:spMk id="120" creationId="{00000000-0000-0000-0000-000000000000}"/>
+          </ac:spMkLst>
+        </pc:spChg>
+        <pc:spChg chg="mod">
+          <ac:chgData name="Yew Woei" userId="69b82dcde67515b9" providerId="LiveId" clId="{48AAC33B-A8BD-5942-9B91-8182C9D793D4}" dt="2018-10-17T00:20:56.944" v="65" actId="1076"/>
+          <ac:spMkLst>
+            <pc:docMk/>
+            <pc:sldMk cId="2396968029" sldId="263"/>
+            <ac:spMk id="122" creationId="{00000000-0000-0000-0000-000000000000}"/>
+          </ac:spMkLst>
+        </pc:spChg>
+        <pc:spChg chg="add mod">
+          <ac:chgData name="Yew Woei" userId="69b82dcde67515b9" providerId="LiveId" clId="{48AAC33B-A8BD-5942-9B91-8182C9D793D4}" dt="2018-10-17T00:37:45.775" v="402" actId="1076"/>
+          <ac:spMkLst>
+            <pc:docMk/>
+            <pc:sldMk cId="2396968029" sldId="263"/>
+            <ac:spMk id="128" creationId="{F8B6D0D2-D394-1F44-A401-339F4975BDEA}"/>
+          </ac:spMkLst>
+        </pc:spChg>
+        <pc:spChg chg="add del">
+          <ac:chgData name="Yew Woei" userId="69b82dcde67515b9" providerId="LiveId" clId="{48AAC33B-A8BD-5942-9B91-8182C9D793D4}" dt="2018-10-17T00:31:05.370" v="213"/>
+          <ac:spMkLst>
+            <pc:docMk/>
+            <pc:sldMk cId="2396968029" sldId="263"/>
+            <ac:spMk id="131" creationId="{7A305CBA-60F3-7745-818C-C3E9ECC6E093}"/>
+          </ac:spMkLst>
+        </pc:spChg>
+        <pc:spChg chg="add mod">
+          <ac:chgData name="Yew Woei" userId="69b82dcde67515b9" providerId="LiveId" clId="{48AAC33B-A8BD-5942-9B91-8182C9D793D4}" dt="2018-10-17T00:49:53.723" v="671" actId="207"/>
+          <ac:spMkLst>
+            <pc:docMk/>
+            <pc:sldMk cId="2396968029" sldId="263"/>
+            <ac:spMk id="132" creationId="{0DD2A809-689B-2948-85A9-B9B012402D40}"/>
+          </ac:spMkLst>
+        </pc:spChg>
+        <pc:spChg chg="add mod">
+          <ac:chgData name="Yew Woei" userId="69b82dcde67515b9" providerId="LiveId" clId="{48AAC33B-A8BD-5942-9B91-8182C9D793D4}" dt="2018-10-17T00:32:43.377" v="242" actId="20577"/>
+          <ac:spMkLst>
+            <pc:docMk/>
+            <pc:sldMk cId="2396968029" sldId="263"/>
+            <ac:spMk id="139" creationId="{0921F372-2243-7D48-B82B-346E5CD6B99F}"/>
+          </ac:spMkLst>
+        </pc:spChg>
+        <pc:spChg chg="add mod">
+          <ac:chgData name="Yew Woei" userId="69b82dcde67515b9" providerId="LiveId" clId="{48AAC33B-A8BD-5942-9B91-8182C9D793D4}" dt="2018-10-17T00:40:52.012" v="463" actId="1076"/>
+          <ac:spMkLst>
+            <pc:docMk/>
+            <pc:sldMk cId="2396968029" sldId="263"/>
+            <ac:spMk id="140" creationId="{7F7A2FA7-6994-D047-8C40-02F9EAD0E0BA}"/>
+          </ac:spMkLst>
+        </pc:spChg>
+        <pc:spChg chg="add mod">
+          <ac:chgData name="Yew Woei" userId="69b82dcde67515b9" providerId="LiveId" clId="{48AAC33B-A8BD-5942-9B91-8182C9D793D4}" dt="2018-10-17T00:40:52.012" v="463" actId="1076"/>
+          <ac:spMkLst>
+            <pc:docMk/>
+            <pc:sldMk cId="2396968029" sldId="263"/>
+            <ac:spMk id="141" creationId="{3BEB2C26-5F1C-DD4A-A431-134EDCD1B42E}"/>
+          </ac:spMkLst>
+        </pc:spChg>
+        <pc:spChg chg="add mod">
+          <ac:chgData name="Yew Woei" userId="69b82dcde67515b9" providerId="LiveId" clId="{48AAC33B-A8BD-5942-9B91-8182C9D793D4}" dt="2018-10-17T00:40:52.012" v="463" actId="1076"/>
+          <ac:spMkLst>
+            <pc:docMk/>
+            <pc:sldMk cId="2396968029" sldId="263"/>
+            <ac:spMk id="142" creationId="{DFDA015F-04FB-4947-9303-4D40796AF3AC}"/>
+          </ac:spMkLst>
+        </pc:spChg>
+        <pc:spChg chg="add del mod">
+          <ac:chgData name="Yew Woei" userId="69b82dcde67515b9" providerId="LiveId" clId="{48AAC33B-A8BD-5942-9B91-8182C9D793D4}" dt="2018-10-17T00:34:40.847" v="362" actId="478"/>
+          <ac:spMkLst>
+            <pc:docMk/>
+            <pc:sldMk cId="2396968029" sldId="263"/>
+            <ac:spMk id="143" creationId="{AD0CB94E-4CC9-EE4A-B5A2-104891145F1E}"/>
+          </ac:spMkLst>
+        </pc:spChg>
+        <pc:spChg chg="add mod">
+          <ac:chgData name="Yew Woei" userId="69b82dcde67515b9" providerId="LiveId" clId="{48AAC33B-A8BD-5942-9B91-8182C9D793D4}" dt="2018-10-17T00:53:19.318" v="723" actId="1076"/>
+          <ac:spMkLst>
+            <pc:docMk/>
+            <pc:sldMk cId="2396968029" sldId="263"/>
+            <ac:spMk id="144" creationId="{2CC429C3-FB75-3A4A-B010-C25105F8A879}"/>
+          </ac:spMkLst>
+        </pc:spChg>
+        <pc:spChg chg="add del mod">
+          <ac:chgData name="Yew Woei" userId="69b82dcde67515b9" providerId="LiveId" clId="{48AAC33B-A8BD-5942-9B91-8182C9D793D4}" dt="2018-10-17T00:34:42.244" v="363" actId="478"/>
+          <ac:spMkLst>
+            <pc:docMk/>
+            <pc:sldMk cId="2396968029" sldId="263"/>
+            <ac:spMk id="147" creationId="{1D97548F-4262-8942-8B8C-B400D260F8CB}"/>
+          </ac:spMkLst>
+        </pc:spChg>
+        <pc:spChg chg="add del">
+          <ac:chgData name="Yew Woei" userId="69b82dcde67515b9" providerId="LiveId" clId="{48AAC33B-A8BD-5942-9B91-8182C9D793D4}" dt="2018-10-17T00:34:23.002" v="340" actId="478"/>
+          <ac:spMkLst>
+            <pc:docMk/>
+            <pc:sldMk cId="2396968029" sldId="263"/>
+            <ac:spMk id="148" creationId="{091A78F5-7F52-EA49-829D-EA701F8A54A5}"/>
+          </ac:spMkLst>
+        </pc:spChg>
+        <pc:spChg chg="add del mod">
+          <ac:chgData name="Yew Woei" userId="69b82dcde67515b9" providerId="LiveId" clId="{48AAC33B-A8BD-5942-9B91-8182C9D793D4}" dt="2018-10-17T00:54:02.310" v="733" actId="478"/>
+          <ac:spMkLst>
+            <pc:docMk/>
+            <pc:sldMk cId="2396968029" sldId="263"/>
+            <ac:spMk id="152" creationId="{A6286FCB-25EF-7742-B58B-5B00470870C0}"/>
+          </ac:spMkLst>
+        </pc:spChg>
+        <pc:spChg chg="add del">
+          <ac:chgData name="Yew Woei" userId="69b82dcde67515b9" providerId="LiveId" clId="{48AAC33B-A8BD-5942-9B91-8182C9D793D4}" dt="2018-10-17T00:35:26.788" v="374"/>
+          <ac:spMkLst>
+            <pc:docMk/>
+            <pc:sldMk cId="2396968029" sldId="263"/>
+            <ac:spMk id="153" creationId="{37ADB7DD-F307-EB4C-AD6F-098DBF5B094A}"/>
+          </ac:spMkLst>
+        </pc:spChg>
+        <pc:spChg chg="add mod">
+          <ac:chgData name="Yew Woei" userId="69b82dcde67515b9" providerId="LiveId" clId="{48AAC33B-A8BD-5942-9B91-8182C9D793D4}" dt="2018-10-17T00:54:05.086" v="735" actId="20577"/>
+          <ac:spMkLst>
+            <pc:docMk/>
+            <pc:sldMk cId="2396968029" sldId="263"/>
+            <ac:spMk id="154" creationId="{3D4A9DAB-5CA8-8443-A247-B3D75662B0B4}"/>
+          </ac:spMkLst>
+        </pc:spChg>
+        <pc:spChg chg="add del mod">
+          <ac:chgData name="Yew Woei" userId="69b82dcde67515b9" providerId="LiveId" clId="{48AAC33B-A8BD-5942-9B91-8182C9D793D4}" dt="2018-10-17T00:54:02.310" v="733" actId="478"/>
+          <ac:spMkLst>
+            <pc:docMk/>
+            <pc:sldMk cId="2396968029" sldId="263"/>
+            <ac:spMk id="155" creationId="{219AD5E3-79EB-5242-ADF6-EEDC0A9CA26E}"/>
+          </ac:spMkLst>
+        </pc:spChg>
+        <pc:spChg chg="add mod">
+          <ac:chgData name="Yew Woei" userId="69b82dcde67515b9" providerId="LiveId" clId="{48AAC33B-A8BD-5942-9B91-8182C9D793D4}" dt="2018-10-17T00:46:40.694" v="555" actId="1076"/>
+          <ac:spMkLst>
+            <pc:docMk/>
+            <pc:sldMk cId="2396968029" sldId="263"/>
+            <ac:spMk id="156" creationId="{A8C735D9-66D0-C349-87EA-32901D13850B}"/>
+          </ac:spMkLst>
+        </pc:spChg>
+        <pc:spChg chg="add del mod">
+          <ac:chgData name="Yew Woei" userId="69b82dcde67515b9" providerId="LiveId" clId="{48AAC33B-A8BD-5942-9B91-8182C9D793D4}" dt="2018-10-17T00:54:08.032" v="736" actId="478"/>
+          <ac:spMkLst>
+            <pc:docMk/>
+            <pc:sldMk cId="2396968029" sldId="263"/>
+            <ac:spMk id="157" creationId="{324178AE-1942-1B41-8589-D5266BD8288A}"/>
+          </ac:spMkLst>
+        </pc:spChg>
+        <pc:spChg chg="add mod">
+          <ac:chgData name="Yew Woei" userId="69b82dcde67515b9" providerId="LiveId" clId="{48AAC33B-A8BD-5942-9B91-8182C9D793D4}" dt="2018-10-17T00:37:27.731" v="398" actId="1076"/>
+          <ac:spMkLst>
+            <pc:docMk/>
+            <pc:sldMk cId="2396968029" sldId="263"/>
+            <ac:spMk id="162" creationId="{FB4F47D1-5071-C543-892C-2D062E47E1BF}"/>
+          </ac:spMkLst>
+        </pc:spChg>
+        <pc:spChg chg="add mod">
+          <ac:chgData name="Yew Woei" userId="69b82dcde67515b9" providerId="LiveId" clId="{48AAC33B-A8BD-5942-9B91-8182C9D793D4}" dt="2018-10-17T00:46:43.919" v="557" actId="1076"/>
+          <ac:spMkLst>
+            <pc:docMk/>
+            <pc:sldMk cId="2396968029" sldId="263"/>
+            <ac:spMk id="257" creationId="{0434AD9C-E14B-604A-8680-BF53A1B98B56}"/>
+          </ac:spMkLst>
+        </pc:spChg>
+        <pc:spChg chg="add mod">
+          <ac:chgData name="Yew Woei" userId="69b82dcde67515b9" providerId="LiveId" clId="{48AAC33B-A8BD-5942-9B91-8182C9D793D4}" dt="2018-10-17T00:46:47.031" v="559" actId="1076"/>
+          <ac:spMkLst>
+            <pc:docMk/>
+            <pc:sldMk cId="2396968029" sldId="263"/>
+            <ac:spMk id="258" creationId="{DDD1B3D7-44DB-B545-AAAE-96AC86F918E4}"/>
+          </ac:spMkLst>
+        </pc:spChg>
+        <pc:spChg chg="add mod">
+          <ac:chgData name="Yew Woei" userId="69b82dcde67515b9" providerId="LiveId" clId="{48AAC33B-A8BD-5942-9B91-8182C9D793D4}" dt="2018-10-17T00:46:50.918" v="561" actId="1076"/>
+          <ac:spMkLst>
+            <pc:docMk/>
+            <pc:sldMk cId="2396968029" sldId="263"/>
+            <ac:spMk id="259" creationId="{78B39354-9ED7-4E43-9CCB-803D37154159}"/>
+          </ac:spMkLst>
+        </pc:spChg>
+        <pc:spChg chg="add mod">
+          <ac:chgData name="Yew Woei" userId="69b82dcde67515b9" providerId="LiveId" clId="{48AAC33B-A8BD-5942-9B91-8182C9D793D4}" dt="2018-10-17T00:46:54.581" v="563" actId="1076"/>
+          <ac:spMkLst>
+            <pc:docMk/>
+            <pc:sldMk cId="2396968029" sldId="263"/>
+            <ac:spMk id="260" creationId="{9E671A7A-C148-2D46-807B-D45C222711D1}"/>
+          </ac:spMkLst>
+        </pc:spChg>
+        <pc:spChg chg="add mod">
+          <ac:chgData name="Yew Woei" userId="69b82dcde67515b9" providerId="LiveId" clId="{48AAC33B-A8BD-5942-9B91-8182C9D793D4}" dt="2018-10-17T00:46:58.931" v="565" actId="1076"/>
+          <ac:spMkLst>
+            <pc:docMk/>
+            <pc:sldMk cId="2396968029" sldId="263"/>
+            <ac:spMk id="261" creationId="{F04479BF-D51D-D64A-82BC-3DB8E93DEF48}"/>
+          </ac:spMkLst>
+        </pc:spChg>
+        <pc:spChg chg="add mod">
+          <ac:chgData name="Yew Woei" userId="69b82dcde67515b9" providerId="LiveId" clId="{48AAC33B-A8BD-5942-9B91-8182C9D793D4}" dt="2018-10-17T00:47:31.605" v="589" actId="255"/>
+          <ac:spMkLst>
+            <pc:docMk/>
+            <pc:sldMk cId="2396968029" sldId="263"/>
+            <ac:spMk id="262" creationId="{280572DE-617E-924B-8BF2-75647A2E492F}"/>
+          </ac:spMkLst>
+        </pc:spChg>
+        <pc:spChg chg="add mod">
+          <ac:chgData name="Yew Woei" userId="69b82dcde67515b9" providerId="LiveId" clId="{48AAC33B-A8BD-5942-9B91-8182C9D793D4}" dt="2018-10-17T00:47:40.152" v="598" actId="20577"/>
+          <ac:spMkLst>
+            <pc:docMk/>
+            <pc:sldMk cId="2396968029" sldId="263"/>
+            <ac:spMk id="263" creationId="{B2D023B9-55D9-3A40-8818-C13FA15F59E1}"/>
+          </ac:spMkLst>
+        </pc:spChg>
+        <pc:spChg chg="add mod">
+          <ac:chgData name="Yew Woei" userId="69b82dcde67515b9" providerId="LiveId" clId="{48AAC33B-A8BD-5942-9B91-8182C9D793D4}" dt="2018-10-17T00:47:51.446" v="608" actId="20577"/>
+          <ac:spMkLst>
+            <pc:docMk/>
+            <pc:sldMk cId="2396968029" sldId="263"/>
+            <ac:spMk id="264" creationId="{13F04B2F-614F-CA42-BAA5-04F1960A247D}"/>
+          </ac:spMkLst>
+        </pc:spChg>
+        <pc:spChg chg="add mod">
+          <ac:chgData name="Yew Woei" userId="69b82dcde67515b9" providerId="LiveId" clId="{48AAC33B-A8BD-5942-9B91-8182C9D793D4}" dt="2018-10-17T00:48:02.430" v="626" actId="1076"/>
+          <ac:spMkLst>
+            <pc:docMk/>
+            <pc:sldMk cId="2396968029" sldId="263"/>
+            <ac:spMk id="265" creationId="{9390546C-BDC6-3B48-92AB-0E14D7F8B4C2}"/>
+          </ac:spMkLst>
+        </pc:spChg>
+        <pc:spChg chg="add mod">
+          <ac:chgData name="Yew Woei" userId="69b82dcde67515b9" providerId="LiveId" clId="{48AAC33B-A8BD-5942-9B91-8182C9D793D4}" dt="2018-10-17T00:48:08.324" v="639" actId="20577"/>
+          <ac:spMkLst>
+            <pc:docMk/>
+            <pc:sldMk cId="2396968029" sldId="263"/>
+            <ac:spMk id="266" creationId="{308AF398-4DC7-6348-B00C-BF7D4924118C}"/>
+          </ac:spMkLst>
+        </pc:spChg>
+        <pc:spChg chg="add mod">
+          <ac:chgData name="Yew Woei" userId="69b82dcde67515b9" providerId="LiveId" clId="{48AAC33B-A8BD-5942-9B91-8182C9D793D4}" dt="2018-10-17T00:48:15.778" v="653" actId="20577"/>
+          <ac:spMkLst>
+            <pc:docMk/>
+            <pc:sldMk cId="2396968029" sldId="263"/>
+            <ac:spMk id="267" creationId="{EDECDE29-CF8C-2D48-A79B-B215E71FE03A}"/>
+          </ac:spMkLst>
+        </pc:spChg>
+        <pc:spChg chg="add mod">
+          <ac:chgData name="Yew Woei" userId="69b82dcde67515b9" providerId="LiveId" clId="{48AAC33B-A8BD-5942-9B91-8182C9D793D4}" dt="2018-10-17T00:50:08.477" v="676" actId="1076"/>
+          <ac:spMkLst>
+            <pc:docMk/>
+            <pc:sldMk cId="2396968029" sldId="263"/>
+            <ac:spMk id="271" creationId="{776FA19E-2332-8446-8F92-837D1B08D029}"/>
+          </ac:spMkLst>
+        </pc:spChg>
+        <pc:spChg chg="add mod">
+          <ac:chgData name="Yew Woei" userId="69b82dcde67515b9" providerId="LiveId" clId="{48AAC33B-A8BD-5942-9B91-8182C9D793D4}" dt="2018-10-17T00:50:05.206" v="675" actId="1076"/>
+          <ac:spMkLst>
+            <pc:docMk/>
+            <pc:sldMk cId="2396968029" sldId="263"/>
+            <ac:spMk id="272" creationId="{19C5BD62-AD0D-E042-89DD-BAAAFD592DAF}"/>
+          </ac:spMkLst>
+        </pc:spChg>
+        <pc:spChg chg="add mod">
+          <ac:chgData name="Yew Woei" userId="69b82dcde67515b9" providerId="LiveId" clId="{48AAC33B-A8BD-5942-9B91-8182C9D793D4}" dt="2018-10-17T00:50:58.770" v="689" actId="1076"/>
+          <ac:spMkLst>
+            <pc:docMk/>
+            <pc:sldMk cId="2396968029" sldId="263"/>
+            <ac:spMk id="283" creationId="{3094E2E8-9863-474F-A631-941E7C45A77E}"/>
+          </ac:spMkLst>
+        </pc:spChg>
+        <pc:spChg chg="add mod">
+          <ac:chgData name="Yew Woei" userId="69b82dcde67515b9" providerId="LiveId" clId="{48AAC33B-A8BD-5942-9B91-8182C9D793D4}" dt="2018-10-17T00:51:03.644" v="691" actId="1076"/>
+          <ac:spMkLst>
+            <pc:docMk/>
+            <pc:sldMk cId="2396968029" sldId="263"/>
+            <ac:spMk id="284" creationId="{4D0FFDAC-9F93-5641-BA29-7877F2A214DB}"/>
+          </ac:spMkLst>
+        </pc:spChg>
+        <pc:spChg chg="add mod">
+          <ac:chgData name="Yew Woei" userId="69b82dcde67515b9" providerId="LiveId" clId="{48AAC33B-A8BD-5942-9B91-8182C9D793D4}" dt="2018-10-17T00:53:15.994" v="722" actId="1076"/>
+          <ac:spMkLst>
+            <pc:docMk/>
+            <pc:sldMk cId="2396968029" sldId="263"/>
+            <ac:spMk id="285" creationId="{CB572264-9070-314C-9CC0-DC7247C819BA}"/>
+          </ac:spMkLst>
+        </pc:spChg>
+        <pc:spChg chg="add mod">
+          <ac:chgData name="Yew Woei" userId="69b82dcde67515b9" providerId="LiveId" clId="{48AAC33B-A8BD-5942-9B91-8182C9D793D4}" dt="2018-10-17T00:52:45.616" v="717" actId="1076"/>
+          <ac:spMkLst>
+            <pc:docMk/>
+            <pc:sldMk cId="2396968029" sldId="263"/>
+            <ac:spMk id="290" creationId="{073622AF-2AF1-9A49-B33C-7713CF8F6E0D}"/>
+          </ac:spMkLst>
+        </pc:spChg>
+        <pc:spChg chg="add mod">
+          <ac:chgData name="Yew Woei" userId="69b82dcde67515b9" providerId="LiveId" clId="{48AAC33B-A8BD-5942-9B91-8182C9D793D4}" dt="2018-10-17T00:52:52.895" v="719" actId="1076"/>
+          <ac:spMkLst>
+            <pc:docMk/>
+            <pc:sldMk cId="2396968029" sldId="263"/>
+            <ac:spMk id="295" creationId="{D14F5849-94FD-C648-A4E7-FE97ED1CE227}"/>
+          </ac:spMkLst>
+        </pc:spChg>
+        <pc:spChg chg="add mod">
+          <ac:chgData name="Yew Woei" userId="69b82dcde67515b9" providerId="LiveId" clId="{48AAC33B-A8BD-5942-9B91-8182C9D793D4}" dt="2018-10-17T00:53:29.875" v="726" actId="1076"/>
+          <ac:spMkLst>
+            <pc:docMk/>
+            <pc:sldMk cId="2396968029" sldId="263"/>
+            <ac:spMk id="296" creationId="{347A70C9-405C-A545-B6EF-77B0F92EB004}"/>
+          </ac:spMkLst>
+        </pc:spChg>
+        <pc:cxnChg chg="mod">
+          <ac:chgData name="Yew Woei" userId="69b82dcde67515b9" providerId="LiveId" clId="{48AAC33B-A8BD-5942-9B91-8182C9D793D4}" dt="2018-10-17T00:20:48.185" v="64" actId="14100"/>
+          <ac:cxnSpMkLst>
+            <pc:docMk/>
+            <pc:sldMk cId="2396968029" sldId="263"/>
+            <ac:cxnSpMk id="21" creationId="{00000000-0000-0000-0000-000000000000}"/>
+          </ac:cxnSpMkLst>
+        </pc:cxnChg>
+        <pc:cxnChg chg="mod">
+          <ac:chgData name="Yew Woei" userId="69b82dcde67515b9" providerId="LiveId" clId="{48AAC33B-A8BD-5942-9B91-8182C9D793D4}" dt="2018-10-17T00:17:13.426" v="28" actId="1076"/>
+          <ac:cxnSpMkLst>
+            <pc:docMk/>
+            <pc:sldMk cId="2396968029" sldId="263"/>
+            <ac:cxnSpMk id="53" creationId="{B97967F8-618A-448B-81FD-CDFD4AF0EC64}"/>
+          </ac:cxnSpMkLst>
+        </pc:cxnChg>
+        <pc:cxnChg chg="mod">
+          <ac:chgData name="Yew Woei" userId="69b82dcde67515b9" providerId="LiveId" clId="{48AAC33B-A8BD-5942-9B91-8182C9D793D4}" dt="2018-10-17T00:22:36.561" v="71" actId="1076"/>
+          <ac:cxnSpMkLst>
+            <pc:docMk/>
+            <pc:sldMk cId="2396968029" sldId="263"/>
+            <ac:cxnSpMk id="58" creationId="{00000000-0000-0000-0000-000000000000}"/>
+          </ac:cxnSpMkLst>
+        </pc:cxnChg>
+        <pc:cxnChg chg="mod">
+          <ac:chgData name="Yew Woei" userId="69b82dcde67515b9" providerId="LiveId" clId="{48AAC33B-A8BD-5942-9B91-8182C9D793D4}" dt="2018-10-17T00:17:08.608" v="26" actId="14100"/>
+          <ac:cxnSpMkLst>
+            <pc:docMk/>
+            <pc:sldMk cId="2396968029" sldId="263"/>
+            <ac:cxnSpMk id="64" creationId="{00000000-0000-0000-0000-000000000000}"/>
+          </ac:cxnSpMkLst>
+        </pc:cxnChg>
+        <pc:cxnChg chg="mod">
+          <ac:chgData name="Yew Woei" userId="69b82dcde67515b9" providerId="LiveId" clId="{48AAC33B-A8BD-5942-9B91-8182C9D793D4}" dt="2018-10-17T00:20:36.905" v="62" actId="1076"/>
+          <ac:cxnSpMkLst>
+            <pc:docMk/>
+            <pc:sldMk cId="2396968029" sldId="263"/>
+            <ac:cxnSpMk id="75" creationId="{00000000-0000-0000-0000-000000000000}"/>
+          </ac:cxnSpMkLst>
+        </pc:cxnChg>
+        <pc:cxnChg chg="mod">
+          <ac:chgData name="Yew Woei" userId="69b82dcde67515b9" providerId="LiveId" clId="{48AAC33B-A8BD-5942-9B91-8182C9D793D4}" dt="2018-10-17T00:17:17.580" v="29" actId="14100"/>
+          <ac:cxnSpMkLst>
+            <pc:docMk/>
+            <pc:sldMk cId="2396968029" sldId="263"/>
+            <ac:cxnSpMk id="79" creationId="{00000000-0000-0000-0000-000000000000}"/>
+          </ac:cxnSpMkLst>
+        </pc:cxnChg>
+        <pc:cxnChg chg="mod">
+          <ac:chgData name="Yew Woei" userId="69b82dcde67515b9" providerId="LiveId" clId="{48AAC33B-A8BD-5942-9B91-8182C9D793D4}" dt="2018-10-17T00:17:13.426" v="28" actId="1076"/>
+          <ac:cxnSpMkLst>
+            <pc:docMk/>
+            <pc:sldMk cId="2396968029" sldId="263"/>
+            <ac:cxnSpMk id="81" creationId="{00000000-0000-0000-0000-000000000000}"/>
+          </ac:cxnSpMkLst>
+        </pc:cxnChg>
+        <pc:cxnChg chg="add mod">
+          <ac:chgData name="Yew Woei" userId="69b82dcde67515b9" providerId="LiveId" clId="{48AAC33B-A8BD-5942-9B91-8182C9D793D4}" dt="2018-10-17T00:42:03.178" v="483" actId="1076"/>
+          <ac:cxnSpMkLst>
+            <pc:docMk/>
+            <pc:sldMk cId="2396968029" sldId="263"/>
+            <ac:cxnSpMk id="82" creationId="{129174D5-E5A3-5A42-983F-0B58D56BD0FF}"/>
+          </ac:cxnSpMkLst>
+        </pc:cxnChg>
+        <pc:cxnChg chg="del mod">
+          <ac:chgData name="Yew Woei" userId="69b82dcde67515b9" providerId="LiveId" clId="{48AAC33B-A8BD-5942-9B91-8182C9D793D4}" dt="2018-10-17T00:27:53.586" v="175" actId="478"/>
+          <ac:cxnSpMkLst>
+            <pc:docMk/>
+            <pc:sldMk cId="2396968029" sldId="263"/>
+            <ac:cxnSpMk id="84" creationId="{00000000-0000-0000-0000-000000000000}"/>
+          </ac:cxnSpMkLst>
+        </pc:cxnChg>
+        <pc:cxnChg chg="mod">
+          <ac:chgData name="Yew Woei" userId="69b82dcde67515b9" providerId="LiveId" clId="{48AAC33B-A8BD-5942-9B91-8182C9D793D4}" dt="2018-10-17T00:27:57.403" v="176" actId="1076"/>
+          <ac:cxnSpMkLst>
+            <pc:docMk/>
+            <pc:sldMk cId="2396968029" sldId="263"/>
+            <ac:cxnSpMk id="86" creationId="{00000000-0000-0000-0000-000000000000}"/>
+          </ac:cxnSpMkLst>
+        </pc:cxnChg>
+        <pc:cxnChg chg="add mod">
+          <ac:chgData name="Yew Woei" userId="69b82dcde67515b9" providerId="LiveId" clId="{48AAC33B-A8BD-5942-9B91-8182C9D793D4}" dt="2018-10-17T00:27:04.224" v="165" actId="14100"/>
+          <ac:cxnSpMkLst>
+            <pc:docMk/>
+            <pc:sldMk cId="2396968029" sldId="263"/>
+            <ac:cxnSpMk id="96" creationId="{EB0A9D02-DE09-4F4E-9A27-09811432DD01}"/>
+          </ac:cxnSpMkLst>
+        </pc:cxnChg>
+        <pc:cxnChg chg="add del mod">
+          <ac:chgData name="Yew Woei" userId="69b82dcde67515b9" providerId="LiveId" clId="{48AAC33B-A8BD-5942-9B91-8182C9D793D4}" dt="2018-10-17T00:38:03.074" v="407" actId="478"/>
+          <ac:cxnSpMkLst>
+            <pc:docMk/>
+            <pc:sldMk cId="2396968029" sldId="263"/>
+            <ac:cxnSpMk id="102" creationId="{65BE6987-CDA3-1947-BCA3-AC3C27533605}"/>
+          </ac:cxnSpMkLst>
+        </pc:cxnChg>
+        <pc:cxnChg chg="add del mod">
+          <ac:chgData name="Yew Woei" userId="69b82dcde67515b9" providerId="LiveId" clId="{48AAC33B-A8BD-5942-9B91-8182C9D793D4}" dt="2018-10-17T00:38:01.817" v="406" actId="478"/>
+          <ac:cxnSpMkLst>
+            <pc:docMk/>
+            <pc:sldMk cId="2396968029" sldId="263"/>
+            <ac:cxnSpMk id="104" creationId="{9140A874-77C4-0D47-92F5-04FD2E34ECA6}"/>
+          </ac:cxnSpMkLst>
+        </pc:cxnChg>
+        <pc:cxnChg chg="add del mod">
+          <ac:chgData name="Yew Woei" userId="69b82dcde67515b9" providerId="LiveId" clId="{48AAC33B-A8BD-5942-9B91-8182C9D793D4}" dt="2018-10-17T00:38:05.061" v="409" actId="478"/>
+          <ac:cxnSpMkLst>
+            <pc:docMk/>
+            <pc:sldMk cId="2396968029" sldId="263"/>
+            <ac:cxnSpMk id="106" creationId="{D9BA97B3-2881-6743-A119-57A98098DDE9}"/>
+          </ac:cxnSpMkLst>
+        </pc:cxnChg>
+        <pc:cxnChg chg="mod">
+          <ac:chgData name="Yew Woei" userId="69b82dcde67515b9" providerId="LiveId" clId="{48AAC33B-A8BD-5942-9B91-8182C9D793D4}" dt="2018-10-17T00:17:08.608" v="26" actId="14100"/>
+          <ac:cxnSpMkLst>
+            <pc:docMk/>
+            <pc:sldMk cId="2396968029" sldId="263"/>
+            <ac:cxnSpMk id="107" creationId="{00000000-0000-0000-0000-000000000000}"/>
+          </ac:cxnSpMkLst>
+        </pc:cxnChg>
+        <pc:cxnChg chg="add del mod">
+          <ac:chgData name="Yew Woei" userId="69b82dcde67515b9" providerId="LiveId" clId="{48AAC33B-A8BD-5942-9B91-8182C9D793D4}" dt="2018-10-17T00:38:05.762" v="410" actId="478"/>
+          <ac:cxnSpMkLst>
+            <pc:docMk/>
+            <pc:sldMk cId="2396968029" sldId="263"/>
+            <ac:cxnSpMk id="109" creationId="{E4CC1148-76D9-DD4C-A93C-75B0BF668B07}"/>
+          </ac:cxnSpMkLst>
+        </pc:cxnChg>
+        <pc:cxnChg chg="add del mod">
+          <ac:chgData name="Yew Woei" userId="69b82dcde67515b9" providerId="LiveId" clId="{48AAC33B-A8BD-5942-9B91-8182C9D793D4}" dt="2018-10-17T00:27:42.372" v="169" actId="478"/>
+          <ac:cxnSpMkLst>
+            <pc:docMk/>
+            <pc:sldMk cId="2396968029" sldId="263"/>
+            <ac:cxnSpMk id="111" creationId="{8F3956E1-3F21-1147-941F-C046A4B458F1}"/>
+          </ac:cxnSpMkLst>
+        </pc:cxnChg>
+        <pc:cxnChg chg="mod">
+          <ac:chgData name="Yew Woei" userId="69b82dcde67515b9" providerId="LiveId" clId="{48AAC33B-A8BD-5942-9B91-8182C9D793D4}" dt="2018-10-17T00:20:56.944" v="65" actId="1076"/>
+          <ac:cxnSpMkLst>
+            <pc:docMk/>
+            <pc:sldMk cId="2396968029" sldId="263"/>
+            <ac:cxnSpMk id="124" creationId="{00000000-0000-0000-0000-000000000000}"/>
+          </ac:cxnSpMkLst>
+        </pc:cxnChg>
+        <pc:cxnChg chg="add del mod">
+          <ac:chgData name="Yew Woei" userId="69b82dcde67515b9" providerId="LiveId" clId="{48AAC33B-A8BD-5942-9B91-8182C9D793D4}" dt="2018-10-17T00:38:04.155" v="408" actId="478"/>
+          <ac:cxnSpMkLst>
+            <pc:docMk/>
+            <pc:sldMk cId="2396968029" sldId="263"/>
+            <ac:cxnSpMk id="129" creationId="{0B266CFC-2E2D-D348-9625-CB91DE1482FB}"/>
+          </ac:cxnSpMkLst>
+        </pc:cxnChg>
+        <pc:cxnChg chg="add del mod">
+          <ac:chgData name="Yew Woei" userId="69b82dcde67515b9" providerId="LiveId" clId="{48AAC33B-A8BD-5942-9B91-8182C9D793D4}" dt="2018-10-17T00:37:58.395" v="405" actId="478"/>
+          <ac:cxnSpMkLst>
+            <pc:docMk/>
+            <pc:sldMk cId="2396968029" sldId="263"/>
+            <ac:cxnSpMk id="133" creationId="{8B59B7F2-C0D6-7746-A7D8-3B0D145566BE}"/>
+          </ac:cxnSpMkLst>
+        </pc:cxnChg>
+        <pc:cxnChg chg="add del">
+          <ac:chgData name="Yew Woei" userId="69b82dcde67515b9" providerId="LiveId" clId="{48AAC33B-A8BD-5942-9B91-8182C9D793D4}" dt="2018-10-17T00:32:36.108" v="238"/>
+          <ac:cxnSpMkLst>
+            <pc:docMk/>
+            <pc:sldMk cId="2396968029" sldId="263"/>
+            <ac:cxnSpMk id="138" creationId="{78CD1235-ECDF-C14B-A774-6BF29696C37D}"/>
+          </ac:cxnSpMkLst>
+        </pc:cxnChg>
+        <pc:cxnChg chg="add del mod">
+          <ac:chgData name="Yew Woei" userId="69b82dcde67515b9" providerId="LiveId" clId="{48AAC33B-A8BD-5942-9B91-8182C9D793D4}" dt="2018-10-17T00:38:06.902" v="411" actId="478"/>
+          <ac:cxnSpMkLst>
+            <pc:docMk/>
+            <pc:sldMk cId="2396968029" sldId="263"/>
+            <ac:cxnSpMk id="145" creationId="{FA315E0B-03C8-F645-BB65-09DB1F1BBC65}"/>
+          </ac:cxnSpMkLst>
+        </pc:cxnChg>
+        <pc:cxnChg chg="add del mod">
+          <ac:chgData name="Yew Woei" userId="69b82dcde67515b9" providerId="LiveId" clId="{48AAC33B-A8BD-5942-9B91-8182C9D793D4}" dt="2018-10-17T00:40:59.107" v="465" actId="478"/>
+          <ac:cxnSpMkLst>
+            <pc:docMk/>
+            <pc:sldMk cId="2396968029" sldId="263"/>
+            <ac:cxnSpMk id="150" creationId="{BCF6D43E-D232-0A44-83A3-5D9DBB705C66}"/>
+          </ac:cxnSpMkLst>
+        </pc:cxnChg>
+        <pc:cxnChg chg="add mod">
+          <ac:chgData name="Yew Woei" userId="69b82dcde67515b9" providerId="LiveId" clId="{48AAC33B-A8BD-5942-9B91-8182C9D793D4}" dt="2018-10-17T00:41:52.065" v="480" actId="1076"/>
+          <ac:cxnSpMkLst>
+            <pc:docMk/>
+            <pc:sldMk cId="2396968029" sldId="263"/>
+            <ac:cxnSpMk id="173" creationId="{A4D15763-43E0-CD43-BD72-4263BFFB1CC3}"/>
+          </ac:cxnSpMkLst>
+        </pc:cxnChg>
+        <pc:cxnChg chg="add mod">
+          <ac:chgData name="Yew Woei" userId="69b82dcde67515b9" providerId="LiveId" clId="{48AAC33B-A8BD-5942-9B91-8182C9D793D4}" dt="2018-10-17T00:41:52.065" v="480" actId="1076"/>
+          <ac:cxnSpMkLst>
+            <pc:docMk/>
+            <pc:sldMk cId="2396968029" sldId="263"/>
+            <ac:cxnSpMk id="176" creationId="{0FF46E55-C099-2343-8D4A-65A825F4D9D7}"/>
+          </ac:cxnSpMkLst>
+        </pc:cxnChg>
+        <pc:cxnChg chg="add mod">
+          <ac:chgData name="Yew Woei" userId="69b82dcde67515b9" providerId="LiveId" clId="{48AAC33B-A8BD-5942-9B91-8182C9D793D4}" dt="2018-10-17T00:41:52.065" v="480" actId="1076"/>
+          <ac:cxnSpMkLst>
+            <pc:docMk/>
+            <pc:sldMk cId="2396968029" sldId="263"/>
+            <ac:cxnSpMk id="182" creationId="{F30FA2EB-9101-B848-ADFB-47BF58AF00D8}"/>
+          </ac:cxnSpMkLst>
+        </pc:cxnChg>
+        <pc:cxnChg chg="add mod">
+          <ac:chgData name="Yew Woei" userId="69b82dcde67515b9" providerId="LiveId" clId="{48AAC33B-A8BD-5942-9B91-8182C9D793D4}" dt="2018-10-17T00:41:52.065" v="480" actId="1076"/>
+          <ac:cxnSpMkLst>
+            <pc:docMk/>
+            <pc:sldMk cId="2396968029" sldId="263"/>
+            <ac:cxnSpMk id="185" creationId="{B4F270F4-D966-E646-862F-2D8F42FFC11A}"/>
+          </ac:cxnSpMkLst>
+        </pc:cxnChg>
+        <pc:cxnChg chg="add mod">
+          <ac:chgData name="Yew Woei" userId="69b82dcde67515b9" providerId="LiveId" clId="{48AAC33B-A8BD-5942-9B91-8182C9D793D4}" dt="2018-10-17T00:41:52.065" v="480" actId="1076"/>
+          <ac:cxnSpMkLst>
+            <pc:docMk/>
+            <pc:sldMk cId="2396968029" sldId="263"/>
+            <ac:cxnSpMk id="188" creationId="{59D26667-98C1-5345-8E8C-00D969F8C49F}"/>
+          </ac:cxnSpMkLst>
+        </pc:cxnChg>
+        <pc:cxnChg chg="add mod">
+          <ac:chgData name="Yew Woei" userId="69b82dcde67515b9" providerId="LiveId" clId="{48AAC33B-A8BD-5942-9B91-8182C9D793D4}" dt="2018-10-17T00:53:23.636" v="724" actId="14100"/>
+          <ac:cxnSpMkLst>
+            <pc:docMk/>
+            <pc:sldMk cId="2396968029" sldId="263"/>
+            <ac:cxnSpMk id="192" creationId="{313B78A6-9507-ED45-8E16-0432B8616AFB}"/>
+          </ac:cxnSpMkLst>
+        </pc:cxnChg>
+        <pc:cxnChg chg="add del mod">
+          <ac:chgData name="Yew Woei" userId="69b82dcde67515b9" providerId="LiveId" clId="{48AAC33B-A8BD-5942-9B91-8182C9D793D4}" dt="2018-10-17T00:42:18.418" v="489" actId="478"/>
+          <ac:cxnSpMkLst>
+            <pc:docMk/>
+            <pc:sldMk cId="2396968029" sldId="263"/>
+            <ac:cxnSpMk id="204" creationId="{038328D0-77AB-4643-AD6F-3B0310FD4013}"/>
+          </ac:cxnSpMkLst>
+        </pc:cxnChg>
+        <pc:cxnChg chg="add mod">
+          <ac:chgData name="Yew Woei" userId="69b82dcde67515b9" providerId="LiveId" clId="{48AAC33B-A8BD-5942-9B91-8182C9D793D4}" dt="2018-10-17T00:42:27.967" v="491" actId="14100"/>
+          <ac:cxnSpMkLst>
+            <pc:docMk/>
+            <pc:sldMk cId="2396968029" sldId="263"/>
+            <ac:cxnSpMk id="220" creationId="{E8A4F817-E32C-F947-8D3B-840AAF2FD5DA}"/>
+          </ac:cxnSpMkLst>
+        </pc:cxnChg>
+        <pc:cxnChg chg="add mod">
+          <ac:chgData name="Yew Woei" userId="69b82dcde67515b9" providerId="LiveId" clId="{48AAC33B-A8BD-5942-9B91-8182C9D793D4}" dt="2018-10-17T00:42:35.818" v="494" actId="14100"/>
+          <ac:cxnSpMkLst>
+            <pc:docMk/>
+            <pc:sldMk cId="2396968029" sldId="263"/>
+            <ac:cxnSpMk id="223" creationId="{9A6D1C0E-8C9A-3240-A7F8-3457659E3A42}"/>
+          </ac:cxnSpMkLst>
+        </pc:cxnChg>
+        <pc:cxnChg chg="add mod">
+          <ac:chgData name="Yew Woei" userId="69b82dcde67515b9" providerId="LiveId" clId="{48AAC33B-A8BD-5942-9B91-8182C9D793D4}" dt="2018-10-17T00:47:44.544" v="601" actId="1076"/>
+          <ac:cxnSpMkLst>
+            <pc:docMk/>
+            <pc:sldMk cId="2396968029" sldId="263"/>
+            <ac:cxnSpMk id="226" creationId="{5A1F13A2-18E9-7E46-8E62-83DF1D280E48}"/>
+          </ac:cxnSpMkLst>
+        </pc:cxnChg>
+        <pc:cxnChg chg="add mod">
+          <ac:chgData name="Yew Woei" userId="69b82dcde67515b9" providerId="LiveId" clId="{48AAC33B-A8BD-5942-9B91-8182C9D793D4}" dt="2018-10-17T00:42:47.989" v="500" actId="14100"/>
+          <ac:cxnSpMkLst>
+            <pc:docMk/>
+            <pc:sldMk cId="2396968029" sldId="263"/>
+            <ac:cxnSpMk id="229" creationId="{1E0B9E8C-4948-6443-833B-0D149BEAC8F2}"/>
+          </ac:cxnSpMkLst>
+        </pc:cxnChg>
+        <pc:cxnChg chg="add del mod">
+          <ac:chgData name="Yew Woei" userId="69b82dcde67515b9" providerId="LiveId" clId="{48AAC33B-A8BD-5942-9B91-8182C9D793D4}" dt="2018-10-17T00:42:58.069" v="504" actId="478"/>
+          <ac:cxnSpMkLst>
+            <pc:docMk/>
+            <pc:sldMk cId="2396968029" sldId="263"/>
+            <ac:cxnSpMk id="232" creationId="{9D5E2BED-948E-074B-B27A-C7E89230B409}"/>
+          </ac:cxnSpMkLst>
+        </pc:cxnChg>
+        <pc:cxnChg chg="add del mod">
+          <ac:chgData name="Yew Woei" userId="69b82dcde67515b9" providerId="LiveId" clId="{48AAC33B-A8BD-5942-9B91-8182C9D793D4}" dt="2018-10-17T00:43:09.873" v="509" actId="478"/>
+          <ac:cxnSpMkLst>
+            <pc:docMk/>
+            <pc:sldMk cId="2396968029" sldId="263"/>
+            <ac:cxnSpMk id="235" creationId="{DF1A1D4C-26F2-6544-83E6-1FC48A3DE98B}"/>
+          </ac:cxnSpMkLst>
+        </pc:cxnChg>
+        <pc:cxnChg chg="add del mod">
+          <ac:chgData name="Yew Woei" userId="69b82dcde67515b9" providerId="LiveId" clId="{48AAC33B-A8BD-5942-9B91-8182C9D793D4}" dt="2018-10-17T00:43:33.133" v="512" actId="478"/>
+          <ac:cxnSpMkLst>
+            <pc:docMk/>
+            <pc:sldMk cId="2396968029" sldId="263"/>
+            <ac:cxnSpMk id="238" creationId="{A32A5C97-F58E-2B44-8B0E-B79AE6B14AFB}"/>
+          </ac:cxnSpMkLst>
+        </pc:cxnChg>
+        <pc:cxnChg chg="add mod">
+          <ac:chgData name="Yew Woei" userId="69b82dcde67515b9" providerId="LiveId" clId="{48AAC33B-A8BD-5942-9B91-8182C9D793D4}" dt="2018-10-17T00:44:51.479" v="534" actId="14100"/>
+          <ac:cxnSpMkLst>
+            <pc:docMk/>
+            <pc:sldMk cId="2396968029" sldId="263"/>
+            <ac:cxnSpMk id="241" creationId="{8F2999EC-4BDF-A94D-8172-A3FD6C915D0C}"/>
+          </ac:cxnSpMkLst>
+        </pc:cxnChg>
+        <pc:cxnChg chg="add mod">
+          <ac:chgData name="Yew Woei" userId="69b82dcde67515b9" providerId="LiveId" clId="{48AAC33B-A8BD-5942-9B91-8182C9D793D4}" dt="2018-10-17T00:44:55.711" v="536" actId="1076"/>
+          <ac:cxnSpMkLst>
+            <pc:docMk/>
+            <pc:sldMk cId="2396968029" sldId="263"/>
+            <ac:cxnSpMk id="256" creationId="{723C821E-AD37-0640-9DAA-CE0948FB9156}"/>
+          </ac:cxnSpMkLst>
+        </pc:cxnChg>
+        <pc:cxnChg chg="add mod">
+          <ac:chgData name="Yew Woei" userId="69b82dcde67515b9" providerId="LiveId" clId="{48AAC33B-A8BD-5942-9B91-8182C9D793D4}" dt="2018-10-17T00:53:53.219" v="732" actId="14100"/>
+          <ac:cxnSpMkLst>
+            <pc:docMk/>
+            <pc:sldMk cId="2396968029" sldId="263"/>
+            <ac:cxnSpMk id="268" creationId="{4D954BB6-132F-7D46-9943-7C3882892B4E}"/>
+          </ac:cxnSpMkLst>
+        </pc:cxnChg>
+        <pc:cxnChg chg="add mod">
+          <ac:chgData name="Yew Woei" userId="69b82dcde67515b9" providerId="LiveId" clId="{48AAC33B-A8BD-5942-9B91-8182C9D793D4}" dt="2018-10-17T00:50:25.018" v="681" actId="14100"/>
+          <ac:cxnSpMkLst>
+            <pc:docMk/>
+            <pc:sldMk cId="2396968029" sldId="263"/>
+            <ac:cxnSpMk id="273" creationId="{9B7AB9F6-176C-7D4F-AEF7-113A04387E05}"/>
+          </ac:cxnSpMkLst>
+        </pc:cxnChg>
+        <pc:cxnChg chg="add mod">
+          <ac:chgData name="Yew Woei" userId="69b82dcde67515b9" providerId="LiveId" clId="{48AAC33B-A8BD-5942-9B91-8182C9D793D4}" dt="2018-10-17T00:50:46.086" v="687" actId="14100"/>
+          <ac:cxnSpMkLst>
+            <pc:docMk/>
+            <pc:sldMk cId="2396968029" sldId="263"/>
+            <ac:cxnSpMk id="278" creationId="{276A08F1-4C04-0845-8287-1EAF3542FE7C}"/>
+          </ac:cxnSpMkLst>
+        </pc:cxnChg>
+        <pc:cxnChg chg="add del">
+          <ac:chgData name="Yew Woei" userId="69b82dcde67515b9" providerId="LiveId" clId="{48AAC33B-A8BD-5942-9B91-8182C9D793D4}" dt="2018-10-17T00:51:42.660" v="699"/>
+          <ac:cxnSpMkLst>
+            <pc:docMk/>
+            <pc:sldMk cId="2396968029" sldId="263"/>
+            <ac:cxnSpMk id="286" creationId="{69DE4BCB-021C-A440-AC47-F6E19739818C}"/>
+          </ac:cxnSpMkLst>
+        </pc:cxnChg>
+        <pc:cxnChg chg="add mod">
+          <ac:chgData name="Yew Woei" userId="69b82dcde67515b9" providerId="LiveId" clId="{48AAC33B-A8BD-5942-9B91-8182C9D793D4}" dt="2018-10-17T00:53:15.994" v="722" actId="1076"/>
+          <ac:cxnSpMkLst>
+            <pc:docMk/>
+            <pc:sldMk cId="2396968029" sldId="263"/>
+            <ac:cxnSpMk id="287" creationId="{CE6A97A1-815A-A943-851B-1EA1D6475015}"/>
+          </ac:cxnSpMkLst>
+        </pc:cxnChg>
+        <pc:cxnChg chg="add mod">
+          <ac:chgData name="Yew Woei" userId="69b82dcde67515b9" providerId="LiveId" clId="{48AAC33B-A8BD-5942-9B91-8182C9D793D4}" dt="2018-10-17T00:53:43.961" v="730" actId="14100"/>
+          <ac:cxnSpMkLst>
+            <pc:docMk/>
+            <pc:sldMk cId="2396968029" sldId="263"/>
+            <ac:cxnSpMk id="299" creationId="{150E96F1-C9CE-914C-B4E8-D3F4758569F5}"/>
+          </ac:cxnSpMkLst>
+        </pc:cxnChg>
+      </pc:sldChg>
+    </pc:docChg>
+  </pc:docChgLst>
+</pc:chgInfo>
+</file>
+
 <file path=ppt/notesMasters/notesMaster1.xml><?xml version="1.0" encoding="utf-8"?>
 <p:notesMaster xmlns:a="http://schemas.openxmlformats.org/drawingml/2006/main" xmlns:r="http://schemas.openxmlformats.org/officeDocument/2006/relationships" xmlns:p="http://schemas.openxmlformats.org/presentationml/2006/main">
   <p:cSld>
@@ -208,7 +1109,7 @@
           <a:p>
             <a:fld id="{F5CC4B3F-88C1-4FFA-B1B6-F41C21DC6924}" type="datetimeFigureOut">
               <a:rPr lang="en-US" smtClean="0"/>
-              <a:t>6/27/2018</a:t>
+              <a:t>10/17/18</a:t>
             </a:fld>
             <a:endParaRPr lang="en-US"/>
           </a:p>
@@ -475,6 +1376,90 @@
 </p:notesMaster>
 </file>
 
+<file path=ppt/notesSlides/notesSlide1.xml><?xml version="1.0" encoding="utf-8"?>
+<p:notes xmlns:a="http://schemas.openxmlformats.org/drawingml/2006/main" xmlns:r="http://schemas.openxmlformats.org/officeDocument/2006/relationships" xmlns:p="http://schemas.openxmlformats.org/presentationml/2006/main">
+  <p:cSld>
+    <p:spTree>
+      <p:nvGrpSpPr>
+        <p:cNvPr id="1" name=""/>
+        <p:cNvGrpSpPr/>
+        <p:nvPr/>
+      </p:nvGrpSpPr>
+      <p:grpSpPr>
+        <a:xfrm>
+          <a:off x="0" y="0"/>
+          <a:ext cx="0" cy="0"/>
+          <a:chOff x="0" y="0"/>
+          <a:chExt cx="0" cy="0"/>
+        </a:xfrm>
+      </p:grpSpPr>
+      <p:sp>
+        <p:nvSpPr>
+          <p:cNvPr id="2" name="Slide Image Placeholder 1"/>
+          <p:cNvSpPr>
+            <a:spLocks noGrp="1" noRot="1" noChangeAspect="1"/>
+          </p:cNvSpPr>
+          <p:nvPr>
+            <p:ph type="sldImg"/>
+          </p:nvPr>
+        </p:nvSpPr>
+        <p:spPr/>
+      </p:sp>
+      <p:sp>
+        <p:nvSpPr>
+          <p:cNvPr id="3" name="Notes Placeholder 2"/>
+          <p:cNvSpPr>
+            <a:spLocks noGrp="1"/>
+          </p:cNvSpPr>
+          <p:nvPr>
+            <p:ph type="body" idx="1"/>
+          </p:nvPr>
+        </p:nvSpPr>
+        <p:spPr/>
+        <p:txBody>
+          <a:bodyPr/>
+          <a:lstStyle/>
+          <a:p>
+            <a:endParaRPr lang="en-US" dirty="0"/>
+          </a:p>
+        </p:txBody>
+      </p:sp>
+      <p:sp>
+        <p:nvSpPr>
+          <p:cNvPr id="4" name="Slide Number Placeholder 3"/>
+          <p:cNvSpPr>
+            <a:spLocks noGrp="1"/>
+          </p:cNvSpPr>
+          <p:nvPr>
+            <p:ph type="sldNum" sz="quarter" idx="5"/>
+          </p:nvPr>
+        </p:nvSpPr>
+        <p:spPr/>
+        <p:txBody>
+          <a:bodyPr/>
+          <a:lstStyle/>
+          <a:p>
+            <a:fld id="{5A7AB025-77E3-4BD1-A2FD-B3183DBA47A3}" type="slidenum">
+              <a:rPr lang="en-US" smtClean="0"/>
+              <a:t>1</a:t>
+            </a:fld>
+            <a:endParaRPr lang="en-US"/>
+          </a:p>
+        </p:txBody>
+      </p:sp>
+    </p:spTree>
+    <p:extLst>
+      <p:ext uri="{BB962C8B-B14F-4D97-AF65-F5344CB8AC3E}">
+        <p14:creationId xmlns:p14="http://schemas.microsoft.com/office/powerpoint/2010/main" val="1904554164"/>
+      </p:ext>
+    </p:extLst>
+  </p:cSld>
+  <p:clrMapOvr>
+    <a:masterClrMapping/>
+  </p:clrMapOvr>
+</p:notes>
+</file>
+
 <file path=ppt/slideLayouts/slideLayout1.xml><?xml version="1.0" encoding="utf-8"?>
 <p:sldLayout xmlns:a="http://schemas.openxmlformats.org/drawingml/2006/main" xmlns:r="http://schemas.openxmlformats.org/officeDocument/2006/relationships" xmlns:p="http://schemas.openxmlformats.org/presentationml/2006/main" type="title" preserve="1">
   <p:cSld name="Title Slide">
@@ -654,7 +1639,7 @@
           <a:p>
             <a:fld id="{78C97017-6FC3-485B-9764-EAC9E56C1D49}" type="datetimeFigureOut">
               <a:rPr lang="en-US" smtClean="0"/>
-              <a:t>6/27/2018</a:t>
+              <a:t>10/17/18</a:t>
             </a:fld>
             <a:endParaRPr lang="en-US"/>
           </a:p>
@@ -822,7 +1807,7 @@
           <a:p>
             <a:fld id="{78C97017-6FC3-485B-9764-EAC9E56C1D49}" type="datetimeFigureOut">
               <a:rPr lang="en-US" smtClean="0"/>
-              <a:t>6/27/2018</a:t>
+              <a:t>10/17/18</a:t>
             </a:fld>
             <a:endParaRPr lang="en-US"/>
           </a:p>
@@ -1000,7 +1985,7 @@
           <a:p>
             <a:fld id="{78C97017-6FC3-485B-9764-EAC9E56C1D49}" type="datetimeFigureOut">
               <a:rPr lang="en-US" smtClean="0"/>
-              <a:t>6/27/2018</a:t>
+              <a:t>10/17/18</a:t>
             </a:fld>
             <a:endParaRPr lang="en-US"/>
           </a:p>
@@ -1168,7 +2153,7 @@
           <a:p>
             <a:fld id="{78C97017-6FC3-485B-9764-EAC9E56C1D49}" type="datetimeFigureOut">
               <a:rPr lang="en-US" smtClean="0"/>
-              <a:t>6/27/2018</a:t>
+              <a:t>10/17/18</a:t>
             </a:fld>
             <a:endParaRPr lang="en-US"/>
           </a:p>
@@ -1413,7 +2398,7 @@
           <a:p>
             <a:fld id="{78C97017-6FC3-485B-9764-EAC9E56C1D49}" type="datetimeFigureOut">
               <a:rPr lang="en-US" smtClean="0"/>
-              <a:t>6/27/2018</a:t>
+              <a:t>10/17/18</a:t>
             </a:fld>
             <a:endParaRPr lang="en-US"/>
           </a:p>
@@ -1698,7 +2683,7 @@
           <a:p>
             <a:fld id="{78C97017-6FC3-485B-9764-EAC9E56C1D49}" type="datetimeFigureOut">
               <a:rPr lang="en-US" smtClean="0"/>
-              <a:t>6/27/2018</a:t>
+              <a:t>10/17/18</a:t>
             </a:fld>
             <a:endParaRPr lang="en-US"/>
           </a:p>
@@ -2117,7 +3102,7 @@
           <a:p>
             <a:fld id="{78C97017-6FC3-485B-9764-EAC9E56C1D49}" type="datetimeFigureOut">
               <a:rPr lang="en-US" smtClean="0"/>
-              <a:t>6/27/2018</a:t>
+              <a:t>10/17/18</a:t>
             </a:fld>
             <a:endParaRPr lang="en-US"/>
           </a:p>
@@ -2234,7 +3219,7 @@
           <a:p>
             <a:fld id="{78C97017-6FC3-485B-9764-EAC9E56C1D49}" type="datetimeFigureOut">
               <a:rPr lang="en-US" smtClean="0"/>
-              <a:t>6/27/2018</a:t>
+              <a:t>10/17/18</a:t>
             </a:fld>
             <a:endParaRPr lang="en-US"/>
           </a:p>
@@ -2329,7 +3314,7 @@
           <a:p>
             <a:fld id="{78C97017-6FC3-485B-9764-EAC9E56C1D49}" type="datetimeFigureOut">
               <a:rPr lang="en-US" smtClean="0"/>
-              <a:t>6/27/2018</a:t>
+              <a:t>10/17/18</a:t>
             </a:fld>
             <a:endParaRPr lang="en-US"/>
           </a:p>
@@ -2604,7 +3589,7 @@
           <a:p>
             <a:fld id="{78C97017-6FC3-485B-9764-EAC9E56C1D49}" type="datetimeFigureOut">
               <a:rPr lang="en-US" smtClean="0"/>
-              <a:t>6/27/2018</a:t>
+              <a:t>10/17/18</a:t>
             </a:fld>
             <a:endParaRPr lang="en-US"/>
           </a:p>
@@ -2856,7 +3841,7 @@
           <a:p>
             <a:fld id="{78C97017-6FC3-485B-9764-EAC9E56C1D49}" type="datetimeFigureOut">
               <a:rPr lang="en-US" smtClean="0"/>
-              <a:t>6/27/2018</a:t>
+              <a:t>10/17/18</a:t>
             </a:fld>
             <a:endParaRPr lang="en-US"/>
           </a:p>
@@ -3067,7 +4052,7 @@
           <a:p>
             <a:fld id="{78C97017-6FC3-485B-9764-EAC9E56C1D49}" type="datetimeFigureOut">
               <a:rPr lang="en-US" smtClean="0"/>
-              <a:t>6/27/2018</a:t>
+              <a:t>10/17/18</a:t>
             </a:fld>
             <a:endParaRPr lang="en-US"/>
           </a:p>
@@ -3450,8 +4435,8 @@
         </p:nvSpPr>
         <p:spPr>
           <a:xfrm>
-            <a:off x="1119865" y="1600200"/>
-            <a:ext cx="7490735" cy="3124200"/>
+            <a:off x="686382" y="1610549"/>
+            <a:ext cx="8229600" cy="4947280"/>
           </a:xfrm>
           <a:prstGeom prst="roundRect">
             <a:avLst>
@@ -3511,7 +4496,7 @@
         </p:nvSpPr>
         <p:spPr>
           <a:xfrm>
-            <a:off x="2877180" y="3463240"/>
+            <a:off x="2917727" y="3272697"/>
             <a:ext cx="1093635" cy="346760"/>
           </a:xfrm>
           <a:prstGeom prst="rect">
@@ -3633,12 +4618,12 @@
         </p:nvCxnSpPr>
         <p:spPr>
           <a:xfrm rot="5400000" flipH="1" flipV="1">
-            <a:off x="4131507" y="1281685"/>
-            <a:ext cx="613122" cy="4459404"/>
+            <a:off x="4153295" y="1259897"/>
+            <a:ext cx="613122" cy="4502980"/>
           </a:xfrm>
           <a:prstGeom prst="bentConnector3">
             <a:avLst>
-              <a:gd name="adj1" fmla="val -26668"/>
+              <a:gd name="adj1" fmla="val 23623"/>
             </a:avLst>
           </a:prstGeom>
           <a:ln w="19050">
@@ -3674,7 +4659,7 @@
         </p:nvSpPr>
         <p:spPr>
           <a:xfrm rot="16200000">
-            <a:off x="956202" y="2861202"/>
+            <a:off x="719569" y="2934007"/>
             <a:ext cx="1093635" cy="346760"/>
           </a:xfrm>
           <a:prstGeom prst="rect">
@@ -3744,7 +4729,7 @@
         </p:nvSpPr>
         <p:spPr>
           <a:xfrm rot="16200000">
-            <a:off x="1626910" y="2952291"/>
+            <a:off x="1381469" y="2733984"/>
             <a:ext cx="270504" cy="175523"/>
           </a:xfrm>
           <a:prstGeom prst="triangle">
@@ -3787,15 +4772,16 @@
         <p:nvCxnSpPr>
           <p:cNvPr id="58" name="Straight Arrow Connector 57"/>
           <p:cNvCxnSpPr>
+            <a:cxnSpLocks/>
             <a:stCxn id="42" idx="3"/>
             <a:endCxn id="2" idx="1"/>
           </p:cNvCxnSpPr>
           <p:nvPr/>
         </p:nvCxnSpPr>
         <p:spPr>
-          <a:xfrm>
-            <a:off x="2609828" y="3636620"/>
-            <a:ext cx="267352" cy="0"/>
+          <a:xfrm flipV="1">
+            <a:off x="2609828" y="3446077"/>
+            <a:ext cx="307899" cy="10851"/>
           </a:xfrm>
           <a:prstGeom prst="straightConnector1">
             <a:avLst/>
@@ -3827,13 +4813,16 @@
       <p:cxnSp>
         <p:nvCxnSpPr>
           <p:cNvPr id="75" name="Elbow Connector 122"/>
-          <p:cNvCxnSpPr/>
+          <p:cNvCxnSpPr>
+            <a:cxnSpLocks/>
+            <a:endCxn id="119" idx="0"/>
+          </p:cNvCxnSpPr>
           <p:nvPr/>
         </p:nvCxnSpPr>
         <p:spPr>
-          <a:xfrm>
-            <a:off x="910091" y="3040053"/>
-            <a:ext cx="419548" cy="2860"/>
+          <a:xfrm flipV="1">
+            <a:off x="61186" y="3107387"/>
+            <a:ext cx="1031821" cy="6369"/>
           </a:xfrm>
           <a:prstGeom prst="bentConnector3">
             <a:avLst>
@@ -3871,14 +4860,15 @@
         <p:nvCxnSpPr>
           <p:cNvPr id="21" name="Straight Connector 20"/>
           <p:cNvCxnSpPr>
+            <a:cxnSpLocks/>
             <a:stCxn id="120" idx="3"/>
           </p:cNvCxnSpPr>
           <p:nvPr/>
         </p:nvCxnSpPr>
         <p:spPr>
-          <a:xfrm flipV="1">
-            <a:off x="1849924" y="3040052"/>
-            <a:ext cx="216105" cy="1"/>
+          <a:xfrm>
+            <a:off x="1604483" y="2821746"/>
+            <a:ext cx="423936" cy="0"/>
           </a:xfrm>
           <a:prstGeom prst="line">
             <a:avLst/>
@@ -3916,7 +4906,7 @@
         </p:nvSpPr>
         <p:spPr>
           <a:xfrm>
-            <a:off x="2373780" y="3549930"/>
+            <a:off x="2373780" y="3370238"/>
             <a:ext cx="236048" cy="173380"/>
           </a:xfrm>
           <a:prstGeom prst="flowChartDecision">
@@ -3994,7 +4984,7 @@
           <a:p>
             <a:pPr algn="ctr"/>
             <a:r>
-              <a:rPr lang="en-US" sz="1050" dirty="0" err="1" smtClean="0">
+              <a:rPr lang="en-US" sz="1050" dirty="0" err="1">
                 <a:solidFill>
                   <a:srgbClr val="7030A0"/>
                 </a:solidFill>
@@ -4141,7 +5131,7 @@
                   <a:srgbClr val="7030A0"/>
                 </a:solidFill>
               </a:rPr>
-              <a:t>UniquePersonList</a:t>
+              <a:t>UniqueRestaurantList</a:t>
             </a:r>
             <a:endParaRPr lang="en-SG" sz="1050" dirty="0">
               <a:solidFill>
@@ -4207,7 +5197,7 @@
         <p:spPr>
           <a:xfrm>
             <a:off x="6313677" y="2858066"/>
-            <a:ext cx="708186" cy="346760"/>
+            <a:ext cx="795338" cy="346760"/>
           </a:xfrm>
           <a:prstGeom prst="rect">
             <a:avLst/>
@@ -4244,7 +5234,7 @@
                   <a:srgbClr val="7030A0"/>
                 </a:solidFill>
               </a:rPr>
-              <a:t>Person</a:t>
+              <a:t>Restaurant</a:t>
             </a:r>
             <a:endParaRPr lang="en-SG" sz="1050" dirty="0">
               <a:solidFill>
@@ -4303,6 +5293,7 @@
         <p:nvCxnSpPr>
           <p:cNvPr id="64" name="Elbow Connector 63"/>
           <p:cNvCxnSpPr>
+            <a:cxnSpLocks/>
             <a:stCxn id="63" idx="3"/>
             <a:endCxn id="62" idx="1"/>
           </p:cNvCxnSpPr>
@@ -4404,7 +5395,7 @@
         </p:nvSpPr>
         <p:spPr>
           <a:xfrm>
-            <a:off x="7041947" y="2948201"/>
+            <a:off x="7130840" y="2956223"/>
             <a:ext cx="236048" cy="173380"/>
           </a:xfrm>
           <a:prstGeom prst="flowChartDecision">
@@ -4457,7 +5448,9 @@
             <a:ext cx="434402" cy="327761"/>
           </a:xfrm>
           <a:prstGeom prst="bentConnector3">
-            <a:avLst/>
+            <a:avLst>
+              <a:gd name="adj1" fmla="val 59745"/>
+            </a:avLst>
           </a:prstGeom>
           <a:ln w="19050">
             <a:solidFill>
@@ -4550,8 +5543,8 @@
         </p:nvCxnSpPr>
         <p:spPr>
           <a:xfrm flipV="1">
-            <a:off x="7277995" y="3030108"/>
-            <a:ext cx="434402" cy="4783"/>
+            <a:off x="7366888" y="3030108"/>
+            <a:ext cx="345509" cy="12805"/>
           </a:xfrm>
           <a:prstGeom prst="bentConnector3">
             <a:avLst/>
@@ -4582,13 +5575,13 @@
       </p:cxnSp>
       <p:sp>
         <p:nvSpPr>
-          <p:cNvPr id="83" name="Rectangle 8"/>
+          <p:cNvPr id="85" name="Rectangle 8"/>
           <p:cNvSpPr/>
           <p:nvPr/>
         </p:nvSpPr>
         <p:spPr>
           <a:xfrm>
-            <a:off x="7712397" y="3210194"/>
+            <a:off x="7706678" y="3233851"/>
             <a:ext cx="708186" cy="285783"/>
           </a:xfrm>
           <a:prstGeom prst="rect">
@@ -4626,7 +5619,7 @@
                   <a:srgbClr val="7030A0"/>
                 </a:solidFill>
               </a:rPr>
-              <a:t>Email</a:t>
+              <a:t>Address</a:t>
             </a:r>
             <a:endParaRPr lang="en-SG" sz="1050" dirty="0">
               <a:solidFill>
@@ -4638,17 +5631,17 @@
       </p:sp>
       <p:cxnSp>
         <p:nvCxnSpPr>
-          <p:cNvPr id="84" name="Elbow Connector 83"/>
+          <p:cNvPr id="86" name="Elbow Connector 85"/>
           <p:cNvCxnSpPr>
             <a:stCxn id="78" idx="3"/>
-            <a:endCxn id="83" idx="1"/>
+            <a:endCxn id="85" idx="1"/>
           </p:cNvCxnSpPr>
           <p:nvPr/>
         </p:nvCxnSpPr>
         <p:spPr>
           <a:xfrm>
-            <a:off x="7277995" y="3034891"/>
-            <a:ext cx="434402" cy="318195"/>
+            <a:off x="7366888" y="3042913"/>
+            <a:ext cx="339790" cy="333830"/>
           </a:xfrm>
           <a:prstGeom prst="bentConnector3">
             <a:avLst/>
@@ -4677,18 +5670,61 @@
           </a:fontRef>
         </p:style>
       </p:cxnSp>
-      <p:sp>
-        <p:nvSpPr>
-          <p:cNvPr id="85" name="Rectangle 8"/>
+      <p:cxnSp>
+        <p:nvCxnSpPr>
+          <p:cNvPr id="97" name="Elbow Connector 63"/>
+          <p:cNvCxnSpPr>
+            <a:stCxn id="99" idx="3"/>
+          </p:cNvCxnSpPr>
+          <p:nvPr/>
+        </p:nvCxnSpPr>
+        <p:spPr>
+          <a:xfrm rot="5400000">
+            <a:off x="3553611" y="2687559"/>
+            <a:ext cx="293825" cy="5938"/>
+          </a:xfrm>
+          <a:prstGeom prst="bentConnector3">
+            <a:avLst>
+              <a:gd name="adj1" fmla="val 50000"/>
+            </a:avLst>
+          </a:prstGeom>
+          <a:ln w="19050">
+            <a:solidFill>
+              <a:srgbClr val="7030A0"/>
+            </a:solidFill>
+            <a:prstDash val="sysDot"/>
+            <a:headEnd type="none" w="med" len="med"/>
+            <a:tailEnd type="none" w="med" len="med"/>
+          </a:ln>
+          <a:effectLst/>
+        </p:spPr>
+        <p:style>
+          <a:lnRef idx="1">
+            <a:schemeClr val="accent2"/>
+          </a:lnRef>
+          <a:fillRef idx="2">
+            <a:schemeClr val="accent2"/>
+          </a:fillRef>
+          <a:effectRef idx="1">
+            <a:schemeClr val="accent2"/>
+          </a:effectRef>
+          <a:fontRef idx="minor">
+            <a:schemeClr val="dk1"/>
+          </a:fontRef>
+        </p:style>
+      </p:cxnSp>
+      <p:sp>
+        <p:nvSpPr>
+          <p:cNvPr id="99" name="Isosceles Triangle 102"/>
           <p:cNvSpPr/>
           <p:nvPr/>
         </p:nvSpPr>
         <p:spPr>
-          <a:xfrm>
-            <a:off x="7712397" y="3533171"/>
-            <a:ext cx="708186" cy="285783"/>
-          </a:xfrm>
-          <a:prstGeom prst="rect">
+          <a:xfrm rot="10800000" flipV="1">
+            <a:off x="3562299" y="2386554"/>
+            <a:ext cx="282387" cy="157062"/>
+          </a:xfrm>
+          <a:prstGeom prst="triangle">
             <a:avLst/>
           </a:prstGeom>
           <a:ln w="19050">
@@ -4717,118 +5753,26 @@
           <a:lstStyle/>
           <a:p>
             <a:pPr algn="ctr"/>
-            <a:r>
-              <a:rPr lang="en-US" sz="1050" dirty="0">
-                <a:solidFill>
-                  <a:srgbClr val="7030A0"/>
-                </a:solidFill>
-              </a:rPr>
-              <a:t>Address</a:t>
-            </a:r>
-            <a:endParaRPr lang="en-SG" sz="1050" dirty="0">
+            <a:endParaRPr lang="en-SG" sz="1050" b="1">
               <a:solidFill>
-                <a:srgbClr val="7030A0"/>
+                <a:srgbClr val="92D050"/>
               </a:solidFill>
             </a:endParaRPr>
           </a:p>
         </p:txBody>
       </p:sp>
-      <p:cxnSp>
-        <p:nvCxnSpPr>
-          <p:cNvPr id="86" name="Elbow Connector 85"/>
-          <p:cNvCxnSpPr>
-            <a:stCxn id="78" idx="3"/>
-            <a:endCxn id="85" idx="1"/>
-          </p:cNvCxnSpPr>
-          <p:nvPr/>
-        </p:nvCxnSpPr>
-        <p:spPr>
-          <a:xfrm>
-            <a:off x="7277995" y="3034891"/>
-            <a:ext cx="434402" cy="641172"/>
-          </a:xfrm>
-          <a:prstGeom prst="bentConnector3">
-            <a:avLst/>
-          </a:prstGeom>
-          <a:ln w="19050">
-            <a:solidFill>
-              <a:srgbClr val="7030A0"/>
-            </a:solidFill>
-            <a:headEnd type="none" w="med" len="med"/>
-            <a:tailEnd type="arrow" w="med" len="med"/>
-          </a:ln>
-          <a:effectLst/>
-        </p:spPr>
-        <p:style>
-          <a:lnRef idx="1">
-            <a:schemeClr val="accent2"/>
-          </a:lnRef>
-          <a:fillRef idx="2">
-            <a:schemeClr val="accent2"/>
-          </a:fillRef>
-          <a:effectRef idx="1">
-            <a:schemeClr val="accent2"/>
-          </a:effectRef>
-          <a:fontRef idx="minor">
-            <a:schemeClr val="dk1"/>
-          </a:fontRef>
-        </p:style>
-      </p:cxnSp>
-      <p:cxnSp>
-        <p:nvCxnSpPr>
-          <p:cNvPr id="97" name="Elbow Connector 63"/>
-          <p:cNvCxnSpPr>
-            <a:stCxn id="99" idx="3"/>
-          </p:cNvCxnSpPr>
-          <p:nvPr/>
-        </p:nvCxnSpPr>
-        <p:spPr>
-          <a:xfrm rot="5400000">
-            <a:off x="3553611" y="2687559"/>
-            <a:ext cx="293825" cy="5938"/>
-          </a:xfrm>
-          <a:prstGeom prst="bentConnector3">
-            <a:avLst>
-              <a:gd name="adj1" fmla="val 50000"/>
-            </a:avLst>
-          </a:prstGeom>
-          <a:ln w="19050">
-            <a:solidFill>
-              <a:srgbClr val="7030A0"/>
-            </a:solidFill>
-            <a:prstDash val="sysDot"/>
-            <a:headEnd type="none" w="med" len="med"/>
-            <a:tailEnd type="none" w="med" len="med"/>
-          </a:ln>
-          <a:effectLst/>
-        </p:spPr>
-        <p:style>
-          <a:lnRef idx="1">
-            <a:schemeClr val="accent2"/>
-          </a:lnRef>
-          <a:fillRef idx="2">
-            <a:schemeClr val="accent2"/>
-          </a:fillRef>
-          <a:effectRef idx="1">
-            <a:schemeClr val="accent2"/>
-          </a:effectRef>
-          <a:fontRef idx="minor">
-            <a:schemeClr val="dk1"/>
-          </a:fontRef>
-        </p:style>
-      </p:cxnSp>
-      <p:sp>
-        <p:nvSpPr>
-          <p:cNvPr id="99" name="Isosceles Triangle 102"/>
+      <p:sp>
+        <p:nvSpPr>
+          <p:cNvPr id="100" name="Rectangle 8"/>
           <p:cNvSpPr/>
           <p:nvPr/>
         </p:nvSpPr>
         <p:spPr>
-          <a:xfrm rot="10800000" flipV="1">
-            <a:off x="3562299" y="2386554"/>
-            <a:ext cx="282387" cy="157062"/>
-          </a:xfrm>
-          <a:prstGeom prst="triangle">
+          <a:xfrm>
+            <a:off x="1260922" y="1998350"/>
+            <a:ext cx="1443661" cy="364396"/>
+          </a:xfrm>
+          <a:prstGeom prst="rect">
             <a:avLst/>
           </a:prstGeom>
           <a:ln w="19050">
@@ -4857,9 +5801,32 @@
           <a:lstStyle/>
           <a:p>
             <a:pPr algn="ctr"/>
-            <a:endParaRPr lang="en-SG" sz="1050" b="1">
+            <a:r>
+              <a:rPr lang="en-US" sz="1050" dirty="0">
+                <a:solidFill>
+                  <a:srgbClr val="7030A0"/>
+                </a:solidFill>
+              </a:rPr>
+              <a:t>&lt;&lt;interface&gt;&gt;</a:t>
+            </a:r>
+            <a:br>
+              <a:rPr lang="en-US" sz="1050" dirty="0">
+                <a:solidFill>
+                  <a:srgbClr val="7030A0"/>
+                </a:solidFill>
+              </a:rPr>
+            </a:br>
+            <a:r>
+              <a:rPr lang="en-US" sz="1050" dirty="0" err="1">
+                <a:solidFill>
+                  <a:srgbClr val="7030A0"/>
+                </a:solidFill>
+              </a:rPr>
+              <a:t>ReadOnlyAddressBook</a:t>
+            </a:r>
+            <a:endParaRPr lang="en-SG" sz="1050" dirty="0">
               <a:solidFill>
-                <a:srgbClr val="92D050"/>
+                <a:srgbClr val="7030A0"/>
               </a:solidFill>
             </a:endParaRPr>
           </a:p>
@@ -4867,14 +5834,53 @@
       </p:sp>
       <p:sp>
         <p:nvSpPr>
-          <p:cNvPr id="100" name="Rectangle 8"/>
+          <p:cNvPr id="114" name="TextBox 113"/>
+          <p:cNvSpPr txBox="1"/>
+          <p:nvPr/>
+        </p:nvSpPr>
+        <p:spPr>
+          <a:xfrm rot="16200000">
+            <a:off x="6362886" y="3586305"/>
+            <a:ext cx="881018" cy="261610"/>
+          </a:xfrm>
+          <a:prstGeom prst="rect">
+            <a:avLst/>
+          </a:prstGeom>
+          <a:noFill/>
+        </p:spPr>
+        <p:txBody>
+          <a:bodyPr wrap="square" rtlCol="0">
+            <a:spAutoFit/>
+          </a:bodyPr>
+          <a:lstStyle/>
+          <a:p>
+            <a:pPr algn="r"/>
+            <a:r>
+              <a:rPr lang="en-US" sz="1100" dirty="0">
+                <a:solidFill>
+                  <a:srgbClr val="7030A0"/>
+                </a:solidFill>
+              </a:rPr>
+              <a:t>filtered list</a:t>
+            </a:r>
+            <a:endParaRPr lang="en-SG" sz="1100" dirty="0">
+              <a:solidFill>
+                <a:srgbClr val="7030A0"/>
+              </a:solidFill>
+            </a:endParaRPr>
+          </a:p>
+        </p:txBody>
+      </p:sp>
+      <p:sp>
+        <p:nvSpPr>
+          <p:cNvPr id="122" name="Rectangle 8"/>
           <p:cNvSpPr/>
           <p:nvPr/>
         </p:nvSpPr>
         <p:spPr>
           <a:xfrm>
-            <a:off x="1260922" y="1998350"/>
-            <a:ext cx="1443661" cy="364396"/>
+            <a:off x="729136" y="5157275"/>
+            <a:ext cx="1066800" cy="346760"/>
           </a:xfrm>
           <a:prstGeom prst="rect">
             <a:avLst/>
@@ -4914,124 +5920,6 @@
               <a:t>&lt;&lt;interface&gt;&gt;</a:t>
             </a:r>
             <a:br>
-              <a:rPr lang="en-US" sz="1050" dirty="0">
-                <a:solidFill>
-                  <a:srgbClr val="7030A0"/>
-                </a:solidFill>
-              </a:rPr>
-            </a:br>
-            <a:r>
-              <a:rPr lang="en-US" sz="1050" dirty="0" err="1">
-                <a:solidFill>
-                  <a:srgbClr val="7030A0"/>
-                </a:solidFill>
-              </a:rPr>
-              <a:t>ReadOnlyAddressBook</a:t>
-            </a:r>
-            <a:endParaRPr lang="en-SG" sz="1050" dirty="0">
-              <a:solidFill>
-                <a:srgbClr val="7030A0"/>
-              </a:solidFill>
-            </a:endParaRPr>
-          </a:p>
-        </p:txBody>
-      </p:sp>
-      <p:sp>
-        <p:nvSpPr>
-          <p:cNvPr id="114" name="TextBox 113"/>
-          <p:cNvSpPr txBox="1"/>
-          <p:nvPr/>
-        </p:nvSpPr>
-        <p:spPr>
-          <a:xfrm rot="16200000">
-            <a:off x="6362886" y="3586305"/>
-            <a:ext cx="881018" cy="261610"/>
-          </a:xfrm>
-          <a:prstGeom prst="rect">
-            <a:avLst/>
-          </a:prstGeom>
-          <a:noFill/>
-        </p:spPr>
-        <p:txBody>
-          <a:bodyPr wrap="square" rtlCol="0">
-            <a:spAutoFit/>
-          </a:bodyPr>
-          <a:lstStyle/>
-          <a:p>
-            <a:pPr algn="r"/>
-            <a:r>
-              <a:rPr lang="en-US" sz="1100" dirty="0">
-                <a:solidFill>
-                  <a:srgbClr val="7030A0"/>
-                </a:solidFill>
-              </a:rPr>
-              <a:t>filtered list</a:t>
-            </a:r>
-            <a:endParaRPr lang="en-SG" sz="1100" dirty="0">
-              <a:solidFill>
-                <a:srgbClr val="7030A0"/>
-              </a:solidFill>
-            </a:endParaRPr>
-          </a:p>
-        </p:txBody>
-      </p:sp>
-      <p:sp>
-        <p:nvSpPr>
-          <p:cNvPr id="122" name="Rectangle 8"/>
-          <p:cNvSpPr/>
-          <p:nvPr/>
-        </p:nvSpPr>
-        <p:spPr>
-          <a:xfrm>
-            <a:off x="2057401" y="4239491"/>
-            <a:ext cx="1066800" cy="346760"/>
-          </a:xfrm>
-          <a:prstGeom prst="rect">
-            <a:avLst/>
-          </a:prstGeom>
-          <a:ln w="19050">
-            <a:solidFill>
-              <a:srgbClr val="7030A0"/>
-            </a:solidFill>
-          </a:ln>
-          <a:effectLst/>
-        </p:spPr>
-        <p:style>
-          <a:lnRef idx="1">
-            <a:schemeClr val="accent4"/>
-          </a:lnRef>
-          <a:fillRef idx="2">
-            <a:schemeClr val="accent4"/>
-          </a:fillRef>
-          <a:effectRef idx="1">
-            <a:schemeClr val="accent4"/>
-          </a:effectRef>
-          <a:fontRef idx="minor">
-            <a:schemeClr val="dk1"/>
-          </a:fontRef>
-        </p:style>
-        <p:txBody>
-          <a:bodyPr rtlCol="0" anchor="ctr"/>
-          <a:lstStyle/>
-          <a:p>
-            <a:pPr algn="ctr"/>
-            <a:r>
-              <a:rPr lang="en-US" sz="1050" dirty="0">
-                <a:solidFill>
-                  <a:srgbClr val="7030A0"/>
-                </a:solidFill>
-              </a:rPr>
-              <a:t>&lt;&lt;interface&gt;&gt;</a:t>
-            </a:r>
-            <a:r>
-              <a:rPr lang="en-US" sz="1050">
-                <a:solidFill>
-                  <a:srgbClr val="7030A0"/>
-                </a:solidFill>
-              </a:rPr>
-              <a:t/>
-            </a:r>
-            <a:br>
               <a:rPr lang="en-US" sz="1050">
                 <a:solidFill>
                   <a:srgbClr val="7030A0"/>
@@ -5058,18 +5946,21 @@
         <p:nvCxnSpPr>
           <p:cNvPr id="124" name="Elbow Connector 122"/>
           <p:cNvCxnSpPr>
+            <a:cxnSpLocks/>
             <a:stCxn id="119" idx="1"/>
-            <a:endCxn id="122" idx="1"/>
+            <a:endCxn id="122" idx="0"/>
           </p:cNvCxnSpPr>
           <p:nvPr/>
         </p:nvCxnSpPr>
         <p:spPr>
-          <a:xfrm rot="16200000" flipH="1">
-            <a:off x="1364475" y="3719944"/>
-            <a:ext cx="831471" cy="554381"/>
-          </a:xfrm>
-          <a:prstGeom prst="bentConnector2">
-            <a:avLst/>
+          <a:xfrm rot="5400000">
+            <a:off x="512927" y="4403815"/>
+            <a:ext cx="1503070" cy="3851"/>
+          </a:xfrm>
+          <a:prstGeom prst="bentConnector3">
+            <a:avLst>
+              <a:gd name="adj1" fmla="val 50000"/>
+            </a:avLst>
           </a:prstGeom>
           <a:ln w="19050">
             <a:solidFill>
@@ -5137,45 +6028,6 @@
       </p:sp>
       <p:sp>
         <p:nvSpPr>
-          <p:cNvPr id="61" name="TextBox 60"/>
-          <p:cNvSpPr txBox="1"/>
-          <p:nvPr/>
-        </p:nvSpPr>
-        <p:spPr>
-          <a:xfrm>
-            <a:off x="6135256" y="3097917"/>
-            <a:ext cx="189257" cy="178683"/>
-          </a:xfrm>
-          <a:prstGeom prst="rect">
-            <a:avLst/>
-          </a:prstGeom>
-          <a:noFill/>
-        </p:spPr>
-        <p:txBody>
-          <a:bodyPr wrap="square" lIns="0" tIns="0" rIns="0" bIns="0" rtlCol="0">
-            <a:noAutofit/>
-          </a:bodyPr>
-          <a:lstStyle/>
-          <a:p>
-            <a:pPr algn="ctr"/>
-            <a:r>
-              <a:rPr lang="en-US" sz="1100" dirty="0">
-                <a:solidFill>
-                  <a:srgbClr val="7030A0"/>
-                </a:solidFill>
-              </a:rPr>
-              <a:t>*</a:t>
-            </a:r>
-            <a:endParaRPr lang="en-SG" sz="1100" dirty="0">
-              <a:solidFill>
-                <a:srgbClr val="7030A0"/>
-              </a:solidFill>
-            </a:endParaRPr>
-          </a:p>
-        </p:txBody>
-      </p:sp>
-      <p:sp>
-        <p:nvSpPr>
           <p:cNvPr id="65" name="TextBox 64"/>
           <p:cNvSpPr txBox="1"/>
           <p:nvPr/>
@@ -5221,7 +6073,7 @@
         </p:nvSpPr>
         <p:spPr>
           <a:xfrm>
-            <a:off x="2707070" y="3667737"/>
+            <a:off x="2706614" y="3278929"/>
             <a:ext cx="189257" cy="178683"/>
           </a:xfrm>
           <a:prstGeom prst="rect">
@@ -5371,8 +6223,8 @@
         </p:nvCxnSpPr>
         <p:spPr>
           <a:xfrm flipV="1">
-            <a:off x="7277995" y="2371709"/>
-            <a:ext cx="434402" cy="663182"/>
+            <a:off x="7366888" y="2371709"/>
+            <a:ext cx="345509" cy="671204"/>
           </a:xfrm>
           <a:prstGeom prst="bentConnector3">
             <a:avLst>
@@ -5623,6 +6475,3051 @@
             <a:prstDash val="sysDot"/>
             <a:headEnd type="none" w="med" len="med"/>
             <a:tailEnd type="none" w="med" len="med"/>
+          </a:ln>
+          <a:effectLst/>
+        </p:spPr>
+        <p:style>
+          <a:lnRef idx="1">
+            <a:schemeClr val="accent2"/>
+          </a:lnRef>
+          <a:fillRef idx="2">
+            <a:schemeClr val="accent2"/>
+          </a:fillRef>
+          <a:effectRef idx="1">
+            <a:schemeClr val="accent2"/>
+          </a:effectRef>
+          <a:fontRef idx="minor">
+            <a:schemeClr val="dk1"/>
+          </a:fontRef>
+        </p:style>
+      </p:cxnSp>
+      <p:sp>
+        <p:nvSpPr>
+          <p:cNvPr id="67" name="Rectangle 8">
+            <a:extLst>
+              <a:ext uri="{FF2B5EF4-FFF2-40B4-BE49-F238E27FC236}">
+                <a16:creationId xmlns:a16="http://schemas.microsoft.com/office/drawing/2014/main" id="{BB459E83-18D4-2B43-85BB-DAED96D90D39}"/>
+              </a:ext>
+            </a:extLst>
+          </p:cNvPr>
+          <p:cNvSpPr/>
+          <p:nvPr/>
+        </p:nvSpPr>
+        <p:spPr>
+          <a:xfrm>
+            <a:off x="6014286" y="5201635"/>
+            <a:ext cx="1156969" cy="346760"/>
+          </a:xfrm>
+          <a:prstGeom prst="rect">
+            <a:avLst/>
+          </a:prstGeom>
+          <a:ln w="19050">
+            <a:solidFill>
+              <a:srgbClr val="7030A0"/>
+            </a:solidFill>
+          </a:ln>
+          <a:effectLst/>
+        </p:spPr>
+        <p:style>
+          <a:lnRef idx="1">
+            <a:schemeClr val="accent4"/>
+          </a:lnRef>
+          <a:fillRef idx="2">
+            <a:schemeClr val="accent4"/>
+          </a:fillRef>
+          <a:effectRef idx="1">
+            <a:schemeClr val="accent4"/>
+          </a:effectRef>
+          <a:fontRef idx="minor">
+            <a:schemeClr val="dk1"/>
+          </a:fontRef>
+        </p:style>
+        <p:txBody>
+          <a:bodyPr rtlCol="0" anchor="ctr"/>
+          <a:lstStyle/>
+          <a:p>
+            <a:pPr algn="ctr"/>
+            <a:r>
+              <a:rPr lang="en-US" sz="1050" dirty="0">
+                <a:solidFill>
+                  <a:srgbClr val="7030A0"/>
+                </a:solidFill>
+              </a:rPr>
+              <a:t>User</a:t>
+            </a:r>
+            <a:endParaRPr lang="en-SG" sz="1050" dirty="0">
+              <a:solidFill>
+                <a:srgbClr val="7030A0"/>
+              </a:solidFill>
+            </a:endParaRPr>
+          </a:p>
+        </p:txBody>
+      </p:sp>
+      <p:cxnSp>
+        <p:nvCxnSpPr>
+          <p:cNvPr id="82" name="Straight Arrow Connector 81">
+            <a:extLst>
+              <a:ext uri="{FF2B5EF4-FFF2-40B4-BE49-F238E27FC236}">
+                <a16:creationId xmlns:a16="http://schemas.microsoft.com/office/drawing/2014/main" id="{129174D5-E5A3-5A42-983F-0B58D56BD0FF}"/>
+              </a:ext>
+            </a:extLst>
+          </p:cNvPr>
+          <p:cNvCxnSpPr>
+            <a:cxnSpLocks/>
+            <a:endCxn id="67" idx="0"/>
+          </p:cNvCxnSpPr>
+          <p:nvPr/>
+        </p:nvCxnSpPr>
+        <p:spPr>
+          <a:xfrm>
+            <a:off x="2339140" y="3777103"/>
+            <a:ext cx="4253631" cy="1424532"/>
+          </a:xfrm>
+          <a:prstGeom prst="bentConnector2">
+            <a:avLst/>
+          </a:prstGeom>
+          <a:ln w="19050">
+            <a:solidFill>
+              <a:srgbClr val="7030A0"/>
+            </a:solidFill>
+            <a:headEnd type="none" w="med" len="med"/>
+            <a:tailEnd type="arrow" w="med" len="med"/>
+          </a:ln>
+          <a:effectLst/>
+        </p:spPr>
+        <p:style>
+          <a:lnRef idx="1">
+            <a:schemeClr val="accent2"/>
+          </a:lnRef>
+          <a:fillRef idx="2">
+            <a:schemeClr val="accent2"/>
+          </a:fillRef>
+          <a:effectRef idx="1">
+            <a:schemeClr val="accent2"/>
+          </a:effectRef>
+          <a:fontRef idx="minor">
+            <a:schemeClr val="dk1"/>
+          </a:fontRef>
+        </p:style>
+      </p:cxnSp>
+      <p:sp>
+        <p:nvSpPr>
+          <p:cNvPr id="87" name="Flowchart: Decision 96">
+            <a:extLst>
+              <a:ext uri="{FF2B5EF4-FFF2-40B4-BE49-F238E27FC236}">
+                <a16:creationId xmlns:a16="http://schemas.microsoft.com/office/drawing/2014/main" id="{B5C21085-2577-CA49-94A6-9B781C59F1AD}"/>
+              </a:ext>
+            </a:extLst>
+          </p:cNvPr>
+          <p:cNvSpPr/>
+          <p:nvPr/>
+        </p:nvSpPr>
+        <p:spPr>
+          <a:xfrm>
+            <a:off x="2384332" y="3677312"/>
+            <a:ext cx="236048" cy="173380"/>
+          </a:xfrm>
+          <a:prstGeom prst="flowChartDecision">
+            <a:avLst/>
+          </a:prstGeom>
+          <a:solidFill>
+            <a:srgbClr val="7030A0"/>
+          </a:solidFill>
+          <a:ln w="19050">
+            <a:solidFill>
+              <a:srgbClr val="7030A0"/>
+            </a:solidFill>
+          </a:ln>
+          <a:effectLst/>
+        </p:spPr>
+        <p:style>
+          <a:lnRef idx="1">
+            <a:schemeClr val="accent6"/>
+          </a:lnRef>
+          <a:fillRef idx="2">
+            <a:schemeClr val="accent6"/>
+          </a:fillRef>
+          <a:effectRef idx="1">
+            <a:schemeClr val="accent6"/>
+          </a:effectRef>
+          <a:fontRef idx="minor">
+            <a:schemeClr val="dk1"/>
+          </a:fontRef>
+        </p:style>
+        <p:txBody>
+          <a:bodyPr rtlCol="0" anchor="ctr"/>
+          <a:lstStyle/>
+          <a:p>
+            <a:pPr algn="ctr"/>
+            <a:endParaRPr lang="en-US" sz="1050"/>
+          </a:p>
+        </p:txBody>
+      </p:sp>
+      <p:sp>
+        <p:nvSpPr>
+          <p:cNvPr id="88" name="TextBox 87">
+            <a:extLst>
+              <a:ext uri="{FF2B5EF4-FFF2-40B4-BE49-F238E27FC236}">
+                <a16:creationId xmlns:a16="http://schemas.microsoft.com/office/drawing/2014/main" id="{2AF0522E-3CCA-4446-9711-A59661D66EF7}"/>
+              </a:ext>
+            </a:extLst>
+          </p:cNvPr>
+          <p:cNvSpPr txBox="1"/>
+          <p:nvPr/>
+        </p:nvSpPr>
+        <p:spPr>
+          <a:xfrm>
+            <a:off x="1389981" y="3691706"/>
+            <a:ext cx="189257" cy="178683"/>
+          </a:xfrm>
+          <a:prstGeom prst="rect">
+            <a:avLst/>
+          </a:prstGeom>
+          <a:noFill/>
+        </p:spPr>
+        <p:txBody>
+          <a:bodyPr wrap="square" lIns="0" tIns="0" rIns="0" bIns="0" rtlCol="0">
+            <a:noAutofit/>
+          </a:bodyPr>
+          <a:lstStyle/>
+          <a:p>
+            <a:pPr algn="ctr"/>
+            <a:r>
+              <a:rPr lang="en-US" sz="1100" dirty="0">
+                <a:solidFill>
+                  <a:srgbClr val="7030A0"/>
+                </a:solidFill>
+              </a:rPr>
+              <a:t>1</a:t>
+            </a:r>
+            <a:endParaRPr lang="en-SG" sz="1100" dirty="0">
+              <a:solidFill>
+                <a:srgbClr val="7030A0"/>
+              </a:solidFill>
+            </a:endParaRPr>
+          </a:p>
+        </p:txBody>
+      </p:sp>
+      <p:sp>
+        <p:nvSpPr>
+          <p:cNvPr id="89" name="TextBox 88">
+            <a:extLst>
+              <a:ext uri="{FF2B5EF4-FFF2-40B4-BE49-F238E27FC236}">
+                <a16:creationId xmlns:a16="http://schemas.microsoft.com/office/drawing/2014/main" id="{F83EB425-FC1A-DC47-82F2-406C0E48A79B}"/>
+              </a:ext>
+            </a:extLst>
+          </p:cNvPr>
+          <p:cNvSpPr txBox="1"/>
+          <p:nvPr/>
+        </p:nvSpPr>
+        <p:spPr>
+          <a:xfrm>
+            <a:off x="2536455" y="3759216"/>
+            <a:ext cx="881018" cy="261610"/>
+          </a:xfrm>
+          <a:prstGeom prst="rect">
+            <a:avLst/>
+          </a:prstGeom>
+          <a:noFill/>
+        </p:spPr>
+        <p:txBody>
+          <a:bodyPr wrap="square" rtlCol="0">
+            <a:spAutoFit/>
+          </a:bodyPr>
+          <a:lstStyle/>
+          <a:p>
+            <a:pPr algn="r"/>
+            <a:r>
+              <a:rPr lang="en-US" sz="1100" dirty="0" err="1">
+                <a:solidFill>
+                  <a:srgbClr val="7030A0"/>
+                </a:solidFill>
+              </a:rPr>
+              <a:t>currentUser</a:t>
+            </a:r>
+            <a:endParaRPr lang="en-SG" sz="1100" dirty="0">
+              <a:solidFill>
+                <a:srgbClr val="7030A0"/>
+              </a:solidFill>
+            </a:endParaRPr>
+          </a:p>
+        </p:txBody>
+      </p:sp>
+      <p:sp>
+        <p:nvSpPr>
+          <p:cNvPr id="90" name="Rectangle 8">
+            <a:extLst>
+              <a:ext uri="{FF2B5EF4-FFF2-40B4-BE49-F238E27FC236}">
+                <a16:creationId xmlns:a16="http://schemas.microsoft.com/office/drawing/2014/main" id="{423DA341-6F1A-B244-9A6F-533199536810}"/>
+              </a:ext>
+            </a:extLst>
+          </p:cNvPr>
+          <p:cNvSpPr/>
+          <p:nvPr/>
+        </p:nvSpPr>
+        <p:spPr>
+          <a:xfrm>
+            <a:off x="2919654" y="4513878"/>
+            <a:ext cx="1156969" cy="346760"/>
+          </a:xfrm>
+          <a:prstGeom prst="rect">
+            <a:avLst/>
+          </a:prstGeom>
+          <a:ln w="19050">
+            <a:solidFill>
+              <a:srgbClr val="7030A0"/>
+            </a:solidFill>
+          </a:ln>
+          <a:effectLst/>
+        </p:spPr>
+        <p:style>
+          <a:lnRef idx="1">
+            <a:schemeClr val="accent4"/>
+          </a:lnRef>
+          <a:fillRef idx="2">
+            <a:schemeClr val="accent4"/>
+          </a:fillRef>
+          <a:effectRef idx="1">
+            <a:schemeClr val="accent4"/>
+          </a:effectRef>
+          <a:fontRef idx="minor">
+            <a:schemeClr val="dk1"/>
+          </a:fontRef>
+        </p:style>
+        <p:txBody>
+          <a:bodyPr rtlCol="0" anchor="ctr"/>
+          <a:lstStyle/>
+          <a:p>
+            <a:pPr algn="ctr"/>
+            <a:r>
+              <a:rPr lang="en-US" sz="1050" dirty="0" err="1">
+                <a:solidFill>
+                  <a:srgbClr val="7030A0"/>
+                </a:solidFill>
+              </a:rPr>
+              <a:t>UserData</a:t>
+            </a:r>
+            <a:endParaRPr lang="en-SG" sz="1050" dirty="0">
+              <a:solidFill>
+                <a:srgbClr val="7030A0"/>
+              </a:solidFill>
+            </a:endParaRPr>
+          </a:p>
+        </p:txBody>
+      </p:sp>
+      <p:sp>
+        <p:nvSpPr>
+          <p:cNvPr id="95" name="Flowchart: Decision 96">
+            <a:extLst>
+              <a:ext uri="{FF2B5EF4-FFF2-40B4-BE49-F238E27FC236}">
+                <a16:creationId xmlns:a16="http://schemas.microsoft.com/office/drawing/2014/main" id="{60FB47E9-7657-E74D-AE94-C71803825156}"/>
+              </a:ext>
+            </a:extLst>
+          </p:cNvPr>
+          <p:cNvSpPr/>
+          <p:nvPr/>
+        </p:nvSpPr>
+        <p:spPr>
+          <a:xfrm rot="5400000">
+            <a:off x="2186156" y="3855685"/>
+            <a:ext cx="236048" cy="173380"/>
+          </a:xfrm>
+          <a:prstGeom prst="flowChartDecision">
+            <a:avLst/>
+          </a:prstGeom>
+          <a:solidFill>
+            <a:srgbClr val="7030A0"/>
+          </a:solidFill>
+          <a:ln w="19050">
+            <a:solidFill>
+              <a:srgbClr val="7030A0"/>
+            </a:solidFill>
+          </a:ln>
+          <a:effectLst/>
+        </p:spPr>
+        <p:style>
+          <a:lnRef idx="1">
+            <a:schemeClr val="accent6"/>
+          </a:lnRef>
+          <a:fillRef idx="2">
+            <a:schemeClr val="accent6"/>
+          </a:fillRef>
+          <a:effectRef idx="1">
+            <a:schemeClr val="accent6"/>
+          </a:effectRef>
+          <a:fontRef idx="minor">
+            <a:schemeClr val="dk1"/>
+          </a:fontRef>
+        </p:style>
+        <p:txBody>
+          <a:bodyPr rtlCol="0" anchor="ctr"/>
+          <a:lstStyle/>
+          <a:p>
+            <a:pPr algn="ctr"/>
+            <a:endParaRPr lang="en-US" sz="1050"/>
+          </a:p>
+        </p:txBody>
+      </p:sp>
+      <p:cxnSp>
+        <p:nvCxnSpPr>
+          <p:cNvPr id="96" name="Straight Arrow Connector 81">
+            <a:extLst>
+              <a:ext uri="{FF2B5EF4-FFF2-40B4-BE49-F238E27FC236}">
+                <a16:creationId xmlns:a16="http://schemas.microsoft.com/office/drawing/2014/main" id="{EB0A9D02-DE09-4F4E-9A27-09811432DD01}"/>
+              </a:ext>
+            </a:extLst>
+          </p:cNvPr>
+          <p:cNvCxnSpPr>
+            <a:cxnSpLocks/>
+            <a:endCxn id="90" idx="1"/>
+          </p:cNvCxnSpPr>
+          <p:nvPr/>
+        </p:nvCxnSpPr>
+        <p:spPr>
+          <a:xfrm rot="16200000" flipH="1">
+            <a:off x="2287454" y="4055058"/>
+            <a:ext cx="648926" cy="615474"/>
+          </a:xfrm>
+          <a:prstGeom prst="bentConnector2">
+            <a:avLst/>
+          </a:prstGeom>
+          <a:ln w="19050">
+            <a:solidFill>
+              <a:srgbClr val="7030A0"/>
+            </a:solidFill>
+            <a:headEnd type="none" w="med" len="med"/>
+            <a:tailEnd type="arrow" w="med" len="med"/>
+          </a:ln>
+          <a:effectLst/>
+        </p:spPr>
+        <p:style>
+          <a:lnRef idx="1">
+            <a:schemeClr val="accent2"/>
+          </a:lnRef>
+          <a:fillRef idx="2">
+            <a:schemeClr val="accent2"/>
+          </a:fillRef>
+          <a:effectRef idx="1">
+            <a:schemeClr val="accent2"/>
+          </a:effectRef>
+          <a:fontRef idx="minor">
+            <a:schemeClr val="dk1"/>
+          </a:fontRef>
+        </p:style>
+      </p:cxnSp>
+      <p:sp>
+        <p:nvSpPr>
+          <p:cNvPr id="98" name="Rectangle 8">
+            <a:extLst>
+              <a:ext uri="{FF2B5EF4-FFF2-40B4-BE49-F238E27FC236}">
+                <a16:creationId xmlns:a16="http://schemas.microsoft.com/office/drawing/2014/main" id="{5087C77B-E903-5C48-AF66-AE2E6F1A155E}"/>
+              </a:ext>
+            </a:extLst>
+          </p:cNvPr>
+          <p:cNvSpPr/>
+          <p:nvPr/>
+        </p:nvSpPr>
+        <p:spPr>
+          <a:xfrm>
+            <a:off x="4552558" y="4671033"/>
+            <a:ext cx="708186" cy="285783"/>
+          </a:xfrm>
+          <a:prstGeom prst="rect">
+            <a:avLst/>
+          </a:prstGeom>
+          <a:ln w="19050">
+            <a:solidFill>
+              <a:srgbClr val="7030A0"/>
+            </a:solidFill>
+          </a:ln>
+          <a:effectLst/>
+        </p:spPr>
+        <p:style>
+          <a:lnRef idx="1">
+            <a:schemeClr val="accent4"/>
+          </a:lnRef>
+          <a:fillRef idx="2">
+            <a:schemeClr val="accent4"/>
+          </a:fillRef>
+          <a:effectRef idx="1">
+            <a:schemeClr val="accent4"/>
+          </a:effectRef>
+          <a:fontRef idx="minor">
+            <a:schemeClr val="dk1"/>
+          </a:fontRef>
+        </p:style>
+        <p:txBody>
+          <a:bodyPr rtlCol="0" anchor="ctr"/>
+          <a:lstStyle/>
+          <a:p>
+            <a:pPr algn="ctr"/>
+            <a:r>
+              <a:rPr lang="en-US" sz="1050" dirty="0">
+                <a:solidFill>
+                  <a:srgbClr val="7030A0"/>
+                </a:solidFill>
+              </a:rPr>
+              <a:t>Name</a:t>
+            </a:r>
+            <a:endParaRPr lang="en-SG" sz="1050" dirty="0">
+              <a:solidFill>
+                <a:srgbClr val="7030A0"/>
+              </a:solidFill>
+            </a:endParaRPr>
+          </a:p>
+        </p:txBody>
+      </p:sp>
+      <p:sp>
+        <p:nvSpPr>
+          <p:cNvPr id="101" name="Flowchart: Decision 96">
+            <a:extLst>
+              <a:ext uri="{FF2B5EF4-FFF2-40B4-BE49-F238E27FC236}">
+                <a16:creationId xmlns:a16="http://schemas.microsoft.com/office/drawing/2014/main" id="{33B16023-BEE1-C045-84EA-A445023A9376}"/>
+              </a:ext>
+            </a:extLst>
+          </p:cNvPr>
+          <p:cNvSpPr/>
+          <p:nvPr/>
+        </p:nvSpPr>
+        <p:spPr>
+          <a:xfrm>
+            <a:off x="5771779" y="5305575"/>
+            <a:ext cx="236048" cy="173380"/>
+          </a:xfrm>
+          <a:prstGeom prst="flowChartDecision">
+            <a:avLst/>
+          </a:prstGeom>
+          <a:solidFill>
+            <a:srgbClr val="7030A0"/>
+          </a:solidFill>
+          <a:ln w="19050">
+            <a:solidFill>
+              <a:srgbClr val="7030A0"/>
+            </a:solidFill>
+          </a:ln>
+          <a:effectLst/>
+        </p:spPr>
+        <p:style>
+          <a:lnRef idx="1">
+            <a:schemeClr val="accent6"/>
+          </a:lnRef>
+          <a:fillRef idx="2">
+            <a:schemeClr val="accent6"/>
+          </a:fillRef>
+          <a:effectRef idx="1">
+            <a:schemeClr val="accent6"/>
+          </a:effectRef>
+          <a:fontRef idx="minor">
+            <a:schemeClr val="dk1"/>
+          </a:fontRef>
+        </p:style>
+        <p:txBody>
+          <a:bodyPr rtlCol="0" anchor="ctr"/>
+          <a:lstStyle/>
+          <a:p>
+            <a:pPr algn="ctr"/>
+            <a:endParaRPr lang="en-US" sz="1050"/>
+          </a:p>
+        </p:txBody>
+      </p:sp>
+      <p:sp>
+        <p:nvSpPr>
+          <p:cNvPr id="103" name="Rectangle 8">
+            <a:extLst>
+              <a:ext uri="{FF2B5EF4-FFF2-40B4-BE49-F238E27FC236}">
+                <a16:creationId xmlns:a16="http://schemas.microsoft.com/office/drawing/2014/main" id="{46160ECC-E314-1B47-9F9B-C5F45D8C92CC}"/>
+              </a:ext>
+            </a:extLst>
+          </p:cNvPr>
+          <p:cNvSpPr/>
+          <p:nvPr/>
+        </p:nvSpPr>
+        <p:spPr>
+          <a:xfrm>
+            <a:off x="4552558" y="4994011"/>
+            <a:ext cx="708186" cy="285783"/>
+          </a:xfrm>
+          <a:prstGeom prst="rect">
+            <a:avLst/>
+          </a:prstGeom>
+          <a:ln w="19050">
+            <a:solidFill>
+              <a:srgbClr val="7030A0"/>
+            </a:solidFill>
+          </a:ln>
+          <a:effectLst/>
+        </p:spPr>
+        <p:style>
+          <a:lnRef idx="1">
+            <a:schemeClr val="accent4"/>
+          </a:lnRef>
+          <a:fillRef idx="2">
+            <a:schemeClr val="accent4"/>
+          </a:fillRef>
+          <a:effectRef idx="1">
+            <a:schemeClr val="accent4"/>
+          </a:effectRef>
+          <a:fontRef idx="minor">
+            <a:schemeClr val="dk1"/>
+          </a:fontRef>
+        </p:style>
+        <p:txBody>
+          <a:bodyPr rtlCol="0" anchor="ctr"/>
+          <a:lstStyle/>
+          <a:p>
+            <a:pPr algn="ctr"/>
+            <a:r>
+              <a:rPr lang="en-US" sz="1050" dirty="0">
+                <a:solidFill>
+                  <a:srgbClr val="7030A0"/>
+                </a:solidFill>
+              </a:rPr>
+              <a:t>Phone</a:t>
+            </a:r>
+            <a:endParaRPr lang="en-SG" sz="1050" dirty="0">
+              <a:solidFill>
+                <a:srgbClr val="7030A0"/>
+              </a:solidFill>
+            </a:endParaRPr>
+          </a:p>
+        </p:txBody>
+      </p:sp>
+      <p:sp>
+        <p:nvSpPr>
+          <p:cNvPr id="105" name="Rectangle 8">
+            <a:extLst>
+              <a:ext uri="{FF2B5EF4-FFF2-40B4-BE49-F238E27FC236}">
+                <a16:creationId xmlns:a16="http://schemas.microsoft.com/office/drawing/2014/main" id="{E6D38093-76DE-D745-B5FB-816FA32B640A}"/>
+              </a:ext>
+            </a:extLst>
+          </p:cNvPr>
+          <p:cNvSpPr/>
+          <p:nvPr/>
+        </p:nvSpPr>
+        <p:spPr>
+          <a:xfrm>
+            <a:off x="4552558" y="5316989"/>
+            <a:ext cx="708186" cy="285783"/>
+          </a:xfrm>
+          <a:prstGeom prst="rect">
+            <a:avLst/>
+          </a:prstGeom>
+          <a:ln w="19050">
+            <a:solidFill>
+              <a:srgbClr val="7030A0"/>
+            </a:solidFill>
+          </a:ln>
+          <a:effectLst/>
+        </p:spPr>
+        <p:style>
+          <a:lnRef idx="1">
+            <a:schemeClr val="accent4"/>
+          </a:lnRef>
+          <a:fillRef idx="2">
+            <a:schemeClr val="accent4"/>
+          </a:fillRef>
+          <a:effectRef idx="1">
+            <a:schemeClr val="accent4"/>
+          </a:effectRef>
+          <a:fontRef idx="minor">
+            <a:schemeClr val="dk1"/>
+          </a:fontRef>
+        </p:style>
+        <p:txBody>
+          <a:bodyPr rtlCol="0" anchor="ctr"/>
+          <a:lstStyle/>
+          <a:p>
+            <a:pPr algn="ctr"/>
+            <a:r>
+              <a:rPr lang="en-US" sz="1050" dirty="0">
+                <a:solidFill>
+                  <a:srgbClr val="7030A0"/>
+                </a:solidFill>
+              </a:rPr>
+              <a:t>Email</a:t>
+            </a:r>
+            <a:endParaRPr lang="en-SG" sz="1050" dirty="0">
+              <a:solidFill>
+                <a:srgbClr val="7030A0"/>
+              </a:solidFill>
+            </a:endParaRPr>
+          </a:p>
+        </p:txBody>
+      </p:sp>
+      <p:sp>
+        <p:nvSpPr>
+          <p:cNvPr id="108" name="Rectangle 8">
+            <a:extLst>
+              <a:ext uri="{FF2B5EF4-FFF2-40B4-BE49-F238E27FC236}">
+                <a16:creationId xmlns:a16="http://schemas.microsoft.com/office/drawing/2014/main" id="{6FA64174-33DF-E749-8660-D20DE11A3D02}"/>
+              </a:ext>
+            </a:extLst>
+          </p:cNvPr>
+          <p:cNvSpPr/>
+          <p:nvPr/>
+        </p:nvSpPr>
+        <p:spPr>
+          <a:xfrm>
+            <a:off x="4552558" y="5639966"/>
+            <a:ext cx="708186" cy="285783"/>
+          </a:xfrm>
+          <a:prstGeom prst="rect">
+            <a:avLst/>
+          </a:prstGeom>
+          <a:ln w="19050">
+            <a:solidFill>
+              <a:srgbClr val="7030A0"/>
+            </a:solidFill>
+          </a:ln>
+          <a:effectLst/>
+        </p:spPr>
+        <p:style>
+          <a:lnRef idx="1">
+            <a:schemeClr val="accent4"/>
+          </a:lnRef>
+          <a:fillRef idx="2">
+            <a:schemeClr val="accent4"/>
+          </a:fillRef>
+          <a:effectRef idx="1">
+            <a:schemeClr val="accent4"/>
+          </a:effectRef>
+          <a:fontRef idx="minor">
+            <a:schemeClr val="dk1"/>
+          </a:fontRef>
+        </p:style>
+        <p:txBody>
+          <a:bodyPr rtlCol="0" anchor="ctr"/>
+          <a:lstStyle/>
+          <a:p>
+            <a:pPr algn="ctr"/>
+            <a:r>
+              <a:rPr lang="en-US" sz="1050" dirty="0">
+                <a:solidFill>
+                  <a:srgbClr val="7030A0"/>
+                </a:solidFill>
+              </a:rPr>
+              <a:t>Address</a:t>
+            </a:r>
+            <a:endParaRPr lang="en-SG" sz="1050" dirty="0">
+              <a:solidFill>
+                <a:srgbClr val="7030A0"/>
+              </a:solidFill>
+            </a:endParaRPr>
+          </a:p>
+        </p:txBody>
+      </p:sp>
+      <p:sp>
+        <p:nvSpPr>
+          <p:cNvPr id="112" name="TextBox 111">
+            <a:extLst>
+              <a:ext uri="{FF2B5EF4-FFF2-40B4-BE49-F238E27FC236}">
+                <a16:creationId xmlns:a16="http://schemas.microsoft.com/office/drawing/2014/main" id="{1A767150-794E-2541-A112-31D44A660771}"/>
+              </a:ext>
+            </a:extLst>
+          </p:cNvPr>
+          <p:cNvSpPr txBox="1"/>
+          <p:nvPr/>
+        </p:nvSpPr>
+        <p:spPr>
+          <a:xfrm>
+            <a:off x="2730398" y="4424536"/>
+            <a:ext cx="189257" cy="178683"/>
+          </a:xfrm>
+          <a:prstGeom prst="rect">
+            <a:avLst/>
+          </a:prstGeom>
+          <a:noFill/>
+        </p:spPr>
+        <p:txBody>
+          <a:bodyPr wrap="square" lIns="0" tIns="0" rIns="0" bIns="0" rtlCol="0">
+            <a:noAutofit/>
+          </a:bodyPr>
+          <a:lstStyle/>
+          <a:p>
+            <a:pPr algn="ctr"/>
+            <a:r>
+              <a:rPr lang="en-US" sz="1100" dirty="0">
+                <a:solidFill>
+                  <a:srgbClr val="7030A0"/>
+                </a:solidFill>
+              </a:rPr>
+              <a:t>1</a:t>
+            </a:r>
+            <a:endParaRPr lang="en-SG" sz="1100" dirty="0">
+              <a:solidFill>
+                <a:srgbClr val="7030A0"/>
+              </a:solidFill>
+            </a:endParaRPr>
+          </a:p>
+        </p:txBody>
+      </p:sp>
+      <p:sp>
+        <p:nvSpPr>
+          <p:cNvPr id="128" name="Rectangle 8">
+            <a:extLst>
+              <a:ext uri="{FF2B5EF4-FFF2-40B4-BE49-F238E27FC236}">
+                <a16:creationId xmlns:a16="http://schemas.microsoft.com/office/drawing/2014/main" id="{F8B6D0D2-D394-1F44-A401-339F4975BDEA}"/>
+              </a:ext>
+            </a:extLst>
+          </p:cNvPr>
+          <p:cNvSpPr/>
+          <p:nvPr/>
+        </p:nvSpPr>
+        <p:spPr>
+          <a:xfrm>
+            <a:off x="4511894" y="4342423"/>
+            <a:ext cx="847486" cy="285783"/>
+          </a:xfrm>
+          <a:prstGeom prst="rect">
+            <a:avLst/>
+          </a:prstGeom>
+          <a:ln w="19050">
+            <a:solidFill>
+              <a:srgbClr val="7030A0"/>
+            </a:solidFill>
+          </a:ln>
+          <a:effectLst/>
+        </p:spPr>
+        <p:style>
+          <a:lnRef idx="1">
+            <a:schemeClr val="accent4"/>
+          </a:lnRef>
+          <a:fillRef idx="2">
+            <a:schemeClr val="accent4"/>
+          </a:fillRef>
+          <a:effectRef idx="1">
+            <a:schemeClr val="accent4"/>
+          </a:effectRef>
+          <a:fontRef idx="minor">
+            <a:schemeClr val="dk1"/>
+          </a:fontRef>
+        </p:style>
+        <p:txBody>
+          <a:bodyPr rtlCol="0" anchor="ctr"/>
+          <a:lstStyle/>
+          <a:p>
+            <a:pPr algn="ctr"/>
+            <a:r>
+              <a:rPr lang="en-US" sz="1050" dirty="0" err="1">
+                <a:solidFill>
+                  <a:srgbClr val="7030A0"/>
+                </a:solidFill>
+              </a:rPr>
+              <a:t>UserName</a:t>
+            </a:r>
+            <a:endParaRPr lang="en-SG" sz="1050" dirty="0">
+              <a:solidFill>
+                <a:srgbClr val="7030A0"/>
+              </a:solidFill>
+            </a:endParaRPr>
+          </a:p>
+        </p:txBody>
+      </p:sp>
+      <p:sp>
+        <p:nvSpPr>
+          <p:cNvPr id="139" name="TextBox 138">
+            <a:extLst>
+              <a:ext uri="{FF2B5EF4-FFF2-40B4-BE49-F238E27FC236}">
+                <a16:creationId xmlns:a16="http://schemas.microsoft.com/office/drawing/2014/main" id="{0921F372-2243-7D48-B82B-346E5CD6B99F}"/>
+              </a:ext>
+            </a:extLst>
+          </p:cNvPr>
+          <p:cNvSpPr txBox="1"/>
+          <p:nvPr/>
+        </p:nvSpPr>
+        <p:spPr>
+          <a:xfrm>
+            <a:off x="6189545" y="2679383"/>
+            <a:ext cx="189257" cy="178683"/>
+          </a:xfrm>
+          <a:prstGeom prst="rect">
+            <a:avLst/>
+          </a:prstGeom>
+          <a:noFill/>
+        </p:spPr>
+        <p:txBody>
+          <a:bodyPr wrap="square" lIns="0" tIns="0" rIns="0" bIns="0" rtlCol="0">
+            <a:noAutofit/>
+          </a:bodyPr>
+          <a:lstStyle/>
+          <a:p>
+            <a:pPr algn="ctr"/>
+            <a:r>
+              <a:rPr lang="en-SG" sz="1100" dirty="0">
+                <a:solidFill>
+                  <a:srgbClr val="7030A0"/>
+                </a:solidFill>
+              </a:rPr>
+              <a:t>*</a:t>
+            </a:r>
+          </a:p>
+        </p:txBody>
+      </p:sp>
+      <p:sp>
+        <p:nvSpPr>
+          <p:cNvPr id="140" name="Rectangle 8">
+            <a:extLst>
+              <a:ext uri="{FF2B5EF4-FFF2-40B4-BE49-F238E27FC236}">
+                <a16:creationId xmlns:a16="http://schemas.microsoft.com/office/drawing/2014/main" id="{7F7A2FA7-6994-D047-8C40-02F9EAD0E0BA}"/>
+              </a:ext>
+            </a:extLst>
+          </p:cNvPr>
+          <p:cNvSpPr/>
+          <p:nvPr/>
+        </p:nvSpPr>
+        <p:spPr>
+          <a:xfrm>
+            <a:off x="7701186" y="4568395"/>
+            <a:ext cx="1100800" cy="285783"/>
+          </a:xfrm>
+          <a:prstGeom prst="rect">
+            <a:avLst/>
+          </a:prstGeom>
+          <a:ln w="19050">
+            <a:solidFill>
+              <a:srgbClr val="7030A0"/>
+            </a:solidFill>
+          </a:ln>
+          <a:effectLst/>
+        </p:spPr>
+        <p:style>
+          <a:lnRef idx="1">
+            <a:schemeClr val="accent4"/>
+          </a:lnRef>
+          <a:fillRef idx="2">
+            <a:schemeClr val="accent4"/>
+          </a:fillRef>
+          <a:effectRef idx="1">
+            <a:schemeClr val="accent4"/>
+          </a:effectRef>
+          <a:fontRef idx="minor">
+            <a:schemeClr val="dk1"/>
+          </a:fontRef>
+        </p:style>
+        <p:txBody>
+          <a:bodyPr rtlCol="0" anchor="ctr"/>
+          <a:lstStyle/>
+          <a:p>
+            <a:pPr algn="ctr"/>
+            <a:r>
+              <a:rPr lang="en-US" sz="1050" dirty="0" err="1">
+                <a:solidFill>
+                  <a:srgbClr val="7030A0"/>
+                </a:solidFill>
+              </a:rPr>
+              <a:t>FriendShip</a:t>
+            </a:r>
+            <a:endParaRPr lang="en-SG" sz="1050" dirty="0">
+              <a:solidFill>
+                <a:srgbClr val="7030A0"/>
+              </a:solidFill>
+            </a:endParaRPr>
+          </a:p>
+        </p:txBody>
+      </p:sp>
+      <p:sp>
+        <p:nvSpPr>
+          <p:cNvPr id="141" name="Rectangle 8">
+            <a:extLst>
+              <a:ext uri="{FF2B5EF4-FFF2-40B4-BE49-F238E27FC236}">
+                <a16:creationId xmlns:a16="http://schemas.microsoft.com/office/drawing/2014/main" id="{3BEB2C26-5F1C-DD4A-A431-134EDCD1B42E}"/>
+              </a:ext>
+            </a:extLst>
+          </p:cNvPr>
+          <p:cNvSpPr/>
+          <p:nvPr/>
+        </p:nvSpPr>
+        <p:spPr>
+          <a:xfrm>
+            <a:off x="7711694" y="5316636"/>
+            <a:ext cx="1100800" cy="285783"/>
+          </a:xfrm>
+          <a:prstGeom prst="rect">
+            <a:avLst/>
+          </a:prstGeom>
+          <a:ln w="19050">
+            <a:solidFill>
+              <a:srgbClr val="7030A0"/>
+            </a:solidFill>
+          </a:ln>
+          <a:effectLst/>
+        </p:spPr>
+        <p:style>
+          <a:lnRef idx="1">
+            <a:schemeClr val="accent4"/>
+          </a:lnRef>
+          <a:fillRef idx="2">
+            <a:schemeClr val="accent4"/>
+          </a:fillRef>
+          <a:effectRef idx="1">
+            <a:schemeClr val="accent4"/>
+          </a:effectRef>
+          <a:fontRef idx="minor">
+            <a:schemeClr val="dk1"/>
+          </a:fontRef>
+        </p:style>
+        <p:txBody>
+          <a:bodyPr rtlCol="0" anchor="ctr"/>
+          <a:lstStyle/>
+          <a:p>
+            <a:pPr algn="ctr"/>
+            <a:r>
+              <a:rPr lang="en-US" sz="1050" dirty="0">
+                <a:solidFill>
+                  <a:srgbClr val="7030A0"/>
+                </a:solidFill>
+              </a:rPr>
+              <a:t>Group</a:t>
+            </a:r>
+            <a:endParaRPr lang="en-SG" sz="1050" dirty="0">
+              <a:solidFill>
+                <a:srgbClr val="7030A0"/>
+              </a:solidFill>
+            </a:endParaRPr>
+          </a:p>
+        </p:txBody>
+      </p:sp>
+      <p:sp>
+        <p:nvSpPr>
+          <p:cNvPr id="142" name="Rectangle 8">
+            <a:extLst>
+              <a:ext uri="{FF2B5EF4-FFF2-40B4-BE49-F238E27FC236}">
+                <a16:creationId xmlns:a16="http://schemas.microsoft.com/office/drawing/2014/main" id="{DFDA015F-04FB-4947-9303-4D40796AF3AC}"/>
+              </a:ext>
+            </a:extLst>
+          </p:cNvPr>
+          <p:cNvSpPr/>
+          <p:nvPr/>
+        </p:nvSpPr>
+        <p:spPr>
+          <a:xfrm>
+            <a:off x="7711694" y="5944364"/>
+            <a:ext cx="1100800" cy="285783"/>
+          </a:xfrm>
+          <a:prstGeom prst="rect">
+            <a:avLst/>
+          </a:prstGeom>
+          <a:ln w="19050">
+            <a:solidFill>
+              <a:srgbClr val="7030A0"/>
+            </a:solidFill>
+          </a:ln>
+          <a:effectLst/>
+        </p:spPr>
+        <p:style>
+          <a:lnRef idx="1">
+            <a:schemeClr val="accent4"/>
+          </a:lnRef>
+          <a:fillRef idx="2">
+            <a:schemeClr val="accent4"/>
+          </a:fillRef>
+          <a:effectRef idx="1">
+            <a:schemeClr val="accent4"/>
+          </a:effectRef>
+          <a:fontRef idx="minor">
+            <a:schemeClr val="dk1"/>
+          </a:fontRef>
+        </p:style>
+        <p:txBody>
+          <a:bodyPr rtlCol="0" anchor="ctr"/>
+          <a:lstStyle/>
+          <a:p>
+            <a:pPr algn="ctr"/>
+            <a:r>
+              <a:rPr lang="en-US" sz="1050" dirty="0">
+                <a:solidFill>
+                  <a:srgbClr val="7030A0"/>
+                </a:solidFill>
+              </a:rPr>
+              <a:t>Debt</a:t>
+            </a:r>
+            <a:endParaRPr lang="en-SG" sz="1050" dirty="0">
+              <a:solidFill>
+                <a:srgbClr val="7030A0"/>
+              </a:solidFill>
+            </a:endParaRPr>
+          </a:p>
+        </p:txBody>
+      </p:sp>
+      <p:sp>
+        <p:nvSpPr>
+          <p:cNvPr id="144" name="Rectangle 8">
+            <a:extLst>
+              <a:ext uri="{FF2B5EF4-FFF2-40B4-BE49-F238E27FC236}">
+                <a16:creationId xmlns:a16="http://schemas.microsoft.com/office/drawing/2014/main" id="{2CC429C3-FB75-3A4A-B010-C25105F8A879}"/>
+              </a:ext>
+            </a:extLst>
+          </p:cNvPr>
+          <p:cNvSpPr/>
+          <p:nvPr/>
+        </p:nvSpPr>
+        <p:spPr>
+          <a:xfrm>
+            <a:off x="4032013" y="5989372"/>
+            <a:ext cx="986756" cy="285783"/>
+          </a:xfrm>
+          <a:prstGeom prst="rect">
+            <a:avLst/>
+          </a:prstGeom>
+          <a:ln w="19050">
+            <a:solidFill>
+              <a:srgbClr val="7030A0"/>
+            </a:solidFill>
+          </a:ln>
+          <a:effectLst/>
+        </p:spPr>
+        <p:style>
+          <a:lnRef idx="1">
+            <a:schemeClr val="accent4"/>
+          </a:lnRef>
+          <a:fillRef idx="2">
+            <a:schemeClr val="accent4"/>
+          </a:fillRef>
+          <a:effectRef idx="1">
+            <a:schemeClr val="accent4"/>
+          </a:effectRef>
+          <a:fontRef idx="minor">
+            <a:schemeClr val="dk1"/>
+          </a:fontRef>
+        </p:style>
+        <p:txBody>
+          <a:bodyPr rtlCol="0" anchor="ctr"/>
+          <a:lstStyle/>
+          <a:p>
+            <a:pPr algn="ctr"/>
+            <a:r>
+              <a:rPr lang="en-US" sz="1050" dirty="0" err="1">
+                <a:solidFill>
+                  <a:srgbClr val="7030A0"/>
+                </a:solidFill>
+              </a:rPr>
+              <a:t>BusySchedule</a:t>
+            </a:r>
+            <a:endParaRPr lang="en-SG" sz="1050" dirty="0">
+              <a:solidFill>
+                <a:srgbClr val="7030A0"/>
+              </a:solidFill>
+            </a:endParaRPr>
+          </a:p>
+        </p:txBody>
+      </p:sp>
+      <p:sp>
+        <p:nvSpPr>
+          <p:cNvPr id="154" name="TextBox 153">
+            <a:extLst>
+              <a:ext uri="{FF2B5EF4-FFF2-40B4-BE49-F238E27FC236}">
+                <a16:creationId xmlns:a16="http://schemas.microsoft.com/office/drawing/2014/main" id="{3D4A9DAB-5CA8-8443-A247-B3D75662B0B4}"/>
+              </a:ext>
+            </a:extLst>
+          </p:cNvPr>
+          <p:cNvSpPr txBox="1"/>
+          <p:nvPr/>
+        </p:nvSpPr>
+        <p:spPr>
+          <a:xfrm>
+            <a:off x="5527052" y="1860735"/>
+            <a:ext cx="189257" cy="178683"/>
+          </a:xfrm>
+          <a:prstGeom prst="rect">
+            <a:avLst/>
+          </a:prstGeom>
+          <a:noFill/>
+        </p:spPr>
+        <p:txBody>
+          <a:bodyPr wrap="square" lIns="0" tIns="0" rIns="0" bIns="0" rtlCol="0">
+            <a:noAutofit/>
+          </a:bodyPr>
+          <a:lstStyle/>
+          <a:p>
+            <a:pPr algn="ctr"/>
+            <a:endParaRPr lang="en-SG" sz="1100" dirty="0">
+              <a:solidFill>
+                <a:srgbClr val="7030A0"/>
+              </a:solidFill>
+            </a:endParaRPr>
+          </a:p>
+        </p:txBody>
+      </p:sp>
+      <p:sp>
+        <p:nvSpPr>
+          <p:cNvPr id="156" name="TextBox 155">
+            <a:extLst>
+              <a:ext uri="{FF2B5EF4-FFF2-40B4-BE49-F238E27FC236}">
+                <a16:creationId xmlns:a16="http://schemas.microsoft.com/office/drawing/2014/main" id="{A8C735D9-66D0-C349-87EA-32901D13850B}"/>
+              </a:ext>
+            </a:extLst>
+          </p:cNvPr>
+          <p:cNvSpPr txBox="1"/>
+          <p:nvPr/>
+        </p:nvSpPr>
+        <p:spPr>
+          <a:xfrm>
+            <a:off x="8262094" y="4408504"/>
+            <a:ext cx="189257" cy="178683"/>
+          </a:xfrm>
+          <a:prstGeom prst="rect">
+            <a:avLst/>
+          </a:prstGeom>
+          <a:noFill/>
+        </p:spPr>
+        <p:txBody>
+          <a:bodyPr wrap="square" lIns="0" tIns="0" rIns="0" bIns="0" rtlCol="0">
+            <a:noAutofit/>
+          </a:bodyPr>
+          <a:lstStyle/>
+          <a:p>
+            <a:pPr algn="ctr"/>
+            <a:r>
+              <a:rPr lang="en-US" sz="1100" dirty="0">
+                <a:solidFill>
+                  <a:srgbClr val="7030A0"/>
+                </a:solidFill>
+              </a:rPr>
+              <a:t>*</a:t>
+            </a:r>
+            <a:endParaRPr lang="en-SG" sz="1100" dirty="0">
+              <a:solidFill>
+                <a:srgbClr val="7030A0"/>
+              </a:solidFill>
+            </a:endParaRPr>
+          </a:p>
+        </p:txBody>
+      </p:sp>
+      <p:sp>
+        <p:nvSpPr>
+          <p:cNvPr id="162" name="TextBox 161">
+            <a:extLst>
+              <a:ext uri="{FF2B5EF4-FFF2-40B4-BE49-F238E27FC236}">
+                <a16:creationId xmlns:a16="http://schemas.microsoft.com/office/drawing/2014/main" id="{FB4F47D1-5071-C543-892C-2D062E47E1BF}"/>
+              </a:ext>
+            </a:extLst>
+          </p:cNvPr>
+          <p:cNvSpPr txBox="1"/>
+          <p:nvPr/>
+        </p:nvSpPr>
+        <p:spPr>
+          <a:xfrm>
+            <a:off x="6356972" y="5003700"/>
+            <a:ext cx="189257" cy="178683"/>
+          </a:xfrm>
+          <a:prstGeom prst="rect">
+            <a:avLst/>
+          </a:prstGeom>
+          <a:noFill/>
+        </p:spPr>
+        <p:txBody>
+          <a:bodyPr wrap="square" lIns="0" tIns="0" rIns="0" bIns="0" rtlCol="0">
+            <a:noAutofit/>
+          </a:bodyPr>
+          <a:lstStyle/>
+          <a:p>
+            <a:pPr algn="ctr"/>
+            <a:r>
+              <a:rPr lang="en-US" sz="1100" dirty="0">
+                <a:solidFill>
+                  <a:srgbClr val="7030A0"/>
+                </a:solidFill>
+              </a:rPr>
+              <a:t>1</a:t>
+            </a:r>
+            <a:endParaRPr lang="en-SG" sz="1100" dirty="0">
+              <a:solidFill>
+                <a:srgbClr val="7030A0"/>
+              </a:solidFill>
+            </a:endParaRPr>
+          </a:p>
+        </p:txBody>
+      </p:sp>
+      <p:cxnSp>
+        <p:nvCxnSpPr>
+          <p:cNvPr id="173" name="Elbow Connector 172">
+            <a:extLst>
+              <a:ext uri="{FF2B5EF4-FFF2-40B4-BE49-F238E27FC236}">
+                <a16:creationId xmlns:a16="http://schemas.microsoft.com/office/drawing/2014/main" id="{A4D15763-43E0-CD43-BD72-4263BFFB1CC3}"/>
+              </a:ext>
+            </a:extLst>
+          </p:cNvPr>
+          <p:cNvCxnSpPr>
+            <a:cxnSpLocks/>
+            <a:stCxn id="101" idx="1"/>
+            <a:endCxn id="128" idx="3"/>
+          </p:cNvCxnSpPr>
+          <p:nvPr/>
+        </p:nvCxnSpPr>
+        <p:spPr>
+          <a:xfrm rot="10800000">
+            <a:off x="5359381" y="4485315"/>
+            <a:ext cx="412399" cy="906950"/>
+          </a:xfrm>
+          <a:prstGeom prst="bentConnector3">
+            <a:avLst>
+              <a:gd name="adj1" fmla="val 50000"/>
+            </a:avLst>
+          </a:prstGeom>
+          <a:ln w="19050">
+            <a:solidFill>
+              <a:srgbClr val="7030A0"/>
+            </a:solidFill>
+            <a:headEnd type="none" w="med" len="med"/>
+            <a:tailEnd type="arrow" w="med" len="med"/>
+          </a:ln>
+          <a:effectLst/>
+        </p:spPr>
+        <p:style>
+          <a:lnRef idx="1">
+            <a:schemeClr val="accent2"/>
+          </a:lnRef>
+          <a:fillRef idx="2">
+            <a:schemeClr val="accent2"/>
+          </a:fillRef>
+          <a:effectRef idx="1">
+            <a:schemeClr val="accent2"/>
+          </a:effectRef>
+          <a:fontRef idx="minor">
+            <a:schemeClr val="dk1"/>
+          </a:fontRef>
+        </p:style>
+      </p:cxnSp>
+      <p:cxnSp>
+        <p:nvCxnSpPr>
+          <p:cNvPr id="176" name="Elbow Connector 175">
+            <a:extLst>
+              <a:ext uri="{FF2B5EF4-FFF2-40B4-BE49-F238E27FC236}">
+                <a16:creationId xmlns:a16="http://schemas.microsoft.com/office/drawing/2014/main" id="{0FF46E55-C099-2343-8D4A-65A825F4D9D7}"/>
+              </a:ext>
+            </a:extLst>
+          </p:cNvPr>
+          <p:cNvCxnSpPr>
+            <a:cxnSpLocks/>
+            <a:stCxn id="101" idx="1"/>
+            <a:endCxn id="98" idx="3"/>
+          </p:cNvCxnSpPr>
+          <p:nvPr/>
+        </p:nvCxnSpPr>
+        <p:spPr>
+          <a:xfrm rot="10800000">
+            <a:off x="5260745" y="4813925"/>
+            <a:ext cx="511035" cy="578340"/>
+          </a:xfrm>
+          <a:prstGeom prst="bentConnector3">
+            <a:avLst>
+              <a:gd name="adj1" fmla="val 40138"/>
+            </a:avLst>
+          </a:prstGeom>
+          <a:ln w="19050">
+            <a:solidFill>
+              <a:srgbClr val="7030A0"/>
+            </a:solidFill>
+            <a:headEnd type="none" w="med" len="med"/>
+            <a:tailEnd type="arrow" w="med" len="med"/>
+          </a:ln>
+          <a:effectLst/>
+        </p:spPr>
+        <p:style>
+          <a:lnRef idx="1">
+            <a:schemeClr val="accent2"/>
+          </a:lnRef>
+          <a:fillRef idx="2">
+            <a:schemeClr val="accent2"/>
+          </a:fillRef>
+          <a:effectRef idx="1">
+            <a:schemeClr val="accent2"/>
+          </a:effectRef>
+          <a:fontRef idx="minor">
+            <a:schemeClr val="dk1"/>
+          </a:fontRef>
+        </p:style>
+      </p:cxnSp>
+      <p:cxnSp>
+        <p:nvCxnSpPr>
+          <p:cNvPr id="182" name="Elbow Connector 181">
+            <a:extLst>
+              <a:ext uri="{FF2B5EF4-FFF2-40B4-BE49-F238E27FC236}">
+                <a16:creationId xmlns:a16="http://schemas.microsoft.com/office/drawing/2014/main" id="{F30FA2EB-9101-B848-ADFB-47BF58AF00D8}"/>
+              </a:ext>
+            </a:extLst>
+          </p:cNvPr>
+          <p:cNvCxnSpPr>
+            <a:cxnSpLocks/>
+            <a:stCxn id="101" idx="1"/>
+          </p:cNvCxnSpPr>
+          <p:nvPr/>
+        </p:nvCxnSpPr>
+        <p:spPr>
+          <a:xfrm rot="10800000">
+            <a:off x="5259441" y="5129305"/>
+            <a:ext cx="512339" cy="262960"/>
+          </a:xfrm>
+          <a:prstGeom prst="bentConnector3">
+            <a:avLst>
+              <a:gd name="adj1" fmla="val 38758"/>
+            </a:avLst>
+          </a:prstGeom>
+          <a:ln w="19050">
+            <a:solidFill>
+              <a:srgbClr val="7030A0"/>
+            </a:solidFill>
+            <a:headEnd type="none" w="med" len="med"/>
+            <a:tailEnd type="arrow" w="med" len="med"/>
+          </a:ln>
+          <a:effectLst/>
+        </p:spPr>
+        <p:style>
+          <a:lnRef idx="1">
+            <a:schemeClr val="accent2"/>
+          </a:lnRef>
+          <a:fillRef idx="2">
+            <a:schemeClr val="accent2"/>
+          </a:fillRef>
+          <a:effectRef idx="1">
+            <a:schemeClr val="accent2"/>
+          </a:effectRef>
+          <a:fontRef idx="minor">
+            <a:schemeClr val="dk1"/>
+          </a:fontRef>
+        </p:style>
+      </p:cxnSp>
+      <p:cxnSp>
+        <p:nvCxnSpPr>
+          <p:cNvPr id="185" name="Elbow Connector 184">
+            <a:extLst>
+              <a:ext uri="{FF2B5EF4-FFF2-40B4-BE49-F238E27FC236}">
+                <a16:creationId xmlns:a16="http://schemas.microsoft.com/office/drawing/2014/main" id="{B4F270F4-D966-E646-862F-2D8F42FFC11A}"/>
+              </a:ext>
+            </a:extLst>
+          </p:cNvPr>
+          <p:cNvCxnSpPr>
+            <a:cxnSpLocks/>
+            <a:stCxn id="101" idx="1"/>
+          </p:cNvCxnSpPr>
+          <p:nvPr/>
+        </p:nvCxnSpPr>
+        <p:spPr>
+          <a:xfrm rot="10800000" flipV="1">
+            <a:off x="5254817" y="5392265"/>
+            <a:ext cx="516963" cy="103790"/>
+          </a:xfrm>
+          <a:prstGeom prst="bentConnector3">
+            <a:avLst>
+              <a:gd name="adj1" fmla="val 40251"/>
+            </a:avLst>
+          </a:prstGeom>
+          <a:ln w="19050">
+            <a:solidFill>
+              <a:srgbClr val="7030A0"/>
+            </a:solidFill>
+            <a:headEnd type="none" w="med" len="med"/>
+            <a:tailEnd type="arrow" w="med" len="med"/>
+          </a:ln>
+          <a:effectLst/>
+        </p:spPr>
+        <p:style>
+          <a:lnRef idx="1">
+            <a:schemeClr val="accent2"/>
+          </a:lnRef>
+          <a:fillRef idx="2">
+            <a:schemeClr val="accent2"/>
+          </a:fillRef>
+          <a:effectRef idx="1">
+            <a:schemeClr val="accent2"/>
+          </a:effectRef>
+          <a:fontRef idx="minor">
+            <a:schemeClr val="dk1"/>
+          </a:fontRef>
+        </p:style>
+      </p:cxnSp>
+      <p:cxnSp>
+        <p:nvCxnSpPr>
+          <p:cNvPr id="188" name="Elbow Connector 187">
+            <a:extLst>
+              <a:ext uri="{FF2B5EF4-FFF2-40B4-BE49-F238E27FC236}">
+                <a16:creationId xmlns:a16="http://schemas.microsoft.com/office/drawing/2014/main" id="{59D26667-98C1-5345-8E8C-00D969F8C49F}"/>
+              </a:ext>
+            </a:extLst>
+          </p:cNvPr>
+          <p:cNvCxnSpPr>
+            <a:cxnSpLocks/>
+            <a:stCxn id="101" idx="1"/>
+          </p:cNvCxnSpPr>
+          <p:nvPr/>
+        </p:nvCxnSpPr>
+        <p:spPr>
+          <a:xfrm rot="10800000" flipV="1">
+            <a:off x="5254843" y="5392265"/>
+            <a:ext cx="516937" cy="416708"/>
+          </a:xfrm>
+          <a:prstGeom prst="bentConnector3">
+            <a:avLst>
+              <a:gd name="adj1" fmla="val 40250"/>
+            </a:avLst>
+          </a:prstGeom>
+          <a:ln w="19050">
+            <a:solidFill>
+              <a:srgbClr val="7030A0"/>
+            </a:solidFill>
+            <a:headEnd type="none" w="med" len="med"/>
+            <a:tailEnd type="arrow" w="med" len="med"/>
+          </a:ln>
+          <a:effectLst/>
+        </p:spPr>
+        <p:style>
+          <a:lnRef idx="1">
+            <a:schemeClr val="accent2"/>
+          </a:lnRef>
+          <a:fillRef idx="2">
+            <a:schemeClr val="accent2"/>
+          </a:fillRef>
+          <a:effectRef idx="1">
+            <a:schemeClr val="accent2"/>
+          </a:effectRef>
+          <a:fontRef idx="minor">
+            <a:schemeClr val="dk1"/>
+          </a:fontRef>
+        </p:style>
+      </p:cxnSp>
+      <p:cxnSp>
+        <p:nvCxnSpPr>
+          <p:cNvPr id="192" name="Elbow Connector 191">
+            <a:extLst>
+              <a:ext uri="{FF2B5EF4-FFF2-40B4-BE49-F238E27FC236}">
+                <a16:creationId xmlns:a16="http://schemas.microsoft.com/office/drawing/2014/main" id="{313B78A6-9507-ED45-8E16-0432B8616AFB}"/>
+              </a:ext>
+            </a:extLst>
+          </p:cNvPr>
+          <p:cNvCxnSpPr>
+            <a:cxnSpLocks/>
+            <a:endCxn id="144" idx="3"/>
+          </p:cNvCxnSpPr>
+          <p:nvPr/>
+        </p:nvCxnSpPr>
+        <p:spPr>
+          <a:xfrm rot="5400000">
+            <a:off x="4926850" y="5504145"/>
+            <a:ext cx="720039" cy="536199"/>
+          </a:xfrm>
+          <a:prstGeom prst="bentConnector2">
+            <a:avLst/>
+          </a:prstGeom>
+          <a:ln w="19050">
+            <a:solidFill>
+              <a:srgbClr val="7030A0"/>
+            </a:solidFill>
+            <a:headEnd type="none" w="med" len="med"/>
+            <a:tailEnd type="arrow" w="med" len="med"/>
+          </a:ln>
+          <a:effectLst/>
+        </p:spPr>
+        <p:style>
+          <a:lnRef idx="1">
+            <a:schemeClr val="accent2"/>
+          </a:lnRef>
+          <a:fillRef idx="2">
+            <a:schemeClr val="accent2"/>
+          </a:fillRef>
+          <a:effectRef idx="1">
+            <a:schemeClr val="accent2"/>
+          </a:effectRef>
+          <a:fontRef idx="minor">
+            <a:schemeClr val="dk1"/>
+          </a:fontRef>
+        </p:style>
+      </p:cxnSp>
+      <p:cxnSp>
+        <p:nvCxnSpPr>
+          <p:cNvPr id="220" name="Elbow Connector 219">
+            <a:extLst>
+              <a:ext uri="{FF2B5EF4-FFF2-40B4-BE49-F238E27FC236}">
+                <a16:creationId xmlns:a16="http://schemas.microsoft.com/office/drawing/2014/main" id="{E8A4F817-E32C-F947-8D3B-840AAF2FD5DA}"/>
+              </a:ext>
+            </a:extLst>
+          </p:cNvPr>
+          <p:cNvCxnSpPr>
+            <a:cxnSpLocks/>
+            <a:stCxn id="67" idx="3"/>
+            <a:endCxn id="140" idx="0"/>
+          </p:cNvCxnSpPr>
+          <p:nvPr/>
+        </p:nvCxnSpPr>
+        <p:spPr>
+          <a:xfrm flipV="1">
+            <a:off x="7171255" y="4568395"/>
+            <a:ext cx="1080331" cy="806620"/>
+          </a:xfrm>
+          <a:prstGeom prst="bentConnector4">
+            <a:avLst>
+              <a:gd name="adj1" fmla="val 24526"/>
+              <a:gd name="adj2" fmla="val 128340"/>
+            </a:avLst>
+          </a:prstGeom>
+          <a:ln w="19050">
+            <a:solidFill>
+              <a:srgbClr val="7030A0"/>
+            </a:solidFill>
+            <a:headEnd type="none" w="med" len="med"/>
+            <a:tailEnd type="arrow" w="med" len="med"/>
+          </a:ln>
+          <a:effectLst/>
+        </p:spPr>
+        <p:style>
+          <a:lnRef idx="1">
+            <a:schemeClr val="accent2"/>
+          </a:lnRef>
+          <a:fillRef idx="2">
+            <a:schemeClr val="accent2"/>
+          </a:fillRef>
+          <a:effectRef idx="1">
+            <a:schemeClr val="accent2"/>
+          </a:effectRef>
+          <a:fontRef idx="minor">
+            <a:schemeClr val="dk1"/>
+          </a:fontRef>
+        </p:style>
+      </p:cxnSp>
+      <p:cxnSp>
+        <p:nvCxnSpPr>
+          <p:cNvPr id="223" name="Elbow Connector 222">
+            <a:extLst>
+              <a:ext uri="{FF2B5EF4-FFF2-40B4-BE49-F238E27FC236}">
+                <a16:creationId xmlns:a16="http://schemas.microsoft.com/office/drawing/2014/main" id="{9A6D1C0E-8C9A-3240-A7F8-3457659E3A42}"/>
+              </a:ext>
+            </a:extLst>
+          </p:cNvPr>
+          <p:cNvCxnSpPr>
+            <a:cxnSpLocks/>
+            <a:stCxn id="67" idx="3"/>
+            <a:endCxn id="140" idx="1"/>
+          </p:cNvCxnSpPr>
+          <p:nvPr/>
+        </p:nvCxnSpPr>
+        <p:spPr>
+          <a:xfrm flipV="1">
+            <a:off x="7171255" y="4711287"/>
+            <a:ext cx="529931" cy="663728"/>
+          </a:xfrm>
+          <a:prstGeom prst="bentConnector3">
+            <a:avLst>
+              <a:gd name="adj1" fmla="val 50000"/>
+            </a:avLst>
+          </a:prstGeom>
+          <a:ln w="19050">
+            <a:solidFill>
+              <a:srgbClr val="7030A0"/>
+            </a:solidFill>
+            <a:headEnd type="none" w="med" len="med"/>
+            <a:tailEnd type="arrow" w="med" len="med"/>
+          </a:ln>
+          <a:effectLst/>
+        </p:spPr>
+        <p:style>
+          <a:lnRef idx="1">
+            <a:schemeClr val="accent2"/>
+          </a:lnRef>
+          <a:fillRef idx="2">
+            <a:schemeClr val="accent2"/>
+          </a:fillRef>
+          <a:effectRef idx="1">
+            <a:schemeClr val="accent2"/>
+          </a:effectRef>
+          <a:fontRef idx="minor">
+            <a:schemeClr val="dk1"/>
+          </a:fontRef>
+        </p:style>
+      </p:cxnSp>
+      <p:cxnSp>
+        <p:nvCxnSpPr>
+          <p:cNvPr id="226" name="Elbow Connector 225">
+            <a:extLst>
+              <a:ext uri="{FF2B5EF4-FFF2-40B4-BE49-F238E27FC236}">
+                <a16:creationId xmlns:a16="http://schemas.microsoft.com/office/drawing/2014/main" id="{5A1F13A2-18E9-7E46-8E62-83DF1D280E48}"/>
+              </a:ext>
+            </a:extLst>
+          </p:cNvPr>
+          <p:cNvCxnSpPr>
+            <a:cxnSpLocks/>
+            <a:stCxn id="67" idx="3"/>
+            <a:endCxn id="141" idx="0"/>
+          </p:cNvCxnSpPr>
+          <p:nvPr/>
+        </p:nvCxnSpPr>
+        <p:spPr>
+          <a:xfrm flipV="1">
+            <a:off x="7171255" y="5316636"/>
+            <a:ext cx="1090839" cy="58379"/>
+          </a:xfrm>
+          <a:prstGeom prst="bentConnector4">
+            <a:avLst>
+              <a:gd name="adj1" fmla="val 24772"/>
+              <a:gd name="adj2" fmla="val 688570"/>
+            </a:avLst>
+          </a:prstGeom>
+          <a:ln w="19050">
+            <a:solidFill>
+              <a:srgbClr val="7030A0"/>
+            </a:solidFill>
+            <a:headEnd type="none" w="med" len="med"/>
+            <a:tailEnd type="arrow" w="med" len="med"/>
+          </a:ln>
+          <a:effectLst/>
+        </p:spPr>
+        <p:style>
+          <a:lnRef idx="1">
+            <a:schemeClr val="accent2"/>
+          </a:lnRef>
+          <a:fillRef idx="2">
+            <a:schemeClr val="accent2"/>
+          </a:fillRef>
+          <a:effectRef idx="1">
+            <a:schemeClr val="accent2"/>
+          </a:effectRef>
+          <a:fontRef idx="minor">
+            <a:schemeClr val="dk1"/>
+          </a:fontRef>
+        </p:style>
+      </p:cxnSp>
+      <p:cxnSp>
+        <p:nvCxnSpPr>
+          <p:cNvPr id="229" name="Elbow Connector 228">
+            <a:extLst>
+              <a:ext uri="{FF2B5EF4-FFF2-40B4-BE49-F238E27FC236}">
+                <a16:creationId xmlns:a16="http://schemas.microsoft.com/office/drawing/2014/main" id="{1E0B9E8C-4948-6443-833B-0D149BEAC8F2}"/>
+              </a:ext>
+            </a:extLst>
+          </p:cNvPr>
+          <p:cNvCxnSpPr>
+            <a:cxnSpLocks/>
+            <a:stCxn id="67" idx="3"/>
+            <a:endCxn id="141" idx="1"/>
+          </p:cNvCxnSpPr>
+          <p:nvPr/>
+        </p:nvCxnSpPr>
+        <p:spPr>
+          <a:xfrm>
+            <a:off x="7171255" y="5375015"/>
+            <a:ext cx="540439" cy="84513"/>
+          </a:xfrm>
+          <a:prstGeom prst="bentConnector3">
+            <a:avLst>
+              <a:gd name="adj1" fmla="val 50000"/>
+            </a:avLst>
+          </a:prstGeom>
+          <a:ln w="19050">
+            <a:solidFill>
+              <a:srgbClr val="7030A0"/>
+            </a:solidFill>
+            <a:headEnd type="none" w="med" len="med"/>
+            <a:tailEnd type="arrow" w="med" len="med"/>
+          </a:ln>
+          <a:effectLst/>
+        </p:spPr>
+        <p:style>
+          <a:lnRef idx="1">
+            <a:schemeClr val="accent2"/>
+          </a:lnRef>
+          <a:fillRef idx="2">
+            <a:schemeClr val="accent2"/>
+          </a:fillRef>
+          <a:effectRef idx="1">
+            <a:schemeClr val="accent2"/>
+          </a:effectRef>
+          <a:fontRef idx="minor">
+            <a:schemeClr val="dk1"/>
+          </a:fontRef>
+        </p:style>
+      </p:cxnSp>
+      <p:cxnSp>
+        <p:nvCxnSpPr>
+          <p:cNvPr id="241" name="Elbow Connector 240">
+            <a:extLst>
+              <a:ext uri="{FF2B5EF4-FFF2-40B4-BE49-F238E27FC236}">
+                <a16:creationId xmlns:a16="http://schemas.microsoft.com/office/drawing/2014/main" id="{8F2999EC-4BDF-A94D-8172-A3FD6C915D0C}"/>
+              </a:ext>
+            </a:extLst>
+          </p:cNvPr>
+          <p:cNvCxnSpPr>
+            <a:cxnSpLocks/>
+            <a:endCxn id="142" idx="1"/>
+          </p:cNvCxnSpPr>
+          <p:nvPr/>
+        </p:nvCxnSpPr>
+        <p:spPr>
+          <a:xfrm rot="16200000" flipH="1">
+            <a:off x="7251426" y="5626988"/>
+            <a:ext cx="645062" cy="275474"/>
+          </a:xfrm>
+          <a:prstGeom prst="bentConnector2">
+            <a:avLst/>
+          </a:prstGeom>
+          <a:ln w="19050">
+            <a:solidFill>
+              <a:srgbClr val="7030A0"/>
+            </a:solidFill>
+            <a:headEnd type="none" w="med" len="med"/>
+            <a:tailEnd type="arrow" w="med" len="med"/>
+          </a:ln>
+          <a:effectLst/>
+        </p:spPr>
+        <p:style>
+          <a:lnRef idx="1">
+            <a:schemeClr val="accent2"/>
+          </a:lnRef>
+          <a:fillRef idx="2">
+            <a:schemeClr val="accent2"/>
+          </a:fillRef>
+          <a:effectRef idx="1">
+            <a:schemeClr val="accent2"/>
+          </a:effectRef>
+          <a:fontRef idx="minor">
+            <a:schemeClr val="dk1"/>
+          </a:fontRef>
+        </p:style>
+      </p:cxnSp>
+      <p:cxnSp>
+        <p:nvCxnSpPr>
+          <p:cNvPr id="256" name="Elbow Connector 255">
+            <a:extLst>
+              <a:ext uri="{FF2B5EF4-FFF2-40B4-BE49-F238E27FC236}">
+                <a16:creationId xmlns:a16="http://schemas.microsoft.com/office/drawing/2014/main" id="{723C821E-AD37-0640-9DAA-CE0948FB9156}"/>
+              </a:ext>
+            </a:extLst>
+          </p:cNvPr>
+          <p:cNvCxnSpPr>
+            <a:cxnSpLocks/>
+          </p:cNvCxnSpPr>
+          <p:nvPr/>
+        </p:nvCxnSpPr>
+        <p:spPr>
+          <a:xfrm rot="16200000" flipH="1">
+            <a:off x="7251910" y="5749123"/>
+            <a:ext cx="645062" cy="275474"/>
+          </a:xfrm>
+          <a:prstGeom prst="bentConnector2">
+            <a:avLst/>
+          </a:prstGeom>
+          <a:ln w="19050">
+            <a:solidFill>
+              <a:srgbClr val="7030A0"/>
+            </a:solidFill>
+            <a:headEnd type="none" w="med" len="med"/>
+            <a:tailEnd type="arrow" w="med" len="med"/>
+          </a:ln>
+          <a:effectLst/>
+        </p:spPr>
+        <p:style>
+          <a:lnRef idx="1">
+            <a:schemeClr val="accent2"/>
+          </a:lnRef>
+          <a:fillRef idx="2">
+            <a:schemeClr val="accent2"/>
+          </a:fillRef>
+          <a:effectRef idx="1">
+            <a:schemeClr val="accent2"/>
+          </a:effectRef>
+          <a:fontRef idx="minor">
+            <a:schemeClr val="dk1"/>
+          </a:fontRef>
+        </p:style>
+      </p:cxnSp>
+      <p:sp>
+        <p:nvSpPr>
+          <p:cNvPr id="132" name="Flowchart: Decision 96">
+            <a:extLst>
+              <a:ext uri="{FF2B5EF4-FFF2-40B4-BE49-F238E27FC236}">
+                <a16:creationId xmlns:a16="http://schemas.microsoft.com/office/drawing/2014/main" id="{0DD2A809-689B-2948-85A9-B9B012402D40}"/>
+              </a:ext>
+            </a:extLst>
+          </p:cNvPr>
+          <p:cNvSpPr/>
+          <p:nvPr/>
+        </p:nvSpPr>
+        <p:spPr>
+          <a:xfrm>
+            <a:off x="7168899" y="5296291"/>
+            <a:ext cx="236048" cy="173380"/>
+          </a:xfrm>
+          <a:prstGeom prst="flowChartDecision">
+            <a:avLst/>
+          </a:prstGeom>
+          <a:solidFill>
+            <a:schemeClr val="accent4">
+              <a:lumMod val="20000"/>
+              <a:lumOff val="80000"/>
+            </a:schemeClr>
+          </a:solidFill>
+          <a:ln w="19050">
+            <a:solidFill>
+              <a:srgbClr val="7030A0"/>
+            </a:solidFill>
+          </a:ln>
+          <a:effectLst/>
+        </p:spPr>
+        <p:style>
+          <a:lnRef idx="1">
+            <a:schemeClr val="accent6"/>
+          </a:lnRef>
+          <a:fillRef idx="2">
+            <a:schemeClr val="accent6"/>
+          </a:fillRef>
+          <a:effectRef idx="1">
+            <a:schemeClr val="accent6"/>
+          </a:effectRef>
+          <a:fontRef idx="minor">
+            <a:schemeClr val="dk1"/>
+          </a:fontRef>
+        </p:style>
+        <p:txBody>
+          <a:bodyPr rtlCol="0" anchor="ctr"/>
+          <a:lstStyle/>
+          <a:p>
+            <a:pPr algn="ctr"/>
+            <a:endParaRPr lang="en-US" sz="1050"/>
+          </a:p>
+        </p:txBody>
+      </p:sp>
+      <p:sp>
+        <p:nvSpPr>
+          <p:cNvPr id="257" name="TextBox 256">
+            <a:extLst>
+              <a:ext uri="{FF2B5EF4-FFF2-40B4-BE49-F238E27FC236}">
+                <a16:creationId xmlns:a16="http://schemas.microsoft.com/office/drawing/2014/main" id="{0434AD9C-E14B-604A-8680-BF53A1B98B56}"/>
+              </a:ext>
+            </a:extLst>
+          </p:cNvPr>
+          <p:cNvSpPr txBox="1"/>
+          <p:nvPr/>
+        </p:nvSpPr>
+        <p:spPr>
+          <a:xfrm>
+            <a:off x="7501014" y="4513877"/>
+            <a:ext cx="189257" cy="178683"/>
+          </a:xfrm>
+          <a:prstGeom prst="rect">
+            <a:avLst/>
+          </a:prstGeom>
+          <a:noFill/>
+        </p:spPr>
+        <p:txBody>
+          <a:bodyPr wrap="square" lIns="0" tIns="0" rIns="0" bIns="0" rtlCol="0">
+            <a:noAutofit/>
+          </a:bodyPr>
+          <a:lstStyle/>
+          <a:p>
+            <a:pPr algn="ctr"/>
+            <a:r>
+              <a:rPr lang="en-US" sz="1100" dirty="0">
+                <a:solidFill>
+                  <a:srgbClr val="7030A0"/>
+                </a:solidFill>
+              </a:rPr>
+              <a:t>*</a:t>
+            </a:r>
+            <a:endParaRPr lang="en-SG" sz="1100" dirty="0">
+              <a:solidFill>
+                <a:srgbClr val="7030A0"/>
+              </a:solidFill>
+            </a:endParaRPr>
+          </a:p>
+        </p:txBody>
+      </p:sp>
+      <p:sp>
+        <p:nvSpPr>
+          <p:cNvPr id="258" name="TextBox 257">
+            <a:extLst>
+              <a:ext uri="{FF2B5EF4-FFF2-40B4-BE49-F238E27FC236}">
+                <a16:creationId xmlns:a16="http://schemas.microsoft.com/office/drawing/2014/main" id="{DDD1B3D7-44DB-B545-AAAE-96AC86F918E4}"/>
+              </a:ext>
+            </a:extLst>
+          </p:cNvPr>
+          <p:cNvSpPr txBox="1"/>
+          <p:nvPr/>
+        </p:nvSpPr>
+        <p:spPr>
+          <a:xfrm>
+            <a:off x="8299898" y="5157275"/>
+            <a:ext cx="189257" cy="178683"/>
+          </a:xfrm>
+          <a:prstGeom prst="rect">
+            <a:avLst/>
+          </a:prstGeom>
+          <a:noFill/>
+        </p:spPr>
+        <p:txBody>
+          <a:bodyPr wrap="square" lIns="0" tIns="0" rIns="0" bIns="0" rtlCol="0">
+            <a:noAutofit/>
+          </a:bodyPr>
+          <a:lstStyle/>
+          <a:p>
+            <a:pPr algn="ctr"/>
+            <a:r>
+              <a:rPr lang="en-US" sz="1100" dirty="0">
+                <a:solidFill>
+                  <a:srgbClr val="7030A0"/>
+                </a:solidFill>
+              </a:rPr>
+              <a:t>*</a:t>
+            </a:r>
+            <a:endParaRPr lang="en-SG" sz="1100" dirty="0">
+              <a:solidFill>
+                <a:srgbClr val="7030A0"/>
+              </a:solidFill>
+            </a:endParaRPr>
+          </a:p>
+        </p:txBody>
+      </p:sp>
+      <p:sp>
+        <p:nvSpPr>
+          <p:cNvPr id="259" name="TextBox 258">
+            <a:extLst>
+              <a:ext uri="{FF2B5EF4-FFF2-40B4-BE49-F238E27FC236}">
+                <a16:creationId xmlns:a16="http://schemas.microsoft.com/office/drawing/2014/main" id="{78B39354-9ED7-4E43-9CCB-803D37154159}"/>
+              </a:ext>
+            </a:extLst>
+          </p:cNvPr>
+          <p:cNvSpPr txBox="1"/>
+          <p:nvPr/>
+        </p:nvSpPr>
+        <p:spPr>
+          <a:xfrm>
+            <a:off x="7493385" y="5510195"/>
+            <a:ext cx="189257" cy="178683"/>
+          </a:xfrm>
+          <a:prstGeom prst="rect">
+            <a:avLst/>
+          </a:prstGeom>
+          <a:noFill/>
+        </p:spPr>
+        <p:txBody>
+          <a:bodyPr wrap="square" lIns="0" tIns="0" rIns="0" bIns="0" rtlCol="0">
+            <a:noAutofit/>
+          </a:bodyPr>
+          <a:lstStyle/>
+          <a:p>
+            <a:pPr algn="ctr"/>
+            <a:r>
+              <a:rPr lang="en-US" sz="1100" dirty="0">
+                <a:solidFill>
+                  <a:srgbClr val="7030A0"/>
+                </a:solidFill>
+              </a:rPr>
+              <a:t>*</a:t>
+            </a:r>
+            <a:endParaRPr lang="en-SG" sz="1100" dirty="0">
+              <a:solidFill>
+                <a:srgbClr val="7030A0"/>
+              </a:solidFill>
+            </a:endParaRPr>
+          </a:p>
+        </p:txBody>
+      </p:sp>
+      <p:sp>
+        <p:nvSpPr>
+          <p:cNvPr id="260" name="TextBox 259">
+            <a:extLst>
+              <a:ext uri="{FF2B5EF4-FFF2-40B4-BE49-F238E27FC236}">
+                <a16:creationId xmlns:a16="http://schemas.microsoft.com/office/drawing/2014/main" id="{9E671A7A-C148-2D46-807B-D45C222711D1}"/>
+              </a:ext>
+            </a:extLst>
+          </p:cNvPr>
+          <p:cNvSpPr txBox="1"/>
+          <p:nvPr/>
+        </p:nvSpPr>
+        <p:spPr>
+          <a:xfrm>
+            <a:off x="7506575" y="5902785"/>
+            <a:ext cx="189257" cy="178683"/>
+          </a:xfrm>
+          <a:prstGeom prst="rect">
+            <a:avLst/>
+          </a:prstGeom>
+          <a:noFill/>
+        </p:spPr>
+        <p:txBody>
+          <a:bodyPr wrap="square" lIns="0" tIns="0" rIns="0" bIns="0" rtlCol="0">
+            <a:noAutofit/>
+          </a:bodyPr>
+          <a:lstStyle/>
+          <a:p>
+            <a:pPr algn="ctr"/>
+            <a:r>
+              <a:rPr lang="en-US" sz="1100" dirty="0">
+                <a:solidFill>
+                  <a:srgbClr val="7030A0"/>
+                </a:solidFill>
+              </a:rPr>
+              <a:t>*</a:t>
+            </a:r>
+            <a:endParaRPr lang="en-SG" sz="1100" dirty="0">
+              <a:solidFill>
+                <a:srgbClr val="7030A0"/>
+              </a:solidFill>
+            </a:endParaRPr>
+          </a:p>
+        </p:txBody>
+      </p:sp>
+      <p:sp>
+        <p:nvSpPr>
+          <p:cNvPr id="261" name="TextBox 260">
+            <a:extLst>
+              <a:ext uri="{FF2B5EF4-FFF2-40B4-BE49-F238E27FC236}">
+                <a16:creationId xmlns:a16="http://schemas.microsoft.com/office/drawing/2014/main" id="{F04479BF-D51D-D64A-82BC-3DB8E93DEF48}"/>
+              </a:ext>
+            </a:extLst>
+          </p:cNvPr>
+          <p:cNvSpPr txBox="1"/>
+          <p:nvPr/>
+        </p:nvSpPr>
+        <p:spPr>
+          <a:xfrm>
+            <a:off x="7493384" y="6253102"/>
+            <a:ext cx="189257" cy="178683"/>
+          </a:xfrm>
+          <a:prstGeom prst="rect">
+            <a:avLst/>
+          </a:prstGeom>
+          <a:noFill/>
+        </p:spPr>
+        <p:txBody>
+          <a:bodyPr wrap="square" lIns="0" tIns="0" rIns="0" bIns="0" rtlCol="0">
+            <a:noAutofit/>
+          </a:bodyPr>
+          <a:lstStyle/>
+          <a:p>
+            <a:pPr algn="ctr"/>
+            <a:r>
+              <a:rPr lang="en-US" sz="1100" dirty="0">
+                <a:solidFill>
+                  <a:srgbClr val="7030A0"/>
+                </a:solidFill>
+              </a:rPr>
+              <a:t>*</a:t>
+            </a:r>
+            <a:endParaRPr lang="en-SG" sz="1100" dirty="0">
+              <a:solidFill>
+                <a:srgbClr val="7030A0"/>
+              </a:solidFill>
+            </a:endParaRPr>
+          </a:p>
+        </p:txBody>
+      </p:sp>
+      <p:sp>
+        <p:nvSpPr>
+          <p:cNvPr id="262" name="TextBox 261">
+            <a:extLst>
+              <a:ext uri="{FF2B5EF4-FFF2-40B4-BE49-F238E27FC236}">
+                <a16:creationId xmlns:a16="http://schemas.microsoft.com/office/drawing/2014/main" id="{280572DE-617E-924B-8BF2-75647A2E492F}"/>
+              </a:ext>
+            </a:extLst>
+          </p:cNvPr>
+          <p:cNvSpPr txBox="1"/>
+          <p:nvPr/>
+        </p:nvSpPr>
+        <p:spPr>
+          <a:xfrm>
+            <a:off x="7377061" y="4082226"/>
+            <a:ext cx="1074290" cy="246221"/>
+          </a:xfrm>
+          <a:prstGeom prst="rect">
+            <a:avLst/>
+          </a:prstGeom>
+          <a:noFill/>
+        </p:spPr>
+        <p:txBody>
+          <a:bodyPr wrap="square" rtlCol="0">
+            <a:spAutoFit/>
+          </a:bodyPr>
+          <a:lstStyle/>
+          <a:p>
+            <a:pPr algn="r"/>
+            <a:r>
+              <a:rPr lang="en-US" sz="1000" dirty="0" err="1">
+                <a:solidFill>
+                  <a:srgbClr val="7030A0"/>
+                </a:solidFill>
+              </a:rPr>
+              <a:t>friendRequests</a:t>
+            </a:r>
+            <a:endParaRPr lang="en-SG" sz="1000" dirty="0">
+              <a:solidFill>
+                <a:srgbClr val="7030A0"/>
+              </a:solidFill>
+            </a:endParaRPr>
+          </a:p>
+        </p:txBody>
+      </p:sp>
+      <p:sp>
+        <p:nvSpPr>
+          <p:cNvPr id="263" name="TextBox 262">
+            <a:extLst>
+              <a:ext uri="{FF2B5EF4-FFF2-40B4-BE49-F238E27FC236}">
+                <a16:creationId xmlns:a16="http://schemas.microsoft.com/office/drawing/2014/main" id="{B2D023B9-55D9-3A40-8818-C13FA15F59E1}"/>
+              </a:ext>
+            </a:extLst>
+          </p:cNvPr>
+          <p:cNvSpPr txBox="1"/>
+          <p:nvPr/>
+        </p:nvSpPr>
+        <p:spPr>
+          <a:xfrm>
+            <a:off x="6406917" y="4552652"/>
+            <a:ext cx="1074290" cy="246221"/>
+          </a:xfrm>
+          <a:prstGeom prst="rect">
+            <a:avLst/>
+          </a:prstGeom>
+          <a:noFill/>
+        </p:spPr>
+        <p:txBody>
+          <a:bodyPr wrap="square" rtlCol="0">
+            <a:spAutoFit/>
+          </a:bodyPr>
+          <a:lstStyle/>
+          <a:p>
+            <a:pPr algn="r"/>
+            <a:r>
+              <a:rPr lang="en-US" sz="1000" dirty="0">
+                <a:solidFill>
+                  <a:srgbClr val="7030A0"/>
+                </a:solidFill>
+              </a:rPr>
+              <a:t>friends</a:t>
+            </a:r>
+            <a:endParaRPr lang="en-SG" sz="1000" dirty="0">
+              <a:solidFill>
+                <a:srgbClr val="7030A0"/>
+              </a:solidFill>
+            </a:endParaRPr>
+          </a:p>
+        </p:txBody>
+      </p:sp>
+      <p:sp>
+        <p:nvSpPr>
+          <p:cNvPr id="264" name="TextBox 263">
+            <a:extLst>
+              <a:ext uri="{FF2B5EF4-FFF2-40B4-BE49-F238E27FC236}">
+                <a16:creationId xmlns:a16="http://schemas.microsoft.com/office/drawing/2014/main" id="{13F04B2F-614F-CA42-BAA5-04F1960A247D}"/>
+              </a:ext>
+            </a:extLst>
+          </p:cNvPr>
+          <p:cNvSpPr txBox="1"/>
+          <p:nvPr/>
+        </p:nvSpPr>
+        <p:spPr>
+          <a:xfrm>
+            <a:off x="7660808" y="4937298"/>
+            <a:ext cx="1074290" cy="246221"/>
+          </a:xfrm>
+          <a:prstGeom prst="rect">
+            <a:avLst/>
+          </a:prstGeom>
+          <a:noFill/>
+        </p:spPr>
+        <p:txBody>
+          <a:bodyPr wrap="square" rtlCol="0">
+            <a:spAutoFit/>
+          </a:bodyPr>
+          <a:lstStyle/>
+          <a:p>
+            <a:pPr algn="r"/>
+            <a:r>
+              <a:rPr lang="en-US" sz="1000" dirty="0">
+                <a:solidFill>
+                  <a:srgbClr val="7030A0"/>
+                </a:solidFill>
+              </a:rPr>
+              <a:t>groups</a:t>
+            </a:r>
+            <a:endParaRPr lang="en-SG" sz="1000" dirty="0">
+              <a:solidFill>
+                <a:srgbClr val="7030A0"/>
+              </a:solidFill>
+            </a:endParaRPr>
+          </a:p>
+        </p:txBody>
+      </p:sp>
+      <p:sp>
+        <p:nvSpPr>
+          <p:cNvPr id="265" name="TextBox 264">
+            <a:extLst>
+              <a:ext uri="{FF2B5EF4-FFF2-40B4-BE49-F238E27FC236}">
+                <a16:creationId xmlns:a16="http://schemas.microsoft.com/office/drawing/2014/main" id="{9390546C-BDC6-3B48-92AB-0E14D7F8B4C2}"/>
+              </a:ext>
+            </a:extLst>
+          </p:cNvPr>
+          <p:cNvSpPr txBox="1"/>
+          <p:nvPr/>
+        </p:nvSpPr>
+        <p:spPr>
+          <a:xfrm>
+            <a:off x="7286923" y="5578171"/>
+            <a:ext cx="1074290" cy="246221"/>
+          </a:xfrm>
+          <a:prstGeom prst="rect">
+            <a:avLst/>
+          </a:prstGeom>
+          <a:noFill/>
+        </p:spPr>
+        <p:txBody>
+          <a:bodyPr wrap="square" rtlCol="0">
+            <a:spAutoFit/>
+          </a:bodyPr>
+          <a:lstStyle/>
+          <a:p>
+            <a:pPr algn="r"/>
+            <a:r>
+              <a:rPr lang="en-US" sz="1000" dirty="0" err="1">
+                <a:solidFill>
+                  <a:srgbClr val="7030A0"/>
+                </a:solidFill>
+              </a:rPr>
+              <a:t>groupRequests</a:t>
+            </a:r>
+            <a:endParaRPr lang="en-SG" sz="1000" dirty="0">
+              <a:solidFill>
+                <a:srgbClr val="7030A0"/>
+              </a:solidFill>
+            </a:endParaRPr>
+          </a:p>
+        </p:txBody>
+      </p:sp>
+      <p:sp>
+        <p:nvSpPr>
+          <p:cNvPr id="266" name="TextBox 265">
+            <a:extLst>
+              <a:ext uri="{FF2B5EF4-FFF2-40B4-BE49-F238E27FC236}">
+                <a16:creationId xmlns:a16="http://schemas.microsoft.com/office/drawing/2014/main" id="{308AF398-4DC7-6348-B00C-BF7D4924118C}"/>
+              </a:ext>
+            </a:extLst>
+          </p:cNvPr>
+          <p:cNvSpPr txBox="1"/>
+          <p:nvPr/>
+        </p:nvSpPr>
+        <p:spPr>
+          <a:xfrm>
+            <a:off x="6406917" y="5922702"/>
+            <a:ext cx="1074290" cy="246221"/>
+          </a:xfrm>
+          <a:prstGeom prst="rect">
+            <a:avLst/>
+          </a:prstGeom>
+          <a:noFill/>
+        </p:spPr>
+        <p:txBody>
+          <a:bodyPr wrap="square" rtlCol="0">
+            <a:spAutoFit/>
+          </a:bodyPr>
+          <a:lstStyle/>
+          <a:p>
+            <a:pPr algn="r"/>
+            <a:r>
+              <a:rPr lang="en-US" sz="1000" dirty="0">
+                <a:solidFill>
+                  <a:srgbClr val="7030A0"/>
+                </a:solidFill>
+              </a:rPr>
+              <a:t>debts</a:t>
+            </a:r>
+            <a:endParaRPr lang="en-SG" sz="1000" dirty="0">
+              <a:solidFill>
+                <a:srgbClr val="7030A0"/>
+              </a:solidFill>
+            </a:endParaRPr>
+          </a:p>
+        </p:txBody>
+      </p:sp>
+      <p:sp>
+        <p:nvSpPr>
+          <p:cNvPr id="267" name="TextBox 266">
+            <a:extLst>
+              <a:ext uri="{FF2B5EF4-FFF2-40B4-BE49-F238E27FC236}">
+                <a16:creationId xmlns:a16="http://schemas.microsoft.com/office/drawing/2014/main" id="{EDECDE29-CF8C-2D48-A79B-B215E71FE03A}"/>
+              </a:ext>
+            </a:extLst>
+          </p:cNvPr>
+          <p:cNvSpPr txBox="1"/>
+          <p:nvPr/>
+        </p:nvSpPr>
+        <p:spPr>
+          <a:xfrm>
+            <a:off x="6418852" y="6082788"/>
+            <a:ext cx="1074290" cy="246221"/>
+          </a:xfrm>
+          <a:prstGeom prst="rect">
+            <a:avLst/>
+          </a:prstGeom>
+          <a:noFill/>
+        </p:spPr>
+        <p:txBody>
+          <a:bodyPr wrap="square" rtlCol="0">
+            <a:spAutoFit/>
+          </a:bodyPr>
+          <a:lstStyle/>
+          <a:p>
+            <a:pPr algn="r"/>
+            <a:r>
+              <a:rPr lang="en-US" sz="1000" dirty="0" err="1">
+                <a:solidFill>
+                  <a:srgbClr val="7030A0"/>
+                </a:solidFill>
+              </a:rPr>
+              <a:t>debtRequests</a:t>
+            </a:r>
+            <a:endParaRPr lang="en-SG" sz="1000" dirty="0">
+              <a:solidFill>
+                <a:srgbClr val="7030A0"/>
+              </a:solidFill>
+            </a:endParaRPr>
+          </a:p>
+        </p:txBody>
+      </p:sp>
+      <p:cxnSp>
+        <p:nvCxnSpPr>
+          <p:cNvPr id="268" name="Elbow Connector 267">
+            <a:extLst>
+              <a:ext uri="{FF2B5EF4-FFF2-40B4-BE49-F238E27FC236}">
+                <a16:creationId xmlns:a16="http://schemas.microsoft.com/office/drawing/2014/main" id="{4D954BB6-132F-7D46-9943-7C3882892B4E}"/>
+              </a:ext>
+            </a:extLst>
+          </p:cNvPr>
+          <p:cNvCxnSpPr>
+            <a:cxnSpLocks/>
+            <a:stCxn id="90" idx="0"/>
+            <a:endCxn id="128" idx="0"/>
+          </p:cNvCxnSpPr>
+          <p:nvPr/>
+        </p:nvCxnSpPr>
+        <p:spPr>
+          <a:xfrm rot="5400000" flipH="1" flipV="1">
+            <a:off x="4131161" y="3709402"/>
+            <a:ext cx="171455" cy="1437498"/>
+          </a:xfrm>
+          <a:prstGeom prst="bentConnector3">
+            <a:avLst>
+              <a:gd name="adj1" fmla="val 233329"/>
+            </a:avLst>
+          </a:prstGeom>
+          <a:ln w="19050">
+            <a:solidFill>
+              <a:srgbClr val="7030A0"/>
+            </a:solidFill>
+            <a:prstDash val="dash"/>
+            <a:headEnd type="none" w="med" len="med"/>
+            <a:tailEnd type="arrow" w="med" len="med"/>
+          </a:ln>
+          <a:effectLst/>
+        </p:spPr>
+        <p:style>
+          <a:lnRef idx="1">
+            <a:schemeClr val="accent2"/>
+          </a:lnRef>
+          <a:fillRef idx="2">
+            <a:schemeClr val="accent2"/>
+          </a:fillRef>
+          <a:effectRef idx="1">
+            <a:schemeClr val="accent2"/>
+          </a:effectRef>
+          <a:fontRef idx="minor">
+            <a:schemeClr val="dk1"/>
+          </a:fontRef>
+        </p:style>
+      </p:cxnSp>
+      <p:sp>
+        <p:nvSpPr>
+          <p:cNvPr id="271" name="Rectangle 8">
+            <a:extLst>
+              <a:ext uri="{FF2B5EF4-FFF2-40B4-BE49-F238E27FC236}">
+                <a16:creationId xmlns:a16="http://schemas.microsoft.com/office/drawing/2014/main" id="{776FA19E-2332-8446-8F92-837D1B08D029}"/>
+              </a:ext>
+            </a:extLst>
+          </p:cNvPr>
+          <p:cNvSpPr/>
+          <p:nvPr/>
+        </p:nvSpPr>
+        <p:spPr>
+          <a:xfrm>
+            <a:off x="2350446" y="5304066"/>
+            <a:ext cx="847486" cy="285783"/>
+          </a:xfrm>
+          <a:prstGeom prst="rect">
+            <a:avLst/>
+          </a:prstGeom>
+          <a:ln w="19050">
+            <a:solidFill>
+              <a:srgbClr val="7030A0"/>
+            </a:solidFill>
+          </a:ln>
+          <a:effectLst/>
+        </p:spPr>
+        <p:style>
+          <a:lnRef idx="1">
+            <a:schemeClr val="accent4"/>
+          </a:lnRef>
+          <a:fillRef idx="2">
+            <a:schemeClr val="accent4"/>
+          </a:fillRef>
+          <a:effectRef idx="1">
+            <a:schemeClr val="accent4"/>
+          </a:effectRef>
+          <a:fontRef idx="minor">
+            <a:schemeClr val="dk1"/>
+          </a:fontRef>
+        </p:style>
+        <p:txBody>
+          <a:bodyPr rtlCol="0" anchor="ctr"/>
+          <a:lstStyle/>
+          <a:p>
+            <a:pPr algn="ctr"/>
+            <a:r>
+              <a:rPr lang="en-US" sz="1050" dirty="0" err="1">
+                <a:solidFill>
+                  <a:srgbClr val="7030A0"/>
+                </a:solidFill>
+              </a:rPr>
+              <a:t>Jio</a:t>
+            </a:r>
+            <a:endParaRPr lang="en-SG" sz="1050" dirty="0">
+              <a:solidFill>
+                <a:srgbClr val="7030A0"/>
+              </a:solidFill>
+            </a:endParaRPr>
+          </a:p>
+        </p:txBody>
+      </p:sp>
+      <p:sp>
+        <p:nvSpPr>
+          <p:cNvPr id="272" name="Flowchart: Decision 96">
+            <a:extLst>
+              <a:ext uri="{FF2B5EF4-FFF2-40B4-BE49-F238E27FC236}">
+                <a16:creationId xmlns:a16="http://schemas.microsoft.com/office/drawing/2014/main" id="{19C5BD62-AD0D-E042-89DD-BAAAFD592DAF}"/>
+              </a:ext>
+            </a:extLst>
+          </p:cNvPr>
+          <p:cNvSpPr/>
+          <p:nvPr/>
+        </p:nvSpPr>
+        <p:spPr>
+          <a:xfrm rot="5400000">
+            <a:off x="3357584" y="4890094"/>
+            <a:ext cx="236048" cy="173380"/>
+          </a:xfrm>
+          <a:prstGeom prst="flowChartDecision">
+            <a:avLst/>
+          </a:prstGeom>
+          <a:solidFill>
+            <a:schemeClr val="accent4">
+              <a:lumMod val="20000"/>
+              <a:lumOff val="80000"/>
+            </a:schemeClr>
+          </a:solidFill>
+          <a:ln w="19050">
+            <a:solidFill>
+              <a:srgbClr val="7030A0"/>
+            </a:solidFill>
+          </a:ln>
+          <a:effectLst/>
+        </p:spPr>
+        <p:style>
+          <a:lnRef idx="1">
+            <a:schemeClr val="accent6"/>
+          </a:lnRef>
+          <a:fillRef idx="2">
+            <a:schemeClr val="accent6"/>
+          </a:fillRef>
+          <a:effectRef idx="1">
+            <a:schemeClr val="accent6"/>
+          </a:effectRef>
+          <a:fontRef idx="minor">
+            <a:schemeClr val="dk1"/>
+          </a:fontRef>
+        </p:style>
+        <p:txBody>
+          <a:bodyPr rtlCol="0" anchor="ctr"/>
+          <a:lstStyle/>
+          <a:p>
+            <a:pPr algn="ctr"/>
+            <a:endParaRPr lang="en-US" sz="1050"/>
+          </a:p>
+        </p:txBody>
+      </p:sp>
+      <p:cxnSp>
+        <p:nvCxnSpPr>
+          <p:cNvPr id="273" name="Straight Arrow Connector 81">
+            <a:extLst>
+              <a:ext uri="{FF2B5EF4-FFF2-40B4-BE49-F238E27FC236}">
+                <a16:creationId xmlns:a16="http://schemas.microsoft.com/office/drawing/2014/main" id="{9B7AB9F6-176C-7D4F-AEF7-113A04387E05}"/>
+              </a:ext>
+            </a:extLst>
+          </p:cNvPr>
+          <p:cNvCxnSpPr>
+            <a:cxnSpLocks/>
+            <a:endCxn id="271" idx="3"/>
+          </p:cNvCxnSpPr>
+          <p:nvPr/>
+        </p:nvCxnSpPr>
+        <p:spPr>
+          <a:xfrm rot="5400000">
+            <a:off x="3167875" y="5141426"/>
+            <a:ext cx="335590" cy="275475"/>
+          </a:xfrm>
+          <a:prstGeom prst="bentConnector2">
+            <a:avLst/>
+          </a:prstGeom>
+          <a:ln w="19050">
+            <a:solidFill>
+              <a:srgbClr val="7030A0"/>
+            </a:solidFill>
+            <a:headEnd type="none" w="med" len="med"/>
+            <a:tailEnd type="arrow" w="med" len="med"/>
+          </a:ln>
+          <a:effectLst/>
+        </p:spPr>
+        <p:style>
+          <a:lnRef idx="1">
+            <a:schemeClr val="accent2"/>
+          </a:lnRef>
+          <a:fillRef idx="2">
+            <a:schemeClr val="accent2"/>
+          </a:fillRef>
+          <a:effectRef idx="1">
+            <a:schemeClr val="accent2"/>
+          </a:effectRef>
+          <a:fontRef idx="minor">
+            <a:schemeClr val="dk1"/>
+          </a:fontRef>
+        </p:style>
+      </p:cxnSp>
+      <p:cxnSp>
+        <p:nvCxnSpPr>
+          <p:cNvPr id="278" name="Straight Arrow Connector 81">
+            <a:extLst>
+              <a:ext uri="{FF2B5EF4-FFF2-40B4-BE49-F238E27FC236}">
+                <a16:creationId xmlns:a16="http://schemas.microsoft.com/office/drawing/2014/main" id="{276A08F1-4C04-0845-8287-1EAF3542FE7C}"/>
+              </a:ext>
+            </a:extLst>
+          </p:cNvPr>
+          <p:cNvCxnSpPr>
+            <a:cxnSpLocks/>
+            <a:stCxn id="272" idx="3"/>
+            <a:endCxn id="67" idx="2"/>
+          </p:cNvCxnSpPr>
+          <p:nvPr/>
+        </p:nvCxnSpPr>
+        <p:spPr>
+          <a:xfrm rot="16200000" flipH="1">
+            <a:off x="4807396" y="3763019"/>
+            <a:ext cx="453587" cy="3117163"/>
+          </a:xfrm>
+          <a:prstGeom prst="bentConnector3">
+            <a:avLst>
+              <a:gd name="adj1" fmla="val 304156"/>
+            </a:avLst>
+          </a:prstGeom>
+          <a:ln w="19050">
+            <a:solidFill>
+              <a:srgbClr val="7030A0"/>
+            </a:solidFill>
+            <a:headEnd type="none" w="med" len="med"/>
+            <a:tailEnd type="arrow" w="med" len="med"/>
+          </a:ln>
+          <a:effectLst/>
+        </p:spPr>
+        <p:style>
+          <a:lnRef idx="1">
+            <a:schemeClr val="accent2"/>
+          </a:lnRef>
+          <a:fillRef idx="2">
+            <a:schemeClr val="accent2"/>
+          </a:fillRef>
+          <a:effectRef idx="1">
+            <a:schemeClr val="accent2"/>
+          </a:effectRef>
+          <a:fontRef idx="minor">
+            <a:schemeClr val="dk1"/>
+          </a:fontRef>
+        </p:style>
+      </p:cxnSp>
+      <p:sp>
+        <p:nvSpPr>
+          <p:cNvPr id="283" name="TextBox 282">
+            <a:extLst>
+              <a:ext uri="{FF2B5EF4-FFF2-40B4-BE49-F238E27FC236}">
+                <a16:creationId xmlns:a16="http://schemas.microsoft.com/office/drawing/2014/main" id="{3094E2E8-9863-474F-A631-941E7C45A77E}"/>
+              </a:ext>
+            </a:extLst>
+          </p:cNvPr>
+          <p:cNvSpPr txBox="1"/>
+          <p:nvPr/>
+        </p:nvSpPr>
+        <p:spPr>
+          <a:xfrm>
+            <a:off x="6282082" y="5611707"/>
+            <a:ext cx="189257" cy="178683"/>
+          </a:xfrm>
+          <a:prstGeom prst="rect">
+            <a:avLst/>
+          </a:prstGeom>
+          <a:noFill/>
+        </p:spPr>
+        <p:txBody>
+          <a:bodyPr wrap="square" lIns="0" tIns="0" rIns="0" bIns="0" rtlCol="0">
+            <a:noAutofit/>
+          </a:bodyPr>
+          <a:lstStyle/>
+          <a:p>
+            <a:pPr algn="ctr"/>
+            <a:r>
+              <a:rPr lang="en-US" sz="1100" dirty="0">
+                <a:solidFill>
+                  <a:srgbClr val="7030A0"/>
+                </a:solidFill>
+              </a:rPr>
+              <a:t>*</a:t>
+            </a:r>
+            <a:endParaRPr lang="en-SG" sz="1100" dirty="0">
+              <a:solidFill>
+                <a:srgbClr val="7030A0"/>
+              </a:solidFill>
+            </a:endParaRPr>
+          </a:p>
+        </p:txBody>
+      </p:sp>
+      <p:sp>
+        <p:nvSpPr>
+          <p:cNvPr id="284" name="TextBox 283">
+            <a:extLst>
+              <a:ext uri="{FF2B5EF4-FFF2-40B4-BE49-F238E27FC236}">
+                <a16:creationId xmlns:a16="http://schemas.microsoft.com/office/drawing/2014/main" id="{4D0FFDAC-9F93-5641-BA29-7877F2A214DB}"/>
+              </a:ext>
+            </a:extLst>
+          </p:cNvPr>
+          <p:cNvSpPr txBox="1"/>
+          <p:nvPr/>
+        </p:nvSpPr>
+        <p:spPr>
+          <a:xfrm>
+            <a:off x="3182863" y="5273064"/>
+            <a:ext cx="189257" cy="178683"/>
+          </a:xfrm>
+          <a:prstGeom prst="rect">
+            <a:avLst/>
+          </a:prstGeom>
+          <a:noFill/>
+        </p:spPr>
+        <p:txBody>
+          <a:bodyPr wrap="square" lIns="0" tIns="0" rIns="0" bIns="0" rtlCol="0">
+            <a:noAutofit/>
+          </a:bodyPr>
+          <a:lstStyle/>
+          <a:p>
+            <a:pPr algn="ctr"/>
+            <a:r>
+              <a:rPr lang="en-US" sz="1100" dirty="0">
+                <a:solidFill>
+                  <a:srgbClr val="7030A0"/>
+                </a:solidFill>
+              </a:rPr>
+              <a:t>*</a:t>
+            </a:r>
+            <a:endParaRPr lang="en-SG" sz="1100" dirty="0">
+              <a:solidFill>
+                <a:srgbClr val="7030A0"/>
+              </a:solidFill>
+            </a:endParaRPr>
+          </a:p>
+        </p:txBody>
+      </p:sp>
+      <p:sp>
+        <p:nvSpPr>
+          <p:cNvPr id="285" name="Flowchart: Decision 96">
+            <a:extLst>
+              <a:ext uri="{FF2B5EF4-FFF2-40B4-BE49-F238E27FC236}">
+                <a16:creationId xmlns:a16="http://schemas.microsoft.com/office/drawing/2014/main" id="{CB572264-9070-314C-9CC0-DC7247C819BA}"/>
+              </a:ext>
+            </a:extLst>
+          </p:cNvPr>
+          <p:cNvSpPr/>
+          <p:nvPr/>
+        </p:nvSpPr>
+        <p:spPr>
+          <a:xfrm rot="10800000">
+            <a:off x="3784035" y="6044058"/>
+            <a:ext cx="236048" cy="173380"/>
+          </a:xfrm>
+          <a:prstGeom prst="flowChartDecision">
+            <a:avLst/>
+          </a:prstGeom>
+          <a:solidFill>
+            <a:schemeClr val="accent4">
+              <a:lumMod val="20000"/>
+              <a:lumOff val="80000"/>
+            </a:schemeClr>
+          </a:solidFill>
+          <a:ln w="19050">
+            <a:solidFill>
+              <a:srgbClr val="7030A0"/>
+            </a:solidFill>
+          </a:ln>
+          <a:effectLst/>
+        </p:spPr>
+        <p:style>
+          <a:lnRef idx="1">
+            <a:schemeClr val="accent6"/>
+          </a:lnRef>
+          <a:fillRef idx="2">
+            <a:schemeClr val="accent6"/>
+          </a:fillRef>
+          <a:effectRef idx="1">
+            <a:schemeClr val="accent6"/>
+          </a:effectRef>
+          <a:fontRef idx="minor">
+            <a:schemeClr val="dk1"/>
+          </a:fontRef>
+        </p:style>
+        <p:txBody>
+          <a:bodyPr rtlCol="0" anchor="ctr"/>
+          <a:lstStyle/>
+          <a:p>
+            <a:pPr algn="ctr"/>
+            <a:endParaRPr lang="en-US" sz="1050"/>
+          </a:p>
+        </p:txBody>
+      </p:sp>
+      <p:cxnSp>
+        <p:nvCxnSpPr>
+          <p:cNvPr id="287" name="Straight Arrow Connector 81">
+            <a:extLst>
+              <a:ext uri="{FF2B5EF4-FFF2-40B4-BE49-F238E27FC236}">
+                <a16:creationId xmlns:a16="http://schemas.microsoft.com/office/drawing/2014/main" id="{CE6A97A1-815A-A943-851B-1EA1D6475015}"/>
+              </a:ext>
+            </a:extLst>
+          </p:cNvPr>
+          <p:cNvCxnSpPr>
+            <a:cxnSpLocks/>
+            <a:stCxn id="285" idx="3"/>
+            <a:endCxn id="290" idx="3"/>
+          </p:cNvCxnSpPr>
+          <p:nvPr/>
+        </p:nvCxnSpPr>
+        <p:spPr>
+          <a:xfrm flipH="1">
+            <a:off x="3186239" y="6130748"/>
+            <a:ext cx="597796" cy="2653"/>
+          </a:xfrm>
+          <a:prstGeom prst="straightConnector1">
+            <a:avLst/>
+          </a:prstGeom>
+          <a:ln w="19050">
+            <a:solidFill>
+              <a:srgbClr val="7030A0"/>
+            </a:solidFill>
+            <a:headEnd type="none" w="med" len="med"/>
+            <a:tailEnd type="arrow" w="med" len="med"/>
+          </a:ln>
+          <a:effectLst/>
+        </p:spPr>
+        <p:style>
+          <a:lnRef idx="1">
+            <a:schemeClr val="accent2"/>
+          </a:lnRef>
+          <a:fillRef idx="2">
+            <a:schemeClr val="accent2"/>
+          </a:fillRef>
+          <a:effectRef idx="1">
+            <a:schemeClr val="accent2"/>
+          </a:effectRef>
+          <a:fontRef idx="minor">
+            <a:schemeClr val="dk1"/>
+          </a:fontRef>
+        </p:style>
+      </p:cxnSp>
+      <p:sp>
+        <p:nvSpPr>
+          <p:cNvPr id="290" name="Rectangle 8">
+            <a:extLst>
+              <a:ext uri="{FF2B5EF4-FFF2-40B4-BE49-F238E27FC236}">
+                <a16:creationId xmlns:a16="http://schemas.microsoft.com/office/drawing/2014/main" id="{073622AF-2AF1-9A49-B33C-7713CF8F6E0D}"/>
+              </a:ext>
+            </a:extLst>
+          </p:cNvPr>
+          <p:cNvSpPr/>
+          <p:nvPr/>
+        </p:nvSpPr>
+        <p:spPr>
+          <a:xfrm>
+            <a:off x="2338753" y="5990509"/>
+            <a:ext cx="847486" cy="285783"/>
+          </a:xfrm>
+          <a:prstGeom prst="rect">
+            <a:avLst/>
+          </a:prstGeom>
+          <a:ln w="19050">
+            <a:solidFill>
+              <a:srgbClr val="7030A0"/>
+            </a:solidFill>
+          </a:ln>
+          <a:effectLst/>
+        </p:spPr>
+        <p:style>
+          <a:lnRef idx="1">
+            <a:schemeClr val="accent4"/>
+          </a:lnRef>
+          <a:fillRef idx="2">
+            <a:schemeClr val="accent4"/>
+          </a:fillRef>
+          <a:effectRef idx="1">
+            <a:schemeClr val="accent4"/>
+          </a:effectRef>
+          <a:fontRef idx="minor">
+            <a:schemeClr val="dk1"/>
+          </a:fontRef>
+        </p:style>
+        <p:txBody>
+          <a:bodyPr rtlCol="0" anchor="ctr"/>
+          <a:lstStyle/>
+          <a:p>
+            <a:pPr algn="ctr"/>
+            <a:r>
+              <a:rPr lang="en-US" sz="1050" dirty="0">
+                <a:solidFill>
+                  <a:srgbClr val="7030A0"/>
+                </a:solidFill>
+              </a:rPr>
+              <a:t>Date</a:t>
+            </a:r>
+            <a:endParaRPr lang="en-SG" sz="1050" dirty="0">
+              <a:solidFill>
+                <a:srgbClr val="7030A0"/>
+              </a:solidFill>
+            </a:endParaRPr>
+          </a:p>
+        </p:txBody>
+      </p:sp>
+      <p:sp>
+        <p:nvSpPr>
+          <p:cNvPr id="295" name="TextBox 294">
+            <a:extLst>
+              <a:ext uri="{FF2B5EF4-FFF2-40B4-BE49-F238E27FC236}">
+                <a16:creationId xmlns:a16="http://schemas.microsoft.com/office/drawing/2014/main" id="{D14F5849-94FD-C648-A4E7-FE97ED1CE227}"/>
+              </a:ext>
+            </a:extLst>
+          </p:cNvPr>
+          <p:cNvSpPr txBox="1"/>
+          <p:nvPr/>
+        </p:nvSpPr>
+        <p:spPr>
+          <a:xfrm>
+            <a:off x="3147260" y="5954717"/>
+            <a:ext cx="189257" cy="178683"/>
+          </a:xfrm>
+          <a:prstGeom prst="rect">
+            <a:avLst/>
+          </a:prstGeom>
+          <a:noFill/>
+        </p:spPr>
+        <p:txBody>
+          <a:bodyPr wrap="square" lIns="0" tIns="0" rIns="0" bIns="0" rtlCol="0">
+            <a:noAutofit/>
+          </a:bodyPr>
+          <a:lstStyle/>
+          <a:p>
+            <a:pPr algn="ctr"/>
+            <a:r>
+              <a:rPr lang="en-US" sz="1100" dirty="0">
+                <a:solidFill>
+                  <a:srgbClr val="7030A0"/>
+                </a:solidFill>
+              </a:rPr>
+              <a:t>*</a:t>
+            </a:r>
+            <a:endParaRPr lang="en-SG" sz="1100" dirty="0">
+              <a:solidFill>
+                <a:srgbClr val="7030A0"/>
+              </a:solidFill>
+            </a:endParaRPr>
+          </a:p>
+        </p:txBody>
+      </p:sp>
+      <p:sp>
+        <p:nvSpPr>
+          <p:cNvPr id="296" name="Flowchart: Decision 96">
+            <a:extLst>
+              <a:ext uri="{FF2B5EF4-FFF2-40B4-BE49-F238E27FC236}">
+                <a16:creationId xmlns:a16="http://schemas.microsoft.com/office/drawing/2014/main" id="{347A70C9-405C-A545-B6EF-77B0F92EB004}"/>
+              </a:ext>
+            </a:extLst>
+          </p:cNvPr>
+          <p:cNvSpPr/>
+          <p:nvPr/>
+        </p:nvSpPr>
+        <p:spPr>
+          <a:xfrm rot="5400000">
+            <a:off x="4111797" y="5776922"/>
+            <a:ext cx="236048" cy="173380"/>
+          </a:xfrm>
+          <a:prstGeom prst="flowChartDecision">
+            <a:avLst/>
+          </a:prstGeom>
+          <a:solidFill>
+            <a:srgbClr val="7030A0"/>
+          </a:solidFill>
+          <a:ln w="19050">
+            <a:solidFill>
+              <a:srgbClr val="7030A0"/>
+            </a:solidFill>
+          </a:ln>
+          <a:effectLst/>
+        </p:spPr>
+        <p:style>
+          <a:lnRef idx="1">
+            <a:schemeClr val="accent6"/>
+          </a:lnRef>
+          <a:fillRef idx="2">
+            <a:schemeClr val="accent6"/>
+          </a:fillRef>
+          <a:effectRef idx="1">
+            <a:schemeClr val="accent6"/>
+          </a:effectRef>
+          <a:fontRef idx="minor">
+            <a:schemeClr val="dk1"/>
+          </a:fontRef>
+        </p:style>
+        <p:txBody>
+          <a:bodyPr rtlCol="0" anchor="ctr"/>
+          <a:lstStyle/>
+          <a:p>
+            <a:pPr algn="ctr"/>
+            <a:endParaRPr lang="en-US" sz="1050"/>
+          </a:p>
+        </p:txBody>
+      </p:sp>
+      <p:cxnSp>
+        <p:nvCxnSpPr>
+          <p:cNvPr id="299" name="Straight Arrow Connector 81">
+            <a:extLst>
+              <a:ext uri="{FF2B5EF4-FFF2-40B4-BE49-F238E27FC236}">
+                <a16:creationId xmlns:a16="http://schemas.microsoft.com/office/drawing/2014/main" id="{150E96F1-C9CE-914C-B4E8-D3F4758569F5}"/>
+              </a:ext>
+            </a:extLst>
+          </p:cNvPr>
+          <p:cNvCxnSpPr>
+            <a:cxnSpLocks/>
+            <a:stCxn id="296" idx="1"/>
+            <a:endCxn id="128" idx="1"/>
+          </p:cNvCxnSpPr>
+          <p:nvPr/>
+        </p:nvCxnSpPr>
+        <p:spPr>
+          <a:xfrm rot="5400000" flipH="1" flipV="1">
+            <a:off x="3740721" y="4974416"/>
+            <a:ext cx="1260273" cy="282073"/>
+          </a:xfrm>
+          <a:prstGeom prst="bentConnector2">
+            <a:avLst/>
+          </a:prstGeom>
+          <a:ln w="19050">
+            <a:solidFill>
+              <a:srgbClr val="7030A0"/>
+            </a:solidFill>
+            <a:headEnd type="none" w="med" len="med"/>
+            <a:tailEnd type="arrow" w="med" len="med"/>
           </a:ln>
           <a:effectLst/>
         </p:spPr>

--- a/docs/diagrams/ModelComponentClassDiagram.pptx
+++ b/docs/diagrams/ModelComponentClassDiagram.pptx
@@ -126,14 +126,6 @@
 </p:presentation>
 </file>
 
-<file path=ppt/revisionInfo.xml><?xml version="1.0" encoding="utf-8"?>
-<p1510:revInfo xmlns:a="http://schemas.openxmlformats.org/drawingml/2006/main" xmlns:r="http://schemas.openxmlformats.org/officeDocument/2006/relationships" xmlns:p1510="http://schemas.microsoft.com/office/powerpoint/2015/10/main">
-  <p1510:revLst>
-    <p1510:client id="{48AAC33B-A8BD-5942-9B91-8182C9D793D4}" v="89" dt="2018-10-17T00:53:35.596"/>
-  </p1510:revLst>
-</p1510:revInfo>
-</file>
-
 <file path=ppt/changesInfos/changesInfo1.xml><?xml version="1.0" encoding="utf-8"?>
 <pc:chgInfo xmlns:a="http://schemas.openxmlformats.org/drawingml/2006/main" xmlns:r="http://schemas.openxmlformats.org/officeDocument/2006/relationships" xmlns:ac="http://schemas.microsoft.com/office/drawing/2013/main/command" xmlns:pc="http://schemas.microsoft.com/office/powerpoint/2013/main/command">
   <pc:docChgLst>
@@ -1109,7 +1101,7 @@
           <a:p>
             <a:fld id="{F5CC4B3F-88C1-4FFA-B1B6-F41C21DC6924}" type="datetimeFigureOut">
               <a:rPr lang="en-US" smtClean="0"/>
-              <a:t>10/17/18</a:t>
+              <a:t>11/11/18</a:t>
             </a:fld>
             <a:endParaRPr lang="en-US"/>
           </a:p>
@@ -1639,7 +1631,7 @@
           <a:p>
             <a:fld id="{78C97017-6FC3-485B-9764-EAC9E56C1D49}" type="datetimeFigureOut">
               <a:rPr lang="en-US" smtClean="0"/>
-              <a:t>10/17/18</a:t>
+              <a:t>11/11/18</a:t>
             </a:fld>
             <a:endParaRPr lang="en-US"/>
           </a:p>
@@ -1807,7 +1799,7 @@
           <a:p>
             <a:fld id="{78C97017-6FC3-485B-9764-EAC9E56C1D49}" type="datetimeFigureOut">
               <a:rPr lang="en-US" smtClean="0"/>
-              <a:t>10/17/18</a:t>
+              <a:t>11/11/18</a:t>
             </a:fld>
             <a:endParaRPr lang="en-US"/>
           </a:p>
@@ -1985,7 +1977,7 @@
           <a:p>
             <a:fld id="{78C97017-6FC3-485B-9764-EAC9E56C1D49}" type="datetimeFigureOut">
               <a:rPr lang="en-US" smtClean="0"/>
-              <a:t>10/17/18</a:t>
+              <a:t>11/11/18</a:t>
             </a:fld>
             <a:endParaRPr lang="en-US"/>
           </a:p>
@@ -2153,7 +2145,7 @@
           <a:p>
             <a:fld id="{78C97017-6FC3-485B-9764-EAC9E56C1D49}" type="datetimeFigureOut">
               <a:rPr lang="en-US" smtClean="0"/>
-              <a:t>10/17/18</a:t>
+              <a:t>11/11/18</a:t>
             </a:fld>
             <a:endParaRPr lang="en-US"/>
           </a:p>
@@ -2398,7 +2390,7 @@
           <a:p>
             <a:fld id="{78C97017-6FC3-485B-9764-EAC9E56C1D49}" type="datetimeFigureOut">
               <a:rPr lang="en-US" smtClean="0"/>
-              <a:t>10/17/18</a:t>
+              <a:t>11/11/18</a:t>
             </a:fld>
             <a:endParaRPr lang="en-US"/>
           </a:p>
@@ -2683,7 +2675,7 @@
           <a:p>
             <a:fld id="{78C97017-6FC3-485B-9764-EAC9E56C1D49}" type="datetimeFigureOut">
               <a:rPr lang="en-US" smtClean="0"/>
-              <a:t>10/17/18</a:t>
+              <a:t>11/11/18</a:t>
             </a:fld>
             <a:endParaRPr lang="en-US"/>
           </a:p>
@@ -3102,7 +3094,7 @@
           <a:p>
             <a:fld id="{78C97017-6FC3-485B-9764-EAC9E56C1D49}" type="datetimeFigureOut">
               <a:rPr lang="en-US" smtClean="0"/>
-              <a:t>10/17/18</a:t>
+              <a:t>11/11/18</a:t>
             </a:fld>
             <a:endParaRPr lang="en-US"/>
           </a:p>
@@ -3219,7 +3211,7 @@
           <a:p>
             <a:fld id="{78C97017-6FC3-485B-9764-EAC9E56C1D49}" type="datetimeFigureOut">
               <a:rPr lang="en-US" smtClean="0"/>
-              <a:t>10/17/18</a:t>
+              <a:t>11/11/18</a:t>
             </a:fld>
             <a:endParaRPr lang="en-US"/>
           </a:p>
@@ -3314,7 +3306,7 @@
           <a:p>
             <a:fld id="{78C97017-6FC3-485B-9764-EAC9E56C1D49}" type="datetimeFigureOut">
               <a:rPr lang="en-US" smtClean="0"/>
-              <a:t>10/17/18</a:t>
+              <a:t>11/11/18</a:t>
             </a:fld>
             <a:endParaRPr lang="en-US"/>
           </a:p>
@@ -3589,7 +3581,7 @@
           <a:p>
             <a:fld id="{78C97017-6FC3-485B-9764-EAC9E56C1D49}" type="datetimeFigureOut">
               <a:rPr lang="en-US" smtClean="0"/>
-              <a:t>10/17/18</a:t>
+              <a:t>11/11/18</a:t>
             </a:fld>
             <a:endParaRPr lang="en-US"/>
           </a:p>
@@ -3841,7 +3833,7 @@
           <a:p>
             <a:fld id="{78C97017-6FC3-485B-9764-EAC9E56C1D49}" type="datetimeFigureOut">
               <a:rPr lang="en-US" smtClean="0"/>
-              <a:t>10/17/18</a:t>
+              <a:t>11/11/18</a:t>
             </a:fld>
             <a:endParaRPr lang="en-US"/>
           </a:p>
@@ -4052,7 +4044,7 @@
           <a:p>
             <a:fld id="{78C97017-6FC3-485B-9764-EAC9E56C1D49}" type="datetimeFigureOut">
               <a:rPr lang="en-US" smtClean="0"/>
-              <a:t>10/17/18</a:t>
+              <a:t>11/11/18</a:t>
             </a:fld>
             <a:endParaRPr lang="en-US"/>
           </a:p>
@@ -4435,8 +4427,8 @@
         </p:nvSpPr>
         <p:spPr>
           <a:xfrm>
-            <a:off x="686382" y="1610549"/>
-            <a:ext cx="8229600" cy="4947280"/>
+            <a:off x="686382" y="1610548"/>
+            <a:ext cx="8229600" cy="5158511"/>
           </a:xfrm>
           <a:prstGeom prst="roundRect">
             <a:avLst>
@@ -5879,7 +5871,7 @@
         </p:nvSpPr>
         <p:spPr>
           <a:xfrm>
-            <a:off x="729136" y="5157275"/>
+            <a:off x="729137" y="4281446"/>
             <a:ext cx="1066800" cy="346760"/>
           </a:xfrm>
           <a:prstGeom prst="rect">
@@ -5954,8 +5946,8 @@
         </p:nvCxnSpPr>
         <p:spPr>
           <a:xfrm rot="5400000">
-            <a:off x="512927" y="4403815"/>
-            <a:ext cx="1503070" cy="3851"/>
+            <a:off x="950842" y="3965900"/>
+            <a:ext cx="627241" cy="3850"/>
           </a:xfrm>
           <a:prstGeom prst="bentConnector3">
             <a:avLst>
@@ -7555,7 +7547,7 @@
         </p:nvSpPr>
         <p:spPr>
           <a:xfrm>
-            <a:off x="4032013" y="5989372"/>
+            <a:off x="3966244" y="5989372"/>
             <a:ext cx="986756" cy="285783"/>
           </a:xfrm>
           <a:prstGeom prst="rect">
@@ -7988,14 +7980,13 @@
           </p:cNvPr>
           <p:cNvCxnSpPr>
             <a:cxnSpLocks/>
-            <a:endCxn id="144" idx="3"/>
           </p:cNvCxnSpPr>
           <p:nvPr/>
         </p:nvCxnSpPr>
         <p:spPr>
           <a:xfrm rot="5400000">
-            <a:off x="4926850" y="5504145"/>
-            <a:ext cx="720039" cy="536199"/>
+            <a:off x="4901416" y="5471080"/>
+            <a:ext cx="697171" cy="625196"/>
           </a:xfrm>
           <a:prstGeom prst="bentConnector2">
             <a:avLst/>
@@ -9050,14 +9041,14 @@
           </p:cNvPr>
           <p:cNvCxnSpPr>
             <a:cxnSpLocks/>
-            <a:endCxn id="271" idx="3"/>
+            <a:endCxn id="271" idx="0"/>
           </p:cNvCxnSpPr>
           <p:nvPr/>
         </p:nvCxnSpPr>
         <p:spPr>
-          <a:xfrm rot="5400000">
-            <a:off x="3167875" y="5141426"/>
-            <a:ext cx="335590" cy="275475"/>
+          <a:xfrm rot="10800000" flipV="1">
+            <a:off x="2774190" y="5111368"/>
+            <a:ext cx="699221" cy="192698"/>
           </a:xfrm>
           <a:prstGeom prst="bentConnector2">
             <a:avLst/>
@@ -9104,8 +9095,8 @@
         </p:nvCxnSpPr>
         <p:spPr>
           <a:xfrm rot="16200000" flipH="1">
-            <a:off x="4807396" y="3763019"/>
-            <a:ext cx="453587" cy="3117163"/>
+            <a:off x="4616815" y="3953600"/>
+            <a:ext cx="453587" cy="2736000"/>
           </a:xfrm>
           <a:prstGeom prst="bentConnector3">
             <a:avLst>
@@ -9150,7 +9141,7 @@
         </p:nvSpPr>
         <p:spPr>
           <a:xfrm>
-            <a:off x="6282082" y="5611707"/>
+            <a:off x="6018151" y="5688576"/>
             <a:ext cx="189257" cy="178683"/>
           </a:xfrm>
           <a:prstGeom prst="rect">
@@ -9195,7 +9186,7 @@
         </p:nvSpPr>
         <p:spPr>
           <a:xfrm>
-            <a:off x="3182863" y="5273064"/>
+            <a:off x="2559988" y="5080629"/>
             <a:ext cx="189257" cy="178683"/>
           </a:xfrm>
           <a:prstGeom prst="rect">
@@ -9240,7 +9231,7 @@
         </p:nvSpPr>
         <p:spPr>
           <a:xfrm rot="10800000">
-            <a:off x="3784035" y="6044058"/>
+            <a:off x="3718266" y="6044058"/>
             <a:ext cx="236048" cy="173380"/>
           </a:xfrm>
           <a:prstGeom prst="flowChartDecision">
@@ -9301,7 +9292,7 @@
         <p:spPr>
           <a:xfrm flipH="1">
             <a:off x="3186239" y="6130748"/>
-            <a:ext cx="597796" cy="2653"/>
+            <a:ext cx="532027" cy="2653"/>
           </a:xfrm>
           <a:prstGeom prst="straightConnector1">
             <a:avLst/>
@@ -9451,7 +9442,7 @@
         </p:nvSpPr>
         <p:spPr>
           <a:xfrm rot="5400000">
-            <a:off x="4111797" y="5776922"/>
+            <a:off x="4083466" y="5776922"/>
             <a:ext cx="236048" cy="173380"/>
           </a:xfrm>
           <a:prstGeom prst="flowChartDecision">
@@ -9501,15 +9492,14 @@
           </p:cNvPr>
           <p:cNvCxnSpPr>
             <a:cxnSpLocks/>
-            <a:stCxn id="296" idx="1"/>
             <a:endCxn id="128" idx="1"/>
           </p:cNvCxnSpPr>
           <p:nvPr/>
         </p:nvCxnSpPr>
         <p:spPr>
           <a:xfrm rot="5400000" flipH="1" flipV="1">
-            <a:off x="3740721" y="4974416"/>
-            <a:ext cx="1260273" cy="282073"/>
+            <a:off x="3721309" y="4955007"/>
+            <a:ext cx="1260276" cy="320893"/>
           </a:xfrm>
           <a:prstGeom prst="bentConnector2">
             <a:avLst/>
@@ -9538,6 +9528,480 @@
           </a:fontRef>
         </p:style>
       </p:cxnSp>
+      <p:cxnSp>
+        <p:nvCxnSpPr>
+          <p:cNvPr id="113" name="Elbow Connector 112">
+            <a:extLst>
+              <a:ext uri="{FF2B5EF4-FFF2-40B4-BE49-F238E27FC236}">
+                <a16:creationId xmlns:a16="http://schemas.microsoft.com/office/drawing/2014/main" id="{220B5450-43A9-AA44-BC8E-97927C4738A3}"/>
+              </a:ext>
+            </a:extLst>
+          </p:cNvPr>
+          <p:cNvCxnSpPr>
+            <a:cxnSpLocks/>
+            <a:stCxn id="271" idx="3"/>
+            <a:endCxn id="98" idx="1"/>
+          </p:cNvCxnSpPr>
+          <p:nvPr/>
+        </p:nvCxnSpPr>
+        <p:spPr>
+          <a:xfrm flipV="1">
+            <a:off x="3197932" y="4813925"/>
+            <a:ext cx="1354626" cy="633033"/>
+          </a:xfrm>
+          <a:prstGeom prst="bentConnector3">
+            <a:avLst>
+              <a:gd name="adj1" fmla="val 84469"/>
+            </a:avLst>
+          </a:prstGeom>
+          <a:ln w="19050">
+            <a:solidFill>
+              <a:srgbClr val="7030A0"/>
+            </a:solidFill>
+            <a:headEnd type="none" w="med" len="med"/>
+            <a:tailEnd type="arrow" w="med" len="med"/>
+          </a:ln>
+          <a:effectLst/>
+        </p:spPr>
+        <p:style>
+          <a:lnRef idx="1">
+            <a:schemeClr val="accent2"/>
+          </a:lnRef>
+          <a:fillRef idx="2">
+            <a:schemeClr val="accent2"/>
+          </a:fillRef>
+          <a:effectRef idx="1">
+            <a:schemeClr val="accent2"/>
+          </a:effectRef>
+          <a:fontRef idx="minor">
+            <a:schemeClr val="dk1"/>
+          </a:fontRef>
+        </p:style>
+      </p:cxnSp>
+      <p:cxnSp>
+        <p:nvCxnSpPr>
+          <p:cNvPr id="121" name="Elbow Connector 120">
+            <a:extLst>
+              <a:ext uri="{FF2B5EF4-FFF2-40B4-BE49-F238E27FC236}">
+                <a16:creationId xmlns:a16="http://schemas.microsoft.com/office/drawing/2014/main" id="{66B30E54-675F-4C45-944A-9848B2CB6329}"/>
+              </a:ext>
+            </a:extLst>
+          </p:cNvPr>
+          <p:cNvCxnSpPr>
+            <a:cxnSpLocks/>
+            <a:stCxn id="271" idx="3"/>
+          </p:cNvCxnSpPr>
+          <p:nvPr/>
+        </p:nvCxnSpPr>
+        <p:spPr>
+          <a:xfrm>
+            <a:off x="3197932" y="5446958"/>
+            <a:ext cx="1354242" cy="325439"/>
+          </a:xfrm>
+          <a:prstGeom prst="bentConnector3">
+            <a:avLst>
+              <a:gd name="adj1" fmla="val 84479"/>
+            </a:avLst>
+          </a:prstGeom>
+          <a:ln w="19050">
+            <a:solidFill>
+              <a:srgbClr val="7030A0"/>
+            </a:solidFill>
+            <a:headEnd type="none" w="med" len="med"/>
+            <a:tailEnd type="arrow" w="med" len="med"/>
+          </a:ln>
+          <a:effectLst/>
+        </p:spPr>
+        <p:style>
+          <a:lnRef idx="1">
+            <a:schemeClr val="accent2"/>
+          </a:lnRef>
+          <a:fillRef idx="2">
+            <a:schemeClr val="accent2"/>
+          </a:fillRef>
+          <a:effectRef idx="1">
+            <a:schemeClr val="accent2"/>
+          </a:effectRef>
+          <a:fontRef idx="minor">
+            <a:schemeClr val="dk1"/>
+          </a:fontRef>
+        </p:style>
+      </p:cxnSp>
+      <p:cxnSp>
+        <p:nvCxnSpPr>
+          <p:cNvPr id="126" name="Elbow Connector 125">
+            <a:extLst>
+              <a:ext uri="{FF2B5EF4-FFF2-40B4-BE49-F238E27FC236}">
+                <a16:creationId xmlns:a16="http://schemas.microsoft.com/office/drawing/2014/main" id="{945C3A5E-F4CA-664A-B650-92AA2C6369C5}"/>
+              </a:ext>
+            </a:extLst>
+          </p:cNvPr>
+          <p:cNvCxnSpPr>
+            <a:cxnSpLocks/>
+          </p:cNvCxnSpPr>
+          <p:nvPr/>
+        </p:nvCxnSpPr>
+        <p:spPr>
+          <a:xfrm rot="5400000">
+            <a:off x="2590809" y="5790013"/>
+            <a:ext cx="396000" cy="755"/>
+          </a:xfrm>
+          <a:prstGeom prst="bentConnector3">
+            <a:avLst>
+              <a:gd name="adj1" fmla="val 50000"/>
+            </a:avLst>
+          </a:prstGeom>
+          <a:ln w="19050">
+            <a:solidFill>
+              <a:srgbClr val="7030A0"/>
+            </a:solidFill>
+            <a:headEnd type="none" w="med" len="med"/>
+            <a:tailEnd type="arrow" w="med" len="med"/>
+          </a:ln>
+          <a:effectLst/>
+        </p:spPr>
+        <p:style>
+          <a:lnRef idx="1">
+            <a:schemeClr val="accent2"/>
+          </a:lnRef>
+          <a:fillRef idx="2">
+            <a:schemeClr val="accent2"/>
+          </a:fillRef>
+          <a:effectRef idx="1">
+            <a:schemeClr val="accent2"/>
+          </a:effectRef>
+          <a:fontRef idx="minor">
+            <a:schemeClr val="dk1"/>
+          </a:fontRef>
+        </p:style>
+      </p:cxnSp>
+      <p:cxnSp>
+        <p:nvCxnSpPr>
+          <p:cNvPr id="137" name="Straight Arrow Connector 81">
+            <a:extLst>
+              <a:ext uri="{FF2B5EF4-FFF2-40B4-BE49-F238E27FC236}">
+                <a16:creationId xmlns:a16="http://schemas.microsoft.com/office/drawing/2014/main" id="{F9D87AFB-9788-7C4F-8F87-B916BBFB877F}"/>
+              </a:ext>
+            </a:extLst>
+          </p:cNvPr>
+          <p:cNvCxnSpPr>
+            <a:cxnSpLocks/>
+          </p:cNvCxnSpPr>
+          <p:nvPr/>
+        </p:nvCxnSpPr>
+        <p:spPr>
+          <a:xfrm rot="5400000" flipH="1" flipV="1">
+            <a:off x="5592778" y="5693841"/>
+            <a:ext cx="1076140" cy="788668"/>
+          </a:xfrm>
+          <a:prstGeom prst="bentConnector3">
+            <a:avLst>
+              <a:gd name="adj1" fmla="val 283"/>
+            </a:avLst>
+          </a:prstGeom>
+          <a:ln w="19050">
+            <a:solidFill>
+              <a:srgbClr val="7030A0"/>
+            </a:solidFill>
+            <a:headEnd type="none" w="med" len="med"/>
+            <a:tailEnd type="arrow" w="med" len="med"/>
+          </a:ln>
+        </p:spPr>
+        <p:style>
+          <a:lnRef idx="1">
+            <a:schemeClr val="dk1"/>
+          </a:lnRef>
+          <a:fillRef idx="0">
+            <a:schemeClr val="dk1"/>
+          </a:fillRef>
+          <a:effectRef idx="0">
+            <a:schemeClr val="dk1"/>
+          </a:effectRef>
+          <a:fontRef idx="minor">
+            <a:schemeClr val="tx1"/>
+          </a:fontRef>
+        </p:style>
+      </p:cxnSp>
+      <p:cxnSp>
+        <p:nvCxnSpPr>
+          <p:cNvPr id="44" name="Elbow Connector 43">
+            <a:extLst>
+              <a:ext uri="{FF2B5EF4-FFF2-40B4-BE49-F238E27FC236}">
+                <a16:creationId xmlns:a16="http://schemas.microsoft.com/office/drawing/2014/main" id="{35F0897F-ED9E-744E-9BBC-B91B72FC55AE}"/>
+              </a:ext>
+            </a:extLst>
+          </p:cNvPr>
+          <p:cNvCxnSpPr>
+            <a:cxnSpLocks/>
+            <a:stCxn id="271" idx="1"/>
+          </p:cNvCxnSpPr>
+          <p:nvPr/>
+        </p:nvCxnSpPr>
+        <p:spPr>
+          <a:xfrm rot="10800000" flipH="1" flipV="1">
+            <a:off x="2350446" y="5446958"/>
+            <a:ext cx="3418488" cy="1179286"/>
+          </a:xfrm>
+          <a:prstGeom prst="bentConnector3">
+            <a:avLst>
+              <a:gd name="adj1" fmla="val -12094"/>
+            </a:avLst>
+          </a:prstGeom>
+          <a:ln w="19050">
+            <a:solidFill>
+              <a:srgbClr val="7030A0"/>
+            </a:solidFill>
+          </a:ln>
+          <a:effectLst/>
+        </p:spPr>
+        <p:style>
+          <a:lnRef idx="2">
+            <a:schemeClr val="accent4"/>
+          </a:lnRef>
+          <a:fillRef idx="0">
+            <a:schemeClr val="accent4"/>
+          </a:fillRef>
+          <a:effectRef idx="1">
+            <a:schemeClr val="accent4"/>
+          </a:effectRef>
+          <a:fontRef idx="minor">
+            <a:schemeClr val="tx1"/>
+          </a:fontRef>
+        </p:style>
+      </p:cxnSp>
+      <p:sp>
+        <p:nvSpPr>
+          <p:cNvPr id="157" name="Flowchart: Decision 96">
+            <a:extLst>
+              <a:ext uri="{FF2B5EF4-FFF2-40B4-BE49-F238E27FC236}">
+                <a16:creationId xmlns:a16="http://schemas.microsoft.com/office/drawing/2014/main" id="{EEC792BC-A7DD-034C-BE4E-1F677E1E8AB8}"/>
+              </a:ext>
+            </a:extLst>
+          </p:cNvPr>
+          <p:cNvSpPr/>
+          <p:nvPr/>
+        </p:nvSpPr>
+        <p:spPr>
+          <a:xfrm>
+            <a:off x="2111552" y="5359281"/>
+            <a:ext cx="236048" cy="173380"/>
+          </a:xfrm>
+          <a:prstGeom prst="flowChartDecision">
+            <a:avLst/>
+          </a:prstGeom>
+          <a:solidFill>
+            <a:srgbClr val="7030A0"/>
+          </a:solidFill>
+          <a:ln w="19050">
+            <a:solidFill>
+              <a:srgbClr val="7030A0"/>
+            </a:solidFill>
+          </a:ln>
+          <a:effectLst/>
+        </p:spPr>
+        <p:style>
+          <a:lnRef idx="1">
+            <a:schemeClr val="accent6"/>
+          </a:lnRef>
+          <a:fillRef idx="2">
+            <a:schemeClr val="accent6"/>
+          </a:fillRef>
+          <a:effectRef idx="1">
+            <a:schemeClr val="accent6"/>
+          </a:effectRef>
+          <a:fontRef idx="minor">
+            <a:schemeClr val="dk1"/>
+          </a:fontRef>
+        </p:style>
+        <p:txBody>
+          <a:bodyPr rtlCol="0" anchor="ctr"/>
+          <a:lstStyle/>
+          <a:p>
+            <a:pPr algn="ctr"/>
+            <a:endParaRPr lang="en-US" sz="1050"/>
+          </a:p>
+        </p:txBody>
+      </p:sp>
+      <p:sp>
+        <p:nvSpPr>
+          <p:cNvPr id="158" name="TextBox 157">
+            <a:extLst>
+              <a:ext uri="{FF2B5EF4-FFF2-40B4-BE49-F238E27FC236}">
+                <a16:creationId xmlns:a16="http://schemas.microsoft.com/office/drawing/2014/main" id="{FA227E42-D42E-A847-AFE8-6FD7D05A3726}"/>
+              </a:ext>
+            </a:extLst>
+          </p:cNvPr>
+          <p:cNvSpPr txBox="1"/>
+          <p:nvPr/>
+        </p:nvSpPr>
+        <p:spPr>
+          <a:xfrm>
+            <a:off x="6335925" y="5698805"/>
+            <a:ext cx="189257" cy="178683"/>
+          </a:xfrm>
+          <a:prstGeom prst="rect">
+            <a:avLst/>
+          </a:prstGeom>
+          <a:noFill/>
+        </p:spPr>
+        <p:txBody>
+          <a:bodyPr wrap="square" lIns="0" tIns="0" rIns="0" bIns="0" rtlCol="0">
+            <a:noAutofit/>
+          </a:bodyPr>
+          <a:lstStyle/>
+          <a:p>
+            <a:pPr algn="ctr"/>
+            <a:r>
+              <a:rPr lang="en-US" sz="1100" dirty="0">
+                <a:solidFill>
+                  <a:srgbClr val="7030A0"/>
+                </a:solidFill>
+              </a:rPr>
+              <a:t>*</a:t>
+            </a:r>
+            <a:endParaRPr lang="en-SG" sz="1100" dirty="0">
+              <a:solidFill>
+                <a:srgbClr val="7030A0"/>
+              </a:solidFill>
+            </a:endParaRPr>
+          </a:p>
+        </p:txBody>
+      </p:sp>
+      <p:sp>
+        <p:nvSpPr>
+          <p:cNvPr id="159" name="TextBox 158">
+            <a:extLst>
+              <a:ext uri="{FF2B5EF4-FFF2-40B4-BE49-F238E27FC236}">
+                <a16:creationId xmlns:a16="http://schemas.microsoft.com/office/drawing/2014/main" id="{3C5E7844-2C61-354F-8C87-53C0C0E25BA9}"/>
+              </a:ext>
+            </a:extLst>
+          </p:cNvPr>
+          <p:cNvSpPr txBox="1"/>
+          <p:nvPr/>
+        </p:nvSpPr>
+        <p:spPr>
+          <a:xfrm>
+            <a:off x="2549910" y="5793930"/>
+            <a:ext cx="189257" cy="178683"/>
+          </a:xfrm>
+          <a:prstGeom prst="rect">
+            <a:avLst/>
+          </a:prstGeom>
+          <a:noFill/>
+        </p:spPr>
+        <p:txBody>
+          <a:bodyPr wrap="square" lIns="0" tIns="0" rIns="0" bIns="0" rtlCol="0">
+            <a:noAutofit/>
+          </a:bodyPr>
+          <a:lstStyle/>
+          <a:p>
+            <a:pPr algn="ctr"/>
+            <a:r>
+              <a:rPr lang="en-US" sz="1100" dirty="0">
+                <a:solidFill>
+                  <a:srgbClr val="7030A0"/>
+                </a:solidFill>
+              </a:rPr>
+              <a:t>1</a:t>
+            </a:r>
+            <a:endParaRPr lang="en-SG" sz="1100" dirty="0">
+              <a:solidFill>
+                <a:srgbClr val="7030A0"/>
+              </a:solidFill>
+            </a:endParaRPr>
+          </a:p>
+        </p:txBody>
+      </p:sp>
+      <p:sp>
+        <p:nvSpPr>
+          <p:cNvPr id="160" name="TextBox 159">
+            <a:extLst>
+              <a:ext uri="{FF2B5EF4-FFF2-40B4-BE49-F238E27FC236}">
+                <a16:creationId xmlns:a16="http://schemas.microsoft.com/office/drawing/2014/main" id="{5CE8AA01-8E05-6140-B869-5AEC61CD0DF7}"/>
+              </a:ext>
+            </a:extLst>
+          </p:cNvPr>
+          <p:cNvSpPr txBox="1"/>
+          <p:nvPr/>
+        </p:nvSpPr>
+        <p:spPr>
+          <a:xfrm>
+            <a:off x="4326461" y="4836123"/>
+            <a:ext cx="189257" cy="178683"/>
+          </a:xfrm>
+          <a:prstGeom prst="rect">
+            <a:avLst/>
+          </a:prstGeom>
+          <a:noFill/>
+        </p:spPr>
+        <p:txBody>
+          <a:bodyPr wrap="square" lIns="0" tIns="0" rIns="0" bIns="0" rtlCol="0">
+            <a:noAutofit/>
+          </a:bodyPr>
+          <a:lstStyle/>
+          <a:p>
+            <a:pPr algn="ctr"/>
+            <a:r>
+              <a:rPr lang="en-US" sz="1100" dirty="0">
+                <a:solidFill>
+                  <a:srgbClr val="7030A0"/>
+                </a:solidFill>
+              </a:rPr>
+              <a:t>1</a:t>
+            </a:r>
+            <a:endParaRPr lang="en-SG" sz="1100" dirty="0">
+              <a:solidFill>
+                <a:srgbClr val="7030A0"/>
+              </a:solidFill>
+            </a:endParaRPr>
+          </a:p>
+        </p:txBody>
+      </p:sp>
+      <p:sp>
+        <p:nvSpPr>
+          <p:cNvPr id="161" name="TextBox 160">
+            <a:extLst>
+              <a:ext uri="{FF2B5EF4-FFF2-40B4-BE49-F238E27FC236}">
+                <a16:creationId xmlns:a16="http://schemas.microsoft.com/office/drawing/2014/main" id="{4B7E7695-DF75-C548-9750-C9ECFD47140A}"/>
+              </a:ext>
+            </a:extLst>
+          </p:cNvPr>
+          <p:cNvSpPr txBox="1"/>
+          <p:nvPr/>
+        </p:nvSpPr>
+        <p:spPr>
+          <a:xfrm>
+            <a:off x="4345584" y="5556130"/>
+            <a:ext cx="189257" cy="178683"/>
+          </a:xfrm>
+          <a:prstGeom prst="rect">
+            <a:avLst/>
+          </a:prstGeom>
+          <a:noFill/>
+        </p:spPr>
+        <p:txBody>
+          <a:bodyPr wrap="square" lIns="0" tIns="0" rIns="0" bIns="0" rtlCol="0">
+            <a:noAutofit/>
+          </a:bodyPr>
+          <a:lstStyle/>
+          <a:p>
+            <a:pPr algn="ctr"/>
+            <a:r>
+              <a:rPr lang="en-US" sz="1100" dirty="0">
+                <a:solidFill>
+                  <a:srgbClr val="7030A0"/>
+                </a:solidFill>
+              </a:rPr>
+              <a:t>1</a:t>
+            </a:r>
+            <a:endParaRPr lang="en-SG" sz="1100" dirty="0">
+              <a:solidFill>
+                <a:srgbClr val="7030A0"/>
+              </a:solidFill>
+            </a:endParaRPr>
+          </a:p>
+        </p:txBody>
+      </p:sp>
     </p:spTree>
     <p:extLst>
       <p:ext uri="{BB962C8B-B14F-4D97-AF65-F5344CB8AC3E}">
